--- a/basic_new/Module 07 - Files.pptx
+++ b/basic_new/Module 07 - Files.pptx
@@ -5,7 +5,7 @@
     <p:sldMasterId id="2147483648" r:id="rId1"/>
   </p:sldMasterIdLst>
   <p:notesMasterIdLst>
-    <p:notesMasterId r:id="rId18"/>
+    <p:notesMasterId r:id="rId21"/>
   </p:notesMasterIdLst>
   <p:sldIdLst>
     <p:sldId id="256" r:id="rId2"/>
@@ -18,12 +18,15 @@
     <p:sldId id="263" r:id="rId9"/>
     <p:sldId id="286" r:id="rId10"/>
     <p:sldId id="287" r:id="rId11"/>
-    <p:sldId id="288" r:id="rId12"/>
-    <p:sldId id="265" r:id="rId13"/>
-    <p:sldId id="289" r:id="rId14"/>
-    <p:sldId id="290" r:id="rId15"/>
-    <p:sldId id="279" r:id="rId16"/>
-    <p:sldId id="284" r:id="rId17"/>
+    <p:sldId id="279" r:id="rId12"/>
+    <p:sldId id="288" r:id="rId13"/>
+    <p:sldId id="265" r:id="rId14"/>
+    <p:sldId id="289" r:id="rId15"/>
+    <p:sldId id="290" r:id="rId16"/>
+    <p:sldId id="291" r:id="rId17"/>
+    <p:sldId id="292" r:id="rId18"/>
+    <p:sldId id="293" r:id="rId19"/>
+    <p:sldId id="284" r:id="rId20"/>
   </p:sldIdLst>
   <p:sldSz cx="12192000" cy="6858000"/>
   <p:notesSz cx="6858000" cy="9144000"/>
@@ -416,7 +419,7 @@
           <a:p>
             <a:fld id="{357D12D4-CC8E-4A56-B07A-433A55249EC8}" type="datetimeFigureOut">
               <a:rPr lang="he-IL" smtClean="0"/>
-              <a:t>ו'/תמוז/תשפ"ג</a:t>
+              <a:t>ט"ז/תמוז/תשפ"ג</a:t>
             </a:fld>
             <a:endParaRPr lang="he-IL"/>
           </a:p>
@@ -1606,7 +1609,7 @@
             <a:fld id="{C18343ED-3762-4D46-A439-B4D407E13EF8}" type="slidenum">
               <a:rPr lang="en-US" smtClean="0"/>
               <a:pPr/>
-              <a:t>15</a:t>
+              <a:t>11</a:t>
             </a:fld>
             <a:endParaRPr lang="en-US"/>
           </a:p>
@@ -1616,6 +1619,91 @@
     <p:extLst>
       <p:ext uri="{BB962C8B-B14F-4D97-AF65-F5344CB8AC3E}">
         <p14:creationId xmlns:p14="http://schemas.microsoft.com/office/powerpoint/2010/main" val="707167685"/>
+      </p:ext>
+    </p:extLst>
+  </p:cSld>
+  <p:clrMapOvr>
+    <a:masterClrMapping/>
+  </p:clrMapOvr>
+</p:notes>
+</file>
+
+<file path=ppt/notesSlides/notesSlide8.xml><?xml version="1.0" encoding="utf-8"?>
+<p:notes xmlns:a="http://schemas.openxmlformats.org/drawingml/2006/main" xmlns:r="http://schemas.openxmlformats.org/officeDocument/2006/relationships" xmlns:p="http://schemas.openxmlformats.org/presentationml/2006/main">
+  <p:cSld>
+    <p:spTree>
+      <p:nvGrpSpPr>
+        <p:cNvPr id="1" name=""/>
+        <p:cNvGrpSpPr/>
+        <p:nvPr/>
+      </p:nvGrpSpPr>
+      <p:grpSpPr>
+        <a:xfrm>
+          <a:off x="0" y="0"/>
+          <a:ext cx="0" cy="0"/>
+          <a:chOff x="0" y="0"/>
+          <a:chExt cx="0" cy="0"/>
+        </a:xfrm>
+      </p:grpSpPr>
+      <p:sp>
+        <p:nvSpPr>
+          <p:cNvPr id="2" name="Slide Image Placeholder 1"/>
+          <p:cNvSpPr>
+            <a:spLocks noGrp="1" noRot="1" noChangeAspect="1"/>
+          </p:cNvSpPr>
+          <p:nvPr>
+            <p:ph type="sldImg"/>
+          </p:nvPr>
+        </p:nvSpPr>
+        <p:spPr/>
+      </p:sp>
+      <p:sp>
+        <p:nvSpPr>
+          <p:cNvPr id="3" name="Notes Placeholder 2"/>
+          <p:cNvSpPr>
+            <a:spLocks noGrp="1"/>
+          </p:cNvSpPr>
+          <p:nvPr>
+            <p:ph type="body" idx="1"/>
+          </p:nvPr>
+        </p:nvSpPr>
+        <p:spPr/>
+        <p:txBody>
+          <a:bodyPr/>
+          <a:lstStyle/>
+          <a:p>
+            <a:endParaRPr lang="en-US" dirty="0"/>
+          </a:p>
+        </p:txBody>
+      </p:sp>
+      <p:sp>
+        <p:nvSpPr>
+          <p:cNvPr id="4" name="Slide Number Placeholder 3"/>
+          <p:cNvSpPr>
+            <a:spLocks noGrp="1"/>
+          </p:cNvSpPr>
+          <p:nvPr>
+            <p:ph type="sldNum" sz="quarter" idx="10"/>
+          </p:nvPr>
+        </p:nvSpPr>
+        <p:spPr/>
+        <p:txBody>
+          <a:bodyPr/>
+          <a:lstStyle/>
+          <a:p>
+            <a:fld id="{C18343ED-3762-4D46-A439-B4D407E13EF8}" type="slidenum">
+              <a:rPr lang="en-US" smtClean="0"/>
+              <a:pPr/>
+              <a:t>18</a:t>
+            </a:fld>
+            <a:endParaRPr lang="en-US"/>
+          </a:p>
+        </p:txBody>
+      </p:sp>
+    </p:spTree>
+    <p:extLst>
+      <p:ext uri="{BB962C8B-B14F-4D97-AF65-F5344CB8AC3E}">
+        <p14:creationId xmlns:p14="http://schemas.microsoft.com/office/powerpoint/2010/main" val="2831593847"/>
       </p:ext>
     </p:extLst>
   </p:cSld>
@@ -1774,7 +1862,7 @@
           <a:p>
             <a:fld id="{04A69043-466E-4952-90CD-1922DEC3164F}" type="datetimeFigureOut">
               <a:rPr lang="he-IL" smtClean="0"/>
-              <a:t>ו'/תמוז/תשפ"ג</a:t>
+              <a:t>ט"ז/תמוז/תשפ"ג</a:t>
             </a:fld>
             <a:endParaRPr lang="he-IL"/>
           </a:p>
@@ -1974,7 +2062,7 @@
           <a:p>
             <a:fld id="{04A69043-466E-4952-90CD-1922DEC3164F}" type="datetimeFigureOut">
               <a:rPr lang="he-IL" smtClean="0"/>
-              <a:t>ו'/תמוז/תשפ"ג</a:t>
+              <a:t>ט"ז/תמוז/תשפ"ג</a:t>
             </a:fld>
             <a:endParaRPr lang="he-IL"/>
           </a:p>
@@ -2184,7 +2272,7 @@
           <a:p>
             <a:fld id="{04A69043-466E-4952-90CD-1922DEC3164F}" type="datetimeFigureOut">
               <a:rPr lang="he-IL" smtClean="0"/>
-              <a:t>ו'/תמוז/תשפ"ג</a:t>
+              <a:t>ט"ז/תמוז/תשפ"ג</a:t>
             </a:fld>
             <a:endParaRPr lang="he-IL"/>
           </a:p>
@@ -4572,7 +4660,7 @@
           <a:p>
             <a:fld id="{04A69043-466E-4952-90CD-1922DEC3164F}" type="datetimeFigureOut">
               <a:rPr lang="he-IL" smtClean="0"/>
-              <a:t>ו'/תמוז/תשפ"ג</a:t>
+              <a:t>ט"ז/תמוז/תשפ"ג</a:t>
             </a:fld>
             <a:endParaRPr lang="he-IL"/>
           </a:p>
@@ -4848,7 +4936,7 @@
           <a:p>
             <a:fld id="{04A69043-466E-4952-90CD-1922DEC3164F}" type="datetimeFigureOut">
               <a:rPr lang="he-IL" smtClean="0"/>
-              <a:t>ו'/תמוז/תשפ"ג</a:t>
+              <a:t>ט"ז/תמוז/תשפ"ג</a:t>
             </a:fld>
             <a:endParaRPr lang="he-IL"/>
           </a:p>
@@ -5116,7 +5204,7 @@
           <a:p>
             <a:fld id="{04A69043-466E-4952-90CD-1922DEC3164F}" type="datetimeFigureOut">
               <a:rPr lang="he-IL" smtClean="0"/>
-              <a:t>ו'/תמוז/תשפ"ג</a:t>
+              <a:t>ט"ז/תמוז/תשפ"ג</a:t>
             </a:fld>
             <a:endParaRPr lang="he-IL"/>
           </a:p>
@@ -5531,7 +5619,7 @@
           <a:p>
             <a:fld id="{04A69043-466E-4952-90CD-1922DEC3164F}" type="datetimeFigureOut">
               <a:rPr lang="he-IL" smtClean="0"/>
-              <a:t>ו'/תמוז/תשפ"ג</a:t>
+              <a:t>ט"ז/תמוז/תשפ"ג</a:t>
             </a:fld>
             <a:endParaRPr lang="he-IL"/>
           </a:p>
@@ -5673,7 +5761,7 @@
           <a:p>
             <a:fld id="{04A69043-466E-4952-90CD-1922DEC3164F}" type="datetimeFigureOut">
               <a:rPr lang="he-IL" smtClean="0"/>
-              <a:t>ו'/תמוז/תשפ"ג</a:t>
+              <a:t>ט"ז/תמוז/תשפ"ג</a:t>
             </a:fld>
             <a:endParaRPr lang="he-IL"/>
           </a:p>
@@ -5786,7 +5874,7 @@
           <a:p>
             <a:fld id="{04A69043-466E-4952-90CD-1922DEC3164F}" type="datetimeFigureOut">
               <a:rPr lang="he-IL" smtClean="0"/>
-              <a:t>ו'/תמוז/תשפ"ג</a:t>
+              <a:t>ט"ז/תמוז/תשפ"ג</a:t>
             </a:fld>
             <a:endParaRPr lang="he-IL"/>
           </a:p>
@@ -6099,7 +6187,7 @@
           <a:p>
             <a:fld id="{04A69043-466E-4952-90CD-1922DEC3164F}" type="datetimeFigureOut">
               <a:rPr lang="he-IL" smtClean="0"/>
-              <a:t>ו'/תמוז/תשפ"ג</a:t>
+              <a:t>ט"ז/תמוז/תשפ"ג</a:t>
             </a:fld>
             <a:endParaRPr lang="he-IL"/>
           </a:p>
@@ -6388,7 +6476,7 @@
           <a:p>
             <a:fld id="{04A69043-466E-4952-90CD-1922DEC3164F}" type="datetimeFigureOut">
               <a:rPr lang="he-IL" smtClean="0"/>
-              <a:t>ו'/תמוז/תשפ"ג</a:t>
+              <a:t>ט"ז/תמוז/תשפ"ג</a:t>
             </a:fld>
             <a:endParaRPr lang="he-IL"/>
           </a:p>
@@ -6631,7 +6719,7 @@
           <a:p>
             <a:fld id="{04A69043-466E-4952-90CD-1922DEC3164F}" type="datetimeFigureOut">
               <a:rPr lang="he-IL" smtClean="0"/>
-              <a:t>ו'/תמוז/תשפ"ג</a:t>
+              <a:t>ט"ז/תמוז/תשפ"ג</a:t>
             </a:fld>
             <a:endParaRPr lang="he-IL"/>
           </a:p>
@@ -7064,7 +7152,12 @@
             <p:ph type="ctrTitle"/>
           </p:nvPr>
         </p:nvSpPr>
-        <p:spPr/>
+        <p:spPr>
+          <a:xfrm>
+            <a:off x="1170618" y="2343150"/>
+            <a:ext cx="9850763" cy="1085850"/>
+          </a:xfrm>
+        </p:spPr>
         <p:txBody>
           <a:bodyPr/>
           <a:lstStyle/>
@@ -7764,13 +7857,7 @@
       </p:grpSpPr>
       <p:sp>
         <p:nvSpPr>
-          <p:cNvPr id="2" name="Title 1">
-            <a:extLst>
-              <a:ext uri="{FF2B5EF4-FFF2-40B4-BE49-F238E27FC236}">
-                <a16:creationId xmlns:a16="http://schemas.microsoft.com/office/drawing/2014/main" id="{D0E6308D-15D3-40DC-84AC-9E6FDE2E0365}"/>
-              </a:ext>
-            </a:extLst>
-          </p:cNvPr>
+          <p:cNvPr id="3" name="Title 2"/>
           <p:cNvSpPr>
             <a:spLocks noGrp="1"/>
           </p:cNvSpPr>
@@ -7784,67 +7871,8 @@
           <a:lstStyle/>
           <a:p>
             <a:r>
-              <a:rPr lang="en-US" dirty="0"/>
-              <a:t>JSON</a:t>
-            </a:r>
-            <a:endParaRPr lang="he-IL" dirty="0"/>
-          </a:p>
-        </p:txBody>
-      </p:sp>
-      <p:sp>
-        <p:nvSpPr>
-          <p:cNvPr id="3" name="Content Placeholder 2">
-            <a:extLst>
-              <a:ext uri="{FF2B5EF4-FFF2-40B4-BE49-F238E27FC236}">
-                <a16:creationId xmlns:a16="http://schemas.microsoft.com/office/drawing/2014/main" id="{90D3C257-3016-4B19-B415-09F837445CA2}"/>
-              </a:ext>
-            </a:extLst>
-          </p:cNvPr>
-          <p:cNvSpPr>
-            <a:spLocks noGrp="1"/>
-          </p:cNvSpPr>
-          <p:nvPr>
-            <p:ph idx="1"/>
-          </p:nvPr>
-        </p:nvSpPr>
-        <p:spPr>
-          <a:xfrm>
-            <a:off x="838199" y="1825625"/>
-            <a:ext cx="10515599" cy="4351338"/>
-          </a:xfrm>
-        </p:spPr>
-        <p:txBody>
-          <a:bodyPr>
-            <a:normAutofit fontScale="92500"/>
-          </a:bodyPr>
-          <a:lstStyle/>
-          <a:p>
-            <a:pPr fontAlgn="t"/>
-            <a:r>
-              <a:rPr lang="en-US" sz="2600" dirty="0"/>
-              <a:t>JSON (JavaScript Object Notation) is a lightweight data-interchange format that is widely used for transmitting and storing data. It is easy for humans to read and write, and it's also easy for machines to parse and generate. JSON is supported by many programming languages, including Python.</a:t>
-            </a:r>
-          </a:p>
-          <a:p>
-            <a:pPr fontAlgn="t"/>
-            <a:endParaRPr lang="en-US" sz="2600" dirty="0"/>
-          </a:p>
-          <a:p>
-            <a:pPr fontAlgn="t"/>
-            <a:r>
-              <a:rPr lang="en-US" sz="2600" dirty="0"/>
-              <a:t>In Python, you can work with JSON using the built-in json module. This module provides functions for encoding (converting Python objects to JSON strings) and decoding (converting JSON strings to Python objects) data.</a:t>
-            </a:r>
-          </a:p>
-          <a:p>
-            <a:pPr fontAlgn="t"/>
-            <a:endParaRPr lang="en-US" sz="2600" dirty="0"/>
-          </a:p>
-          <a:p>
-            <a:pPr fontAlgn="t"/>
-            <a:r>
-              <a:rPr lang="en-US" sz="2600" dirty="0"/>
-              <a:t>Let's start with an example of encoding a Python object to JSON. Consider a dictionary representing a person's information:</a:t>
+              <a:rPr lang="en-US"/>
+              <a:t>Labs 01-03</a:t>
             </a:r>
             <a:endParaRPr lang="he-IL" dirty="0"/>
           </a:p>
@@ -7853,7 +7881,7 @@
     </p:spTree>
     <p:extLst>
       <p:ext uri="{BB962C8B-B14F-4D97-AF65-F5344CB8AC3E}">
-        <p14:creationId xmlns:p14="http://schemas.microsoft.com/office/powerpoint/2010/main" val="754513646"/>
+        <p14:creationId xmlns:p14="http://schemas.microsoft.com/office/powerpoint/2010/main" val="540939569"/>
       </p:ext>
     </p:extLst>
   </p:cSld>
@@ -7882,7 +7910,13 @@
       </p:grpSpPr>
       <p:sp>
         <p:nvSpPr>
-          <p:cNvPr id="7" name="Title 6"/>
+          <p:cNvPr id="2" name="Title 1">
+            <a:extLst>
+              <a:ext uri="{FF2B5EF4-FFF2-40B4-BE49-F238E27FC236}">
+                <a16:creationId xmlns:a16="http://schemas.microsoft.com/office/drawing/2014/main" id="{D0E6308D-15D3-40DC-84AC-9E6FDE2E0365}"/>
+              </a:ext>
+            </a:extLst>
+          </p:cNvPr>
           <p:cNvSpPr>
             <a:spLocks noGrp="1"/>
           </p:cNvSpPr>
@@ -7897,16 +7931,122 @@
           <a:p>
             <a:r>
               <a:rPr lang="en-US" dirty="0"/>
-              <a:t>JSON Examples</a:t>
+              <a:t>JSON</a:t>
             </a:r>
             <a:endParaRPr lang="he-IL" dirty="0"/>
           </a:p>
         </p:txBody>
       </p:sp>
+      <p:sp>
+        <p:nvSpPr>
+          <p:cNvPr id="3" name="Content Placeholder 2">
+            <a:extLst>
+              <a:ext uri="{FF2B5EF4-FFF2-40B4-BE49-F238E27FC236}">
+                <a16:creationId xmlns:a16="http://schemas.microsoft.com/office/drawing/2014/main" id="{90D3C257-3016-4B19-B415-09F837445CA2}"/>
+              </a:ext>
+            </a:extLst>
+          </p:cNvPr>
+          <p:cNvSpPr>
+            <a:spLocks noGrp="1"/>
+          </p:cNvSpPr>
+          <p:nvPr>
+            <p:ph idx="1"/>
+          </p:nvPr>
+        </p:nvSpPr>
+        <p:spPr>
+          <a:xfrm>
+            <a:off x="838199" y="1825625"/>
+            <a:ext cx="10515599" cy="4351338"/>
+          </a:xfrm>
+        </p:spPr>
+        <p:txBody>
+          <a:bodyPr>
+            <a:normAutofit fontScale="92500"/>
+          </a:bodyPr>
+          <a:lstStyle/>
+          <a:p>
+            <a:pPr fontAlgn="t"/>
+            <a:r>
+              <a:rPr lang="en-US" sz="2600" dirty="0"/>
+              <a:t>JSON (JavaScript Object Notation) is a lightweight data-interchange format that is widely used for transmitting and storing data. It is easy for humans to read and write, and it's also easy for machines to parse and generate. JSON is supported by many programming languages, including Python.</a:t>
+            </a:r>
+          </a:p>
+          <a:p>
+            <a:pPr fontAlgn="t"/>
+            <a:endParaRPr lang="en-US" sz="2600" dirty="0"/>
+          </a:p>
+          <a:p>
+            <a:pPr fontAlgn="t"/>
+            <a:r>
+              <a:rPr lang="en-US" sz="2600" dirty="0"/>
+              <a:t>In Python, you can work with JSON using the built-in json module. This module provides functions for encoding (converting Python objects to JSON strings) and decoding (converting JSON strings to Python objects) data.</a:t>
+            </a:r>
+          </a:p>
+          <a:p>
+            <a:pPr fontAlgn="t"/>
+            <a:endParaRPr lang="en-US" sz="2600" dirty="0"/>
+          </a:p>
+          <a:p>
+            <a:pPr fontAlgn="t"/>
+            <a:r>
+              <a:rPr lang="en-US" sz="2600" dirty="0"/>
+              <a:t>Let's start with an example of encoding a Python object to JSON. Consider a dictionary representing a person's information:</a:t>
+            </a:r>
+            <a:endParaRPr lang="he-IL" dirty="0"/>
+          </a:p>
+        </p:txBody>
+      </p:sp>
+      <p:pic>
+        <p:nvPicPr>
+          <p:cNvPr id="3074" name="Picture 2" descr="JSON Files ETL | Open-source Data Integration | Airbyte">
+            <a:extLst>
+              <a:ext uri="{FF2B5EF4-FFF2-40B4-BE49-F238E27FC236}">
+                <a16:creationId xmlns:a16="http://schemas.microsoft.com/office/drawing/2014/main" id="{8CB4AA91-0E88-40D1-9E9C-2F34F75427F5}"/>
+              </a:ext>
+            </a:extLst>
+          </p:cNvPr>
+          <p:cNvPicPr>
+            <a:picLocks noChangeAspect="1" noChangeArrowheads="1"/>
+          </p:cNvPicPr>
+          <p:nvPr/>
+        </p:nvPicPr>
+        <p:blipFill>
+          <a:blip r:embed="rId2">
+            <a:extLst>
+              <a:ext uri="{28A0092B-C50C-407E-A947-70E740481C1C}">
+                <a14:useLocalDpi xmlns:a14="http://schemas.microsoft.com/office/drawing/2010/main" val="0"/>
+              </a:ext>
+            </a:extLst>
+          </a:blip>
+          <a:srcRect/>
+          <a:stretch>
+            <a:fillRect/>
+          </a:stretch>
+        </p:blipFill>
+        <p:spPr bwMode="auto">
+          <a:xfrm>
+            <a:off x="2352582" y="336588"/>
+            <a:ext cx="1252383" cy="1252383"/>
+          </a:xfrm>
+          <a:prstGeom prst="rect">
+            <a:avLst/>
+          </a:prstGeom>
+          <a:noFill/>
+          <a:extLst>
+            <a:ext uri="{909E8E84-426E-40DD-AFC4-6F175D3DCCD1}">
+              <a14:hiddenFill xmlns:a14="http://schemas.microsoft.com/office/drawing/2010/main">
+                <a:solidFill>
+                  <a:srgbClr val="FFFFFF"/>
+                </a:solidFill>
+              </a14:hiddenFill>
+            </a:ext>
+          </a:extLst>
+        </p:spPr>
+      </p:pic>
     </p:spTree>
     <p:extLst>
       <p:ext uri="{BB962C8B-B14F-4D97-AF65-F5344CB8AC3E}">
-        <p14:creationId xmlns:p14="http://schemas.microsoft.com/office/powerpoint/2010/main" val="3389889836"/>
+        <p14:creationId xmlns:p14="http://schemas.microsoft.com/office/powerpoint/2010/main" val="754513646"/>
       </p:ext>
     </p:extLst>
   </p:cSld>
@@ -7935,13 +8075,7 @@
       </p:grpSpPr>
       <p:sp>
         <p:nvSpPr>
-          <p:cNvPr id="2" name="Title 1">
-            <a:extLst>
-              <a:ext uri="{FF2B5EF4-FFF2-40B4-BE49-F238E27FC236}">
-                <a16:creationId xmlns:a16="http://schemas.microsoft.com/office/drawing/2014/main" id="{D0E6308D-15D3-40DC-84AC-9E6FDE2E0365}"/>
-              </a:ext>
-            </a:extLst>
-          </p:cNvPr>
+          <p:cNvPr id="7" name="Title 6"/>
           <p:cNvSpPr>
             <a:spLocks noGrp="1"/>
           </p:cNvSpPr>
@@ -7962,612 +8096,10 @@
           </a:p>
         </p:txBody>
       </p:sp>
-      <p:sp>
-        <p:nvSpPr>
-          <p:cNvPr id="6" name="Rectangle 1">
-            <a:extLst>
-              <a:ext uri="{FF2B5EF4-FFF2-40B4-BE49-F238E27FC236}">
-                <a16:creationId xmlns:a16="http://schemas.microsoft.com/office/drawing/2014/main" id="{D45D6B3C-8D70-4D64-BF64-79764E45A5EC}"/>
-              </a:ext>
-            </a:extLst>
-          </p:cNvPr>
-          <p:cNvSpPr>
-            <a:spLocks noChangeArrowheads="1"/>
-          </p:cNvSpPr>
-          <p:nvPr/>
-        </p:nvSpPr>
-        <p:spPr bwMode="auto">
-          <a:xfrm>
-            <a:off x="949911" y="2875002"/>
-            <a:ext cx="7723573" cy="3046988"/>
-          </a:xfrm>
-          <a:prstGeom prst="rect">
-            <a:avLst/>
-          </a:prstGeom>
-          <a:solidFill>
-            <a:srgbClr val="2B2B2B"/>
-          </a:solidFill>
-          <a:ln>
-            <a:noFill/>
-          </a:ln>
-          <a:effectLst/>
-          <a:extLst>
-            <a:ext uri="{91240B29-F687-4F45-9708-019B960494DF}">
-              <a14:hiddenLine xmlns:a14="http://schemas.microsoft.com/office/drawing/2010/main" w="9525">
-                <a:solidFill>
-                  <a:schemeClr val="tx1"/>
-                </a:solidFill>
-                <a:miter lim="800000"/>
-                <a:headEnd/>
-                <a:tailEnd/>
-              </a14:hiddenLine>
-            </a:ext>
-            <a:ext uri="{AF507438-7753-43E0-B8FC-AC1667EBCBE1}">
-              <a14:hiddenEffects xmlns:a14="http://schemas.microsoft.com/office/drawing/2010/main">
-                <a:effectLst>
-                  <a:outerShdw dist="35921" dir="2700000" algn="ctr" rotWithShape="0">
-                    <a:schemeClr val="bg2"/>
-                  </a:outerShdw>
-                </a:effectLst>
-              </a14:hiddenEffects>
-            </a:ext>
-          </a:extLst>
-        </p:spPr>
-        <p:txBody>
-          <a:bodyPr vert="horz" wrap="square" lIns="91440" tIns="45720" rIns="91440" bIns="45720" numCol="1" anchor="ctr" anchorCtr="0" compatLnSpc="1">
-            <a:prstTxWarp prst="textNoShape">
-              <a:avLst/>
-            </a:prstTxWarp>
-            <a:spAutoFit/>
-          </a:bodyPr>
-          <a:lstStyle/>
-          <a:p>
-            <a:pPr marL="0" marR="0" lvl="0" indent="0" algn="l" defTabSz="914400" rtl="0" eaLnBrk="0" fontAlgn="base" latinLnBrk="0" hangingPunct="0">
-              <a:lnSpc>
-                <a:spcPct val="100000"/>
-              </a:lnSpc>
-              <a:spcBef>
-                <a:spcPct val="0"/>
-              </a:spcBef>
-              <a:spcAft>
-                <a:spcPct val="0"/>
-              </a:spcAft>
-              <a:buClrTx/>
-              <a:buSzTx/>
-              <a:buFontTx/>
-              <a:buNone/>
-              <a:tabLst/>
-            </a:pPr>
-            <a:r>
-              <a:rPr kumimoji="0" lang="en-US" altLang="en-US" sz="1600" b="0" i="0" u="none" strike="noStrike" cap="none" normalizeH="0" baseline="0" dirty="0">
-                <a:ln>
-                  <a:noFill/>
-                </a:ln>
-                <a:solidFill>
-                  <a:srgbClr val="CC7832"/>
-                </a:solidFill>
-                <a:effectLst/>
-                <a:latin typeface="Arial Unicode MS"/>
-              </a:rPr>
-              <a:t>import </a:t>
-            </a:r>
-            <a:r>
-              <a:rPr kumimoji="0" lang="en-US" altLang="en-US" sz="1600" b="0" i="0" u="none" strike="noStrike" cap="none" normalizeH="0" baseline="0" dirty="0">
-                <a:ln>
-                  <a:noFill/>
-                </a:ln>
-                <a:solidFill>
-                  <a:srgbClr val="A9B7C6"/>
-                </a:solidFill>
-                <a:effectLst/>
-                <a:latin typeface="Arial Unicode MS"/>
-              </a:rPr>
-              <a:t>json</a:t>
-            </a:r>
-            <a:br>
-              <a:rPr kumimoji="0" lang="en-US" altLang="en-US" sz="1600" b="0" i="0" u="none" strike="noStrike" cap="none" normalizeH="0" baseline="0" dirty="0">
-                <a:ln>
-                  <a:noFill/>
-                </a:ln>
-                <a:solidFill>
-                  <a:srgbClr val="A9B7C6"/>
-                </a:solidFill>
-                <a:effectLst/>
-                <a:latin typeface="Arial Unicode MS"/>
-              </a:rPr>
-            </a:br>
-            <a:br>
-              <a:rPr kumimoji="0" lang="en-US" altLang="en-US" sz="1600" b="0" i="0" u="none" strike="noStrike" cap="none" normalizeH="0" baseline="0" dirty="0">
-                <a:ln>
-                  <a:noFill/>
-                </a:ln>
-                <a:solidFill>
-                  <a:srgbClr val="A9B7C6"/>
-                </a:solidFill>
-                <a:effectLst/>
-                <a:latin typeface="Arial Unicode MS"/>
-              </a:rPr>
-            </a:br>
-            <a:r>
-              <a:rPr kumimoji="0" lang="en-US" altLang="en-US" sz="1600" b="0" i="0" u="none" strike="noStrike" cap="none" normalizeH="0" baseline="0" dirty="0">
-                <a:ln>
-                  <a:noFill/>
-                </a:ln>
-                <a:solidFill>
-                  <a:srgbClr val="A9B7C6"/>
-                </a:solidFill>
-                <a:effectLst/>
-                <a:latin typeface="Arial Unicode MS"/>
-              </a:rPr>
-              <a:t>person = {</a:t>
-            </a:r>
-            <a:br>
-              <a:rPr kumimoji="0" lang="en-US" altLang="en-US" sz="1600" b="0" i="0" u="none" strike="noStrike" cap="none" normalizeH="0" baseline="0" dirty="0">
-                <a:ln>
-                  <a:noFill/>
-                </a:ln>
-                <a:solidFill>
-                  <a:srgbClr val="A9B7C6"/>
-                </a:solidFill>
-                <a:effectLst/>
-                <a:latin typeface="Arial Unicode MS"/>
-              </a:rPr>
-            </a:br>
-            <a:r>
-              <a:rPr kumimoji="0" lang="en-US" altLang="en-US" sz="1600" b="0" i="0" u="none" strike="noStrike" cap="none" normalizeH="0" baseline="0" dirty="0">
-                <a:ln>
-                  <a:noFill/>
-                </a:ln>
-                <a:solidFill>
-                  <a:srgbClr val="A9B7C6"/>
-                </a:solidFill>
-                <a:effectLst/>
-                <a:latin typeface="Arial Unicode MS"/>
-              </a:rPr>
-              <a:t>    </a:t>
-            </a:r>
-            <a:r>
-              <a:rPr kumimoji="0" lang="en-US" altLang="en-US" sz="1600" b="0" i="0" u="none" strike="noStrike" cap="none" normalizeH="0" baseline="0" dirty="0">
-                <a:ln>
-                  <a:noFill/>
-                </a:ln>
-                <a:solidFill>
-                  <a:srgbClr val="6A8759"/>
-                </a:solidFill>
-                <a:effectLst/>
-                <a:latin typeface="Arial Unicode MS"/>
-              </a:rPr>
-              <a:t>"name"</a:t>
-            </a:r>
-            <a:r>
-              <a:rPr kumimoji="0" lang="en-US" altLang="en-US" sz="1600" b="0" i="0" u="none" strike="noStrike" cap="none" normalizeH="0" baseline="0" dirty="0">
-                <a:ln>
-                  <a:noFill/>
-                </a:ln>
-                <a:solidFill>
-                  <a:srgbClr val="A9B7C6"/>
-                </a:solidFill>
-                <a:effectLst/>
-                <a:latin typeface="Arial Unicode MS"/>
-              </a:rPr>
-              <a:t>: </a:t>
-            </a:r>
-            <a:r>
-              <a:rPr kumimoji="0" lang="en-US" altLang="en-US" sz="1600" b="0" i="0" u="none" strike="noStrike" cap="none" normalizeH="0" baseline="0" dirty="0">
-                <a:ln>
-                  <a:noFill/>
-                </a:ln>
-                <a:solidFill>
-                  <a:srgbClr val="6A8759"/>
-                </a:solidFill>
-                <a:effectLst/>
-                <a:latin typeface="Arial Unicode MS"/>
-              </a:rPr>
-              <a:t>"John Doe"</a:t>
-            </a:r>
-            <a:r>
-              <a:rPr kumimoji="0" lang="en-US" altLang="en-US" sz="1600" b="0" i="0" u="none" strike="noStrike" cap="none" normalizeH="0" baseline="0" dirty="0">
-                <a:ln>
-                  <a:noFill/>
-                </a:ln>
-                <a:solidFill>
-                  <a:srgbClr val="CC7832"/>
-                </a:solidFill>
-                <a:effectLst/>
-                <a:latin typeface="Arial Unicode MS"/>
-              </a:rPr>
-              <a:t>,</a:t>
-            </a:r>
-            <a:br>
-              <a:rPr kumimoji="0" lang="en-US" altLang="en-US" sz="1600" b="0" i="0" u="none" strike="noStrike" cap="none" normalizeH="0" baseline="0" dirty="0">
-                <a:ln>
-                  <a:noFill/>
-                </a:ln>
-                <a:solidFill>
-                  <a:srgbClr val="CC7832"/>
-                </a:solidFill>
-                <a:effectLst/>
-                <a:latin typeface="Arial Unicode MS"/>
-              </a:rPr>
-            </a:br>
-            <a:r>
-              <a:rPr kumimoji="0" lang="en-US" altLang="en-US" sz="1600" b="0" i="0" u="none" strike="noStrike" cap="none" normalizeH="0" baseline="0" dirty="0">
-                <a:ln>
-                  <a:noFill/>
-                </a:ln>
-                <a:solidFill>
-                  <a:srgbClr val="CC7832"/>
-                </a:solidFill>
-                <a:effectLst/>
-                <a:latin typeface="Arial Unicode MS"/>
-              </a:rPr>
-              <a:t>    </a:t>
-            </a:r>
-            <a:r>
-              <a:rPr kumimoji="0" lang="en-US" altLang="en-US" sz="1600" b="0" i="0" u="none" strike="noStrike" cap="none" normalizeH="0" baseline="0" dirty="0">
-                <a:ln>
-                  <a:noFill/>
-                </a:ln>
-                <a:solidFill>
-                  <a:srgbClr val="6A8759"/>
-                </a:solidFill>
-                <a:effectLst/>
-                <a:latin typeface="Arial Unicode MS"/>
-              </a:rPr>
-              <a:t>"age"</a:t>
-            </a:r>
-            <a:r>
-              <a:rPr kumimoji="0" lang="en-US" altLang="en-US" sz="1600" b="0" i="0" u="none" strike="noStrike" cap="none" normalizeH="0" baseline="0" dirty="0">
-                <a:ln>
-                  <a:noFill/>
-                </a:ln>
-                <a:solidFill>
-                  <a:srgbClr val="A9B7C6"/>
-                </a:solidFill>
-                <a:effectLst/>
-                <a:latin typeface="Arial Unicode MS"/>
-              </a:rPr>
-              <a:t>: </a:t>
-            </a:r>
-            <a:r>
-              <a:rPr kumimoji="0" lang="en-US" altLang="en-US" sz="1600" b="0" i="0" u="none" strike="noStrike" cap="none" normalizeH="0" baseline="0" dirty="0">
-                <a:ln>
-                  <a:noFill/>
-                </a:ln>
-                <a:solidFill>
-                  <a:srgbClr val="6897BB"/>
-                </a:solidFill>
-                <a:effectLst/>
-                <a:latin typeface="Arial Unicode MS"/>
-              </a:rPr>
-              <a:t>25</a:t>
-            </a:r>
-            <a:r>
-              <a:rPr kumimoji="0" lang="en-US" altLang="en-US" sz="1600" b="0" i="0" u="none" strike="noStrike" cap="none" normalizeH="0" baseline="0" dirty="0">
-                <a:ln>
-                  <a:noFill/>
-                </a:ln>
-                <a:solidFill>
-                  <a:srgbClr val="CC7832"/>
-                </a:solidFill>
-                <a:effectLst/>
-                <a:latin typeface="Arial Unicode MS"/>
-              </a:rPr>
-              <a:t>,</a:t>
-            </a:r>
-            <a:br>
-              <a:rPr kumimoji="0" lang="en-US" altLang="en-US" sz="1600" b="0" i="0" u="none" strike="noStrike" cap="none" normalizeH="0" baseline="0" dirty="0">
-                <a:ln>
-                  <a:noFill/>
-                </a:ln>
-                <a:solidFill>
-                  <a:srgbClr val="CC7832"/>
-                </a:solidFill>
-                <a:effectLst/>
-                <a:latin typeface="Arial Unicode MS"/>
-              </a:rPr>
-            </a:br>
-            <a:r>
-              <a:rPr kumimoji="0" lang="en-US" altLang="en-US" sz="1600" b="0" i="0" u="none" strike="noStrike" cap="none" normalizeH="0" baseline="0" dirty="0">
-                <a:ln>
-                  <a:noFill/>
-                </a:ln>
-                <a:solidFill>
-                  <a:srgbClr val="CC7832"/>
-                </a:solidFill>
-                <a:effectLst/>
-                <a:latin typeface="Arial Unicode MS"/>
-              </a:rPr>
-              <a:t>    </a:t>
-            </a:r>
-            <a:r>
-              <a:rPr kumimoji="0" lang="en-US" altLang="en-US" sz="1600" b="0" i="0" u="none" strike="noStrike" cap="none" normalizeH="0" baseline="0" dirty="0">
-                <a:ln>
-                  <a:noFill/>
-                </a:ln>
-                <a:solidFill>
-                  <a:srgbClr val="6A8759"/>
-                </a:solidFill>
-                <a:effectLst/>
-                <a:latin typeface="Arial Unicode MS"/>
-              </a:rPr>
-              <a:t>"city"</a:t>
-            </a:r>
-            <a:r>
-              <a:rPr kumimoji="0" lang="en-US" altLang="en-US" sz="1600" b="0" i="0" u="none" strike="noStrike" cap="none" normalizeH="0" baseline="0" dirty="0">
-                <a:ln>
-                  <a:noFill/>
-                </a:ln>
-                <a:solidFill>
-                  <a:srgbClr val="A9B7C6"/>
-                </a:solidFill>
-                <a:effectLst/>
-                <a:latin typeface="Arial Unicode MS"/>
-              </a:rPr>
-              <a:t>: </a:t>
-            </a:r>
-            <a:r>
-              <a:rPr kumimoji="0" lang="en-US" altLang="en-US" sz="1600" b="0" i="0" u="none" strike="noStrike" cap="none" normalizeH="0" baseline="0" dirty="0">
-                <a:ln>
-                  <a:noFill/>
-                </a:ln>
-                <a:solidFill>
-                  <a:srgbClr val="6A8759"/>
-                </a:solidFill>
-                <a:effectLst/>
-                <a:latin typeface="Arial Unicode MS"/>
-              </a:rPr>
-              <a:t>"New York"</a:t>
-            </a:r>
-            <a:br>
-              <a:rPr kumimoji="0" lang="en-US" altLang="en-US" sz="1600" b="0" i="0" u="none" strike="noStrike" cap="none" normalizeH="0" baseline="0" dirty="0">
-                <a:ln>
-                  <a:noFill/>
-                </a:ln>
-                <a:solidFill>
-                  <a:srgbClr val="6A8759"/>
-                </a:solidFill>
-                <a:effectLst/>
-                <a:latin typeface="Arial Unicode MS"/>
-              </a:rPr>
-            </a:br>
-            <a:r>
-              <a:rPr kumimoji="0" lang="en-US" altLang="en-US" sz="1600" b="0" i="0" u="none" strike="noStrike" cap="none" normalizeH="0" baseline="0" dirty="0">
-                <a:ln>
-                  <a:noFill/>
-                </a:ln>
-                <a:solidFill>
-                  <a:srgbClr val="A9B7C6"/>
-                </a:solidFill>
-                <a:effectLst/>
-                <a:latin typeface="Arial Unicode MS"/>
-              </a:rPr>
-              <a:t>}</a:t>
-            </a:r>
-            <a:br>
-              <a:rPr kumimoji="0" lang="en-US" altLang="en-US" sz="1600" b="0" i="0" u="none" strike="noStrike" cap="none" normalizeH="0" baseline="0" dirty="0">
-                <a:ln>
-                  <a:noFill/>
-                </a:ln>
-                <a:solidFill>
-                  <a:srgbClr val="A9B7C6"/>
-                </a:solidFill>
-                <a:effectLst/>
-                <a:latin typeface="Arial Unicode MS"/>
-              </a:rPr>
-            </a:br>
-            <a:br>
-              <a:rPr kumimoji="0" lang="en-US" altLang="en-US" sz="1600" b="0" i="0" u="none" strike="noStrike" cap="none" normalizeH="0" baseline="0" dirty="0">
-                <a:ln>
-                  <a:noFill/>
-                </a:ln>
-                <a:solidFill>
-                  <a:srgbClr val="A9B7C6"/>
-                </a:solidFill>
-                <a:effectLst/>
-                <a:latin typeface="Arial Unicode MS"/>
-              </a:rPr>
-            </a:br>
-            <a:r>
-              <a:rPr kumimoji="0" lang="en-US" altLang="en-US" sz="1600" b="0" i="0" u="none" strike="noStrike" cap="none" normalizeH="0" baseline="0" dirty="0">
-                <a:ln>
-                  <a:noFill/>
-                </a:ln>
-                <a:solidFill>
-                  <a:srgbClr val="808080"/>
-                </a:solidFill>
-                <a:effectLst/>
-                <a:latin typeface="Arial Unicode MS"/>
-              </a:rPr>
-              <a:t># Encode the dictionary to JSON</a:t>
-            </a:r>
-            <a:br>
-              <a:rPr kumimoji="0" lang="en-US" altLang="en-US" sz="1600" b="0" i="0" u="none" strike="noStrike" cap="none" normalizeH="0" baseline="0" dirty="0">
-                <a:ln>
-                  <a:noFill/>
-                </a:ln>
-                <a:solidFill>
-                  <a:srgbClr val="808080"/>
-                </a:solidFill>
-                <a:effectLst/>
-                <a:latin typeface="Arial Unicode MS"/>
-              </a:rPr>
-            </a:br>
-            <a:r>
-              <a:rPr kumimoji="0" lang="en-US" altLang="en-US" sz="1600" b="0" i="0" u="none" strike="noStrike" cap="none" normalizeH="0" baseline="0" dirty="0" err="1">
-                <a:ln>
-                  <a:noFill/>
-                </a:ln>
-                <a:solidFill>
-                  <a:srgbClr val="A9B7C6"/>
-                </a:solidFill>
-                <a:effectLst/>
-                <a:latin typeface="Arial Unicode MS"/>
-              </a:rPr>
-              <a:t>json_data</a:t>
-            </a:r>
-            <a:r>
-              <a:rPr kumimoji="0" lang="en-US" altLang="en-US" sz="1600" b="0" i="0" u="none" strike="noStrike" cap="none" normalizeH="0" baseline="0" dirty="0">
-                <a:ln>
-                  <a:noFill/>
-                </a:ln>
-                <a:solidFill>
-                  <a:srgbClr val="A9B7C6"/>
-                </a:solidFill>
-                <a:effectLst/>
-                <a:latin typeface="Arial Unicode MS"/>
-              </a:rPr>
-              <a:t> = </a:t>
-            </a:r>
-            <a:r>
-              <a:rPr kumimoji="0" lang="en-US" altLang="en-US" sz="1600" b="0" i="0" u="none" strike="noStrike" cap="none" normalizeH="0" baseline="0" dirty="0" err="1">
-                <a:ln>
-                  <a:noFill/>
-                </a:ln>
-                <a:solidFill>
-                  <a:srgbClr val="A9B7C6"/>
-                </a:solidFill>
-                <a:effectLst/>
-                <a:latin typeface="Arial Unicode MS"/>
-              </a:rPr>
-              <a:t>json.dumps</a:t>
-            </a:r>
-            <a:r>
-              <a:rPr kumimoji="0" lang="en-US" altLang="en-US" sz="1600" b="0" i="0" u="none" strike="noStrike" cap="none" normalizeH="0" baseline="0" dirty="0">
-                <a:ln>
-                  <a:noFill/>
-                </a:ln>
-                <a:solidFill>
-                  <a:srgbClr val="A9B7C6"/>
-                </a:solidFill>
-                <a:effectLst/>
-                <a:latin typeface="Arial Unicode MS"/>
-              </a:rPr>
-              <a:t>(person)</a:t>
-            </a:r>
-            <a:br>
-              <a:rPr kumimoji="0" lang="en-US" altLang="en-US" sz="1600" b="0" i="0" u="none" strike="noStrike" cap="none" normalizeH="0" baseline="0" dirty="0">
-                <a:ln>
-                  <a:noFill/>
-                </a:ln>
-                <a:solidFill>
-                  <a:srgbClr val="A9B7C6"/>
-                </a:solidFill>
-                <a:effectLst/>
-                <a:latin typeface="Arial Unicode MS"/>
-              </a:rPr>
-            </a:br>
-            <a:br>
-              <a:rPr kumimoji="0" lang="en-US" altLang="en-US" sz="1600" b="0" i="0" u="none" strike="noStrike" cap="none" normalizeH="0" baseline="0" dirty="0">
-                <a:ln>
-                  <a:noFill/>
-                </a:ln>
-                <a:solidFill>
-                  <a:srgbClr val="A9B7C6"/>
-                </a:solidFill>
-                <a:effectLst/>
-                <a:latin typeface="Arial Unicode MS"/>
-              </a:rPr>
-            </a:br>
-            <a:r>
-              <a:rPr kumimoji="0" lang="en-US" altLang="en-US" sz="1600" b="0" i="0" u="none" strike="noStrike" cap="none" normalizeH="0" baseline="0" dirty="0">
-                <a:ln>
-                  <a:noFill/>
-                </a:ln>
-                <a:solidFill>
-                  <a:srgbClr val="A9B7C6"/>
-                </a:solidFill>
-                <a:effectLst/>
-                <a:latin typeface="Arial Unicode MS"/>
-              </a:rPr>
-              <a:t>print(</a:t>
-            </a:r>
-            <a:r>
-              <a:rPr kumimoji="0" lang="en-US" altLang="en-US" sz="1600" b="0" i="0" u="none" strike="noStrike" cap="none" normalizeH="0" baseline="0" dirty="0" err="1">
-                <a:ln>
-                  <a:noFill/>
-                </a:ln>
-                <a:solidFill>
-                  <a:srgbClr val="A9B7C6"/>
-                </a:solidFill>
-                <a:effectLst/>
-                <a:latin typeface="Arial Unicode MS"/>
-              </a:rPr>
-              <a:t>json_data</a:t>
-            </a:r>
-            <a:r>
-              <a:rPr kumimoji="0" lang="en-US" altLang="en-US" sz="1600" b="0" i="0" u="none" strike="noStrike" cap="none" normalizeH="0" baseline="0" dirty="0">
-                <a:ln>
-                  <a:noFill/>
-                </a:ln>
-                <a:solidFill>
-                  <a:srgbClr val="A9B7C6"/>
-                </a:solidFill>
-                <a:effectLst/>
-                <a:latin typeface="Arial Unicode MS"/>
-              </a:rPr>
-              <a:t>)</a:t>
-            </a:r>
-            <a:endParaRPr kumimoji="0" lang="en-US" altLang="en-US" sz="1600" b="0" i="0" u="none" strike="noStrike" cap="none" normalizeH="0" baseline="0" dirty="0">
-              <a:ln>
-                <a:noFill/>
-              </a:ln>
-              <a:solidFill>
-                <a:schemeClr val="tx1"/>
-              </a:solidFill>
-              <a:effectLst/>
-              <a:latin typeface="Arial" panose="020B0604020202020204" pitchFamily="34" charset="0"/>
-            </a:endParaRPr>
-          </a:p>
-        </p:txBody>
-      </p:sp>
-      <p:sp>
-        <p:nvSpPr>
-          <p:cNvPr id="7" name="TextBox 6">
-            <a:extLst>
-              <a:ext uri="{FF2B5EF4-FFF2-40B4-BE49-F238E27FC236}">
-                <a16:creationId xmlns:a16="http://schemas.microsoft.com/office/drawing/2014/main" id="{3E735A11-9D33-4E63-803A-B7D5C0E913AF}"/>
-              </a:ext>
-            </a:extLst>
-          </p:cNvPr>
-          <p:cNvSpPr txBox="1"/>
-          <p:nvPr/>
-        </p:nvSpPr>
-        <p:spPr>
-          <a:xfrm>
-            <a:off x="949911" y="1690688"/>
-            <a:ext cx="10209320" cy="923330"/>
-          </a:xfrm>
-          <a:prstGeom prst="rect">
-            <a:avLst/>
-          </a:prstGeom>
-          <a:noFill/>
-        </p:spPr>
-        <p:txBody>
-          <a:bodyPr wrap="square" rtlCol="0">
-            <a:spAutoFit/>
-          </a:bodyPr>
-          <a:lstStyle/>
-          <a:p>
-            <a:r>
-              <a:rPr lang="en-US" dirty="0"/>
-              <a:t>In the example above, we use the dumps() function from the json module to convert the person dictionary into a JSON string. The </a:t>
-            </a:r>
-            <a:r>
-              <a:rPr lang="en-US" dirty="0" err="1"/>
-              <a:t>json_data</a:t>
-            </a:r>
-            <a:r>
-              <a:rPr lang="en-US" dirty="0"/>
-              <a:t> variable stores the resulting JSON string. Notice that the keys and string values are enclosed in double quotes, as per the JSON syntax.</a:t>
-            </a:r>
-          </a:p>
-        </p:txBody>
-      </p:sp>
     </p:spTree>
     <p:extLst>
       <p:ext uri="{BB962C8B-B14F-4D97-AF65-F5344CB8AC3E}">
-        <p14:creationId xmlns:p14="http://schemas.microsoft.com/office/powerpoint/2010/main" val="116657570"/>
+        <p14:creationId xmlns:p14="http://schemas.microsoft.com/office/powerpoint/2010/main" val="3389889836"/>
       </p:ext>
     </p:extLst>
   </p:cSld>
@@ -8625,56 +8157,13 @@
       </p:sp>
       <p:sp>
         <p:nvSpPr>
-          <p:cNvPr id="7" name="TextBox 6">
+          <p:cNvPr id="6" name="Rectangle 1">
             <a:extLst>
               <a:ext uri="{FF2B5EF4-FFF2-40B4-BE49-F238E27FC236}">
-                <a16:creationId xmlns:a16="http://schemas.microsoft.com/office/drawing/2014/main" id="{3E735A11-9D33-4E63-803A-B7D5C0E913AF}"/>
+                <a16:creationId xmlns:a16="http://schemas.microsoft.com/office/drawing/2014/main" id="{D45D6B3C-8D70-4D64-BF64-79764E45A5EC}"/>
               </a:ext>
             </a:extLst>
           </p:cNvPr>
-          <p:cNvSpPr txBox="1"/>
-          <p:nvPr/>
-        </p:nvSpPr>
-        <p:spPr>
-          <a:xfrm>
-            <a:off x="838200" y="1690688"/>
-            <a:ext cx="10209320" cy="646331"/>
-          </a:xfrm>
-          <a:prstGeom prst="rect">
-            <a:avLst/>
-          </a:prstGeom>
-          <a:noFill/>
-        </p:spPr>
-        <p:txBody>
-          <a:bodyPr wrap="square" rtlCol="0">
-            <a:spAutoFit/>
-          </a:bodyPr>
-          <a:lstStyle/>
-          <a:p>
-            <a:r>
-              <a:rPr lang="en-US" dirty="0"/>
-              <a:t>In this example, we use the loads() function from the json module to convert the JSON string </a:t>
-            </a:r>
-            <a:r>
-              <a:rPr lang="en-US" dirty="0" err="1"/>
-              <a:t>json_data</a:t>
-            </a:r>
-            <a:r>
-              <a:rPr lang="en-US" dirty="0"/>
-              <a:t> into a Python dictionary. We can then access the values in the dictionary using the corresponding keys.</a:t>
-            </a:r>
-          </a:p>
-        </p:txBody>
-      </p:sp>
-      <p:sp>
-        <p:nvSpPr>
-          <p:cNvPr id="4" name="Rectangle 2">
-            <a:extLst>
-              <a:ext uri="{FF2B5EF4-FFF2-40B4-BE49-F238E27FC236}">
-                <a16:creationId xmlns:a16="http://schemas.microsoft.com/office/drawing/2014/main" id="{1A9EE876-D690-4F8B-A61E-31D071C0940C}"/>
-              </a:ext>
-            </a:extLst>
-          </p:cNvPr>
           <p:cNvSpPr>
             <a:spLocks noChangeArrowheads="1"/>
           </p:cNvSpPr>
@@ -8682,8 +8171,8 @@
         </p:nvSpPr>
         <p:spPr bwMode="auto">
           <a:xfrm>
-            <a:off x="949911" y="2501319"/>
-            <a:ext cx="8788893" cy="2554545"/>
+            <a:off x="949911" y="2875002"/>
+            <a:ext cx="7723573" cy="3046988"/>
           </a:xfrm>
           <a:prstGeom prst="rect">
             <a:avLst/>
@@ -8793,7 +8282,7 @@
               </a:rPr>
             </a:br>
             <a:r>
-              <a:rPr kumimoji="0" lang="en-US" altLang="en-US" sz="1600" b="0" i="0" u="none" strike="noStrike" cap="none" normalizeH="0" baseline="0" dirty="0" err="1">
+              <a:rPr kumimoji="0" lang="en-US" altLang="en-US" sz="1600" b="0" i="0" u="none" strike="noStrike" cap="none" normalizeH="0" baseline="0" dirty="0">
                 <a:ln>
                   <a:noFill/>
                 </a:ln>
@@ -8803,33 +8292,7 @@
                 <a:effectLst/>
                 <a:latin typeface="Arial Unicode MS"/>
               </a:rPr>
-              <a:t>json_data</a:t>
-            </a:r>
-            <a:r>
-              <a:rPr kumimoji="0" lang="en-US" altLang="en-US" sz="1600" b="0" i="0" u="none" strike="noStrike" cap="none" normalizeH="0" baseline="0" dirty="0">
-                <a:ln>
-                  <a:noFill/>
-                </a:ln>
-                <a:solidFill>
-                  <a:srgbClr val="A9B7C6"/>
-                </a:solidFill>
-                <a:effectLst/>
-                <a:latin typeface="Arial Unicode MS"/>
-              </a:rPr>
-              <a:t> = </a:t>
-            </a:r>
-            <a:r>
-              <a:rPr kumimoji="0" lang="en-US" altLang="en-US" sz="1600" b="0" i="0" u="none" strike="noStrike" cap="none" normalizeH="0" baseline="0" dirty="0">
-                <a:ln>
-                  <a:noFill/>
-                </a:ln>
-                <a:solidFill>
-                  <a:srgbClr val="6A8759"/>
-                </a:solidFill>
-                <a:effectLst/>
-                <a:latin typeface="Arial Unicode MS"/>
-              </a:rPr>
-              <a:t>'{"name": "John Doe", "age": 25, "city": "New York"}'</a:t>
+              <a:t>person = {</a:t>
             </a:r>
             <a:br>
               <a:rPr kumimoji="0" lang="en-US" altLang="en-US" sz="1600" b="0" i="0" u="none" strike="noStrike" cap="none" normalizeH="0" baseline="0" dirty="0">
@@ -8837,7 +8300,250 @@
                   <a:noFill/>
                 </a:ln>
                 <a:solidFill>
+                  <a:srgbClr val="A9B7C6"/>
+                </a:solidFill>
+                <a:effectLst/>
+                <a:latin typeface="Arial Unicode MS"/>
+              </a:rPr>
+            </a:br>
+            <a:r>
+              <a:rPr kumimoji="0" lang="en-US" altLang="en-US" sz="1600" b="0" i="0" u="none" strike="noStrike" cap="none" normalizeH="0" baseline="0" dirty="0">
+                <a:ln>
+                  <a:noFill/>
+                </a:ln>
+                <a:solidFill>
+                  <a:srgbClr val="A9B7C6"/>
+                </a:solidFill>
+                <a:effectLst/>
+                <a:latin typeface="Arial Unicode MS"/>
+              </a:rPr>
+              <a:t>    </a:t>
+            </a:r>
+            <a:r>
+              <a:rPr kumimoji="0" lang="en-US" altLang="en-US" sz="1600" b="0" i="0" u="none" strike="noStrike" cap="none" normalizeH="0" baseline="0" dirty="0">
+                <a:ln>
+                  <a:noFill/>
+                </a:ln>
+                <a:solidFill>
                   <a:srgbClr val="6A8759"/>
+                </a:solidFill>
+                <a:effectLst/>
+                <a:latin typeface="Arial Unicode MS"/>
+              </a:rPr>
+              <a:t>"name"</a:t>
+            </a:r>
+            <a:r>
+              <a:rPr kumimoji="0" lang="en-US" altLang="en-US" sz="1600" b="0" i="0" u="none" strike="noStrike" cap="none" normalizeH="0" baseline="0" dirty="0">
+                <a:ln>
+                  <a:noFill/>
+                </a:ln>
+                <a:solidFill>
+                  <a:srgbClr val="A9B7C6"/>
+                </a:solidFill>
+                <a:effectLst/>
+                <a:latin typeface="Arial Unicode MS"/>
+              </a:rPr>
+              <a:t>: </a:t>
+            </a:r>
+            <a:r>
+              <a:rPr kumimoji="0" lang="en-US" altLang="en-US" sz="1600" b="0" i="0" u="none" strike="noStrike" cap="none" normalizeH="0" baseline="0" dirty="0">
+                <a:ln>
+                  <a:noFill/>
+                </a:ln>
+                <a:solidFill>
+                  <a:srgbClr val="6A8759"/>
+                </a:solidFill>
+                <a:effectLst/>
+                <a:latin typeface="Arial Unicode MS"/>
+              </a:rPr>
+              <a:t>"John Doe"</a:t>
+            </a:r>
+            <a:r>
+              <a:rPr kumimoji="0" lang="en-US" altLang="en-US" sz="1600" b="0" i="0" u="none" strike="noStrike" cap="none" normalizeH="0" baseline="0" dirty="0">
+                <a:ln>
+                  <a:noFill/>
+                </a:ln>
+                <a:solidFill>
+                  <a:srgbClr val="CC7832"/>
+                </a:solidFill>
+                <a:effectLst/>
+                <a:latin typeface="Arial Unicode MS"/>
+              </a:rPr>
+              <a:t>,</a:t>
+            </a:r>
+            <a:br>
+              <a:rPr kumimoji="0" lang="en-US" altLang="en-US" sz="1600" b="0" i="0" u="none" strike="noStrike" cap="none" normalizeH="0" baseline="0" dirty="0">
+                <a:ln>
+                  <a:noFill/>
+                </a:ln>
+                <a:solidFill>
+                  <a:srgbClr val="CC7832"/>
+                </a:solidFill>
+                <a:effectLst/>
+                <a:latin typeface="Arial Unicode MS"/>
+              </a:rPr>
+            </a:br>
+            <a:r>
+              <a:rPr kumimoji="0" lang="en-US" altLang="en-US" sz="1600" b="0" i="0" u="none" strike="noStrike" cap="none" normalizeH="0" baseline="0" dirty="0">
+                <a:ln>
+                  <a:noFill/>
+                </a:ln>
+                <a:solidFill>
+                  <a:srgbClr val="CC7832"/>
+                </a:solidFill>
+                <a:effectLst/>
+                <a:latin typeface="Arial Unicode MS"/>
+              </a:rPr>
+              <a:t>    </a:t>
+            </a:r>
+            <a:r>
+              <a:rPr kumimoji="0" lang="en-US" altLang="en-US" sz="1600" b="0" i="0" u="none" strike="noStrike" cap="none" normalizeH="0" baseline="0" dirty="0">
+                <a:ln>
+                  <a:noFill/>
+                </a:ln>
+                <a:solidFill>
+                  <a:srgbClr val="6A8759"/>
+                </a:solidFill>
+                <a:effectLst/>
+                <a:latin typeface="Arial Unicode MS"/>
+              </a:rPr>
+              <a:t>"age"</a:t>
+            </a:r>
+            <a:r>
+              <a:rPr kumimoji="0" lang="en-US" altLang="en-US" sz="1600" b="0" i="0" u="none" strike="noStrike" cap="none" normalizeH="0" baseline="0" dirty="0">
+                <a:ln>
+                  <a:noFill/>
+                </a:ln>
+                <a:solidFill>
+                  <a:srgbClr val="A9B7C6"/>
+                </a:solidFill>
+                <a:effectLst/>
+                <a:latin typeface="Arial Unicode MS"/>
+              </a:rPr>
+              <a:t>: </a:t>
+            </a:r>
+            <a:r>
+              <a:rPr kumimoji="0" lang="en-US" altLang="en-US" sz="1600" b="0" i="0" u="none" strike="noStrike" cap="none" normalizeH="0" baseline="0" dirty="0">
+                <a:ln>
+                  <a:noFill/>
+                </a:ln>
+                <a:solidFill>
+                  <a:srgbClr val="6897BB"/>
+                </a:solidFill>
+                <a:effectLst/>
+                <a:latin typeface="Arial Unicode MS"/>
+              </a:rPr>
+              <a:t>25</a:t>
+            </a:r>
+            <a:r>
+              <a:rPr kumimoji="0" lang="en-US" altLang="en-US" sz="1600" b="0" i="0" u="none" strike="noStrike" cap="none" normalizeH="0" baseline="0" dirty="0">
+                <a:ln>
+                  <a:noFill/>
+                </a:ln>
+                <a:solidFill>
+                  <a:srgbClr val="CC7832"/>
+                </a:solidFill>
+                <a:effectLst/>
+                <a:latin typeface="Arial Unicode MS"/>
+              </a:rPr>
+              <a:t>,</a:t>
+            </a:r>
+            <a:br>
+              <a:rPr kumimoji="0" lang="en-US" altLang="en-US" sz="1600" b="0" i="0" u="none" strike="noStrike" cap="none" normalizeH="0" baseline="0" dirty="0">
+                <a:ln>
+                  <a:noFill/>
+                </a:ln>
+                <a:solidFill>
+                  <a:srgbClr val="CC7832"/>
+                </a:solidFill>
+                <a:effectLst/>
+                <a:latin typeface="Arial Unicode MS"/>
+              </a:rPr>
+            </a:br>
+            <a:r>
+              <a:rPr kumimoji="0" lang="en-US" altLang="en-US" sz="1600" b="0" i="0" u="none" strike="noStrike" cap="none" normalizeH="0" baseline="0" dirty="0">
+                <a:ln>
+                  <a:noFill/>
+                </a:ln>
+                <a:solidFill>
+                  <a:srgbClr val="CC7832"/>
+                </a:solidFill>
+                <a:effectLst/>
+                <a:latin typeface="Arial Unicode MS"/>
+              </a:rPr>
+              <a:t>    </a:t>
+            </a:r>
+            <a:r>
+              <a:rPr kumimoji="0" lang="en-US" altLang="en-US" sz="1600" b="0" i="0" u="none" strike="noStrike" cap="none" normalizeH="0" baseline="0" dirty="0">
+                <a:ln>
+                  <a:noFill/>
+                </a:ln>
+                <a:solidFill>
+                  <a:srgbClr val="6A8759"/>
+                </a:solidFill>
+                <a:effectLst/>
+                <a:latin typeface="Arial Unicode MS"/>
+              </a:rPr>
+              <a:t>"city"</a:t>
+            </a:r>
+            <a:r>
+              <a:rPr kumimoji="0" lang="en-US" altLang="en-US" sz="1600" b="0" i="0" u="none" strike="noStrike" cap="none" normalizeH="0" baseline="0" dirty="0">
+                <a:ln>
+                  <a:noFill/>
+                </a:ln>
+                <a:solidFill>
+                  <a:srgbClr val="A9B7C6"/>
+                </a:solidFill>
+                <a:effectLst/>
+                <a:latin typeface="Arial Unicode MS"/>
+              </a:rPr>
+              <a:t>: </a:t>
+            </a:r>
+            <a:r>
+              <a:rPr kumimoji="0" lang="en-US" altLang="en-US" sz="1600" b="0" i="0" u="none" strike="noStrike" cap="none" normalizeH="0" baseline="0" dirty="0">
+                <a:ln>
+                  <a:noFill/>
+                </a:ln>
+                <a:solidFill>
+                  <a:srgbClr val="6A8759"/>
+                </a:solidFill>
+                <a:effectLst/>
+                <a:latin typeface="Arial Unicode MS"/>
+              </a:rPr>
+              <a:t>"New York"</a:t>
+            </a:r>
+            <a:br>
+              <a:rPr kumimoji="0" lang="en-US" altLang="en-US" sz="1600" b="0" i="0" u="none" strike="noStrike" cap="none" normalizeH="0" baseline="0" dirty="0">
+                <a:ln>
+                  <a:noFill/>
+                </a:ln>
+                <a:solidFill>
+                  <a:srgbClr val="6A8759"/>
+                </a:solidFill>
+                <a:effectLst/>
+                <a:latin typeface="Arial Unicode MS"/>
+              </a:rPr>
+            </a:br>
+            <a:r>
+              <a:rPr kumimoji="0" lang="en-US" altLang="en-US" sz="1600" b="0" i="0" u="none" strike="noStrike" cap="none" normalizeH="0" baseline="0" dirty="0">
+                <a:ln>
+                  <a:noFill/>
+                </a:ln>
+                <a:solidFill>
+                  <a:srgbClr val="A9B7C6"/>
+                </a:solidFill>
+                <a:effectLst/>
+                <a:latin typeface="Arial Unicode MS"/>
+              </a:rPr>
+              <a:t>}</a:t>
+            </a:r>
+            <a:br>
+              <a:rPr kumimoji="0" lang="en-US" altLang="en-US" sz="1600" b="0" i="0" u="none" strike="noStrike" cap="none" normalizeH="0" baseline="0" dirty="0">
+                <a:ln>
+                  <a:noFill/>
+                </a:ln>
+                <a:solidFill>
+                  <a:srgbClr val="A9B7C6"/>
                 </a:solidFill>
                 <a:effectLst/>
                 <a:latin typeface="Arial Unicode MS"/>
@@ -8849,7 +8555,7 @@
                   <a:noFill/>
                 </a:ln>
                 <a:solidFill>
-                  <a:srgbClr val="6A8759"/>
+                  <a:srgbClr val="A9B7C6"/>
                 </a:solidFill>
                 <a:effectLst/>
                 <a:latin typeface="Arial Unicode MS"/>
@@ -8866,7 +8572,7 @@
                 <a:effectLst/>
                 <a:latin typeface="Arial Unicode MS"/>
               </a:rPr>
-              <a:t># Decode the JSON string to a dictionary</a:t>
+              <a:t># Encode the dictionary to JSON</a:t>
             </a:r>
             <a:br>
               <a:rPr kumimoji="0" lang="en-US" altLang="en-US" sz="1600" b="0" i="0" u="none" strike="noStrike" cap="none" normalizeH="0" baseline="0" dirty="0">
@@ -8881,6 +8587,19 @@
               </a:rPr>
             </a:br>
             <a:r>
+              <a:rPr kumimoji="0" lang="en-US" altLang="en-US" sz="1600" b="0" i="0" u="none" strike="noStrike" cap="none" normalizeH="0" baseline="0" dirty="0" err="1">
+                <a:ln>
+                  <a:noFill/>
+                </a:ln>
+                <a:solidFill>
+                  <a:srgbClr val="A9B7C6"/>
+                </a:solidFill>
+                <a:effectLst/>
+                <a:latin typeface="Arial Unicode MS"/>
+              </a:rPr>
+              <a:t>json_data</a:t>
+            </a:r>
+            <a:r>
               <a:rPr kumimoji="0" lang="en-US" altLang="en-US" sz="1600" b="0" i="0" u="none" strike="noStrike" cap="none" normalizeH="0" baseline="0" dirty="0">
                 <a:ln>
                   <a:noFill/>
@@ -8891,7 +8610,7 @@
                 <a:effectLst/>
                 <a:latin typeface="Arial Unicode MS"/>
               </a:rPr>
-              <a:t>person = </a:t>
+              <a:t> = </a:t>
             </a:r>
             <a:r>
               <a:rPr kumimoji="0" lang="en-US" altLang="en-US" sz="1600" b="0" i="0" u="none" strike="noStrike" cap="none" normalizeH="0" baseline="0" dirty="0" err="1">
@@ -8904,7 +8623,7 @@
                 <a:effectLst/>
                 <a:latin typeface="Arial Unicode MS"/>
               </a:rPr>
-              <a:t>json.loads</a:t>
+              <a:t>json.dumps</a:t>
             </a:r>
             <a:r>
               <a:rPr kumimoji="0" lang="en-US" altLang="en-US" sz="1600" b="0" i="0" u="none" strike="noStrike" cap="none" normalizeH="0" baseline="0" dirty="0">
@@ -8917,33 +8636,7 @@
                 <a:effectLst/>
                 <a:latin typeface="Arial Unicode MS"/>
               </a:rPr>
-              <a:t>(</a:t>
-            </a:r>
-            <a:r>
-              <a:rPr kumimoji="0" lang="en-US" altLang="en-US" sz="1600" b="0" i="0" u="none" strike="noStrike" cap="none" normalizeH="0" baseline="0" dirty="0" err="1">
-                <a:ln>
-                  <a:noFill/>
-                </a:ln>
-                <a:solidFill>
-                  <a:srgbClr val="A9B7C6"/>
-                </a:solidFill>
-                <a:effectLst/>
-                <a:latin typeface="Arial Unicode MS"/>
-              </a:rPr>
-              <a:t>json_data</a:t>
-            </a:r>
-            <a:r>
-              <a:rPr kumimoji="0" lang="en-US" altLang="en-US" sz="1600" b="0" i="0" u="none" strike="noStrike" cap="none" normalizeH="0" baseline="0" dirty="0">
-                <a:ln>
-                  <a:noFill/>
-                </a:ln>
-                <a:solidFill>
-                  <a:srgbClr val="A9B7C6"/>
-                </a:solidFill>
-                <a:effectLst/>
-                <a:latin typeface="Arial Unicode MS"/>
-              </a:rPr>
-              <a:t>)</a:t>
+              <a:t>(person)</a:t>
             </a:r>
             <a:br>
               <a:rPr kumimoji="0" lang="en-US" altLang="en-US" sz="1600" b="0" i="0" u="none" strike="noStrike" cap="none" normalizeH="0" baseline="0" dirty="0">
@@ -8980,7 +8673,20 @@
                 <a:effectLst/>
                 <a:latin typeface="Arial Unicode MS"/>
               </a:rPr>
-              <a:t>print(person[</a:t>
+              <a:t>print(</a:t>
+            </a:r>
+            <a:r>
+              <a:rPr kumimoji="0" lang="en-US" altLang="en-US" sz="1600" b="0" i="0" u="none" strike="noStrike" cap="none" normalizeH="0" baseline="0" dirty="0" err="1">
+                <a:ln>
+                  <a:noFill/>
+                </a:ln>
+                <a:solidFill>
+                  <a:srgbClr val="A9B7C6"/>
+                </a:solidFill>
+                <a:effectLst/>
+                <a:latin typeface="Arial Unicode MS"/>
+              </a:rPr>
+              <a:t>json_data</a:t>
             </a:r>
             <a:r>
               <a:rPr kumimoji="0" lang="en-US" altLang="en-US" sz="1600" b="0" i="0" u="none" strike="noStrike" cap="none" normalizeH="0" baseline="0" dirty="0">
@@ -8988,127 +8694,12 @@
                   <a:noFill/>
                 </a:ln>
                 <a:solidFill>
-                  <a:srgbClr val="6A8759"/>
-                </a:solidFill>
-                <a:effectLst/>
-                <a:latin typeface="Arial Unicode MS"/>
-              </a:rPr>
-              <a:t>"name"</a:t>
-            </a:r>
-            <a:r>
-              <a:rPr kumimoji="0" lang="en-US" altLang="en-US" sz="1600" b="0" i="0" u="none" strike="noStrike" cap="none" normalizeH="0" baseline="0" dirty="0">
-                <a:ln>
-                  <a:noFill/>
-                </a:ln>
-                <a:solidFill>
                   <a:srgbClr val="A9B7C6"/>
                 </a:solidFill>
                 <a:effectLst/>
                 <a:latin typeface="Arial Unicode MS"/>
               </a:rPr>
-              <a:t>])</a:t>
-            </a:r>
-            <a:br>
-              <a:rPr kumimoji="0" lang="en-US" altLang="en-US" sz="1600" b="0" i="0" u="none" strike="noStrike" cap="none" normalizeH="0" baseline="0" dirty="0">
-                <a:ln>
-                  <a:noFill/>
-                </a:ln>
-                <a:solidFill>
-                  <a:srgbClr val="A9B7C6"/>
-                </a:solidFill>
-                <a:effectLst/>
-                <a:latin typeface="Arial Unicode MS"/>
-              </a:rPr>
-            </a:br>
-            <a:r>
-              <a:rPr kumimoji="0" lang="en-US" altLang="en-US" sz="1600" b="0" i="0" u="none" strike="noStrike" cap="none" normalizeH="0" baseline="0" dirty="0">
-                <a:ln>
-                  <a:noFill/>
-                </a:ln>
-                <a:solidFill>
-                  <a:srgbClr val="A9B7C6"/>
-                </a:solidFill>
-                <a:effectLst/>
-                <a:latin typeface="Arial Unicode MS"/>
-              </a:rPr>
-              <a:t>print(person[</a:t>
-            </a:r>
-            <a:r>
-              <a:rPr kumimoji="0" lang="en-US" altLang="en-US" sz="1600" b="0" i="0" u="none" strike="noStrike" cap="none" normalizeH="0" baseline="0" dirty="0">
-                <a:ln>
-                  <a:noFill/>
-                </a:ln>
-                <a:solidFill>
-                  <a:srgbClr val="6A8759"/>
-                </a:solidFill>
-                <a:effectLst/>
-                <a:latin typeface="Arial Unicode MS"/>
-              </a:rPr>
-              <a:t>"age"</a:t>
-            </a:r>
-            <a:r>
-              <a:rPr kumimoji="0" lang="en-US" altLang="en-US" sz="1600" b="0" i="0" u="none" strike="noStrike" cap="none" normalizeH="0" baseline="0" dirty="0">
-                <a:ln>
-                  <a:noFill/>
-                </a:ln>
-                <a:solidFill>
-                  <a:srgbClr val="A9B7C6"/>
-                </a:solidFill>
-                <a:effectLst/>
-                <a:latin typeface="Arial Unicode MS"/>
-              </a:rPr>
-              <a:t>])</a:t>
-            </a:r>
-            <a:br>
-              <a:rPr kumimoji="0" lang="en-US" altLang="en-US" sz="1600" b="0" i="0" u="none" strike="noStrike" cap="none" normalizeH="0" baseline="0" dirty="0">
-                <a:ln>
-                  <a:noFill/>
-                </a:ln>
-                <a:solidFill>
-                  <a:srgbClr val="A9B7C6"/>
-                </a:solidFill>
-                <a:effectLst/>
-                <a:latin typeface="Arial Unicode MS"/>
-              </a:rPr>
-            </a:br>
-            <a:r>
-              <a:rPr kumimoji="0" lang="en-US" altLang="en-US" sz="1600" b="0" i="0" u="none" strike="noStrike" cap="none" normalizeH="0" baseline="0" dirty="0">
-                <a:ln>
-                  <a:noFill/>
-                </a:ln>
-                <a:solidFill>
-                  <a:srgbClr val="A9B7C6"/>
-                </a:solidFill>
-                <a:effectLst/>
-                <a:latin typeface="Arial Unicode MS"/>
-              </a:rPr>
-              <a:t>print(person[</a:t>
-            </a:r>
-            <a:r>
-              <a:rPr kumimoji="0" lang="en-US" altLang="en-US" sz="1600" b="0" i="0" u="none" strike="noStrike" cap="none" normalizeH="0" baseline="0" dirty="0">
-                <a:ln>
-                  <a:noFill/>
-                </a:ln>
-                <a:solidFill>
-                  <a:srgbClr val="6A8759"/>
-                </a:solidFill>
-                <a:effectLst/>
-                <a:latin typeface="Arial Unicode MS"/>
-              </a:rPr>
-              <a:t>"city"</a:t>
-            </a:r>
-            <a:r>
-              <a:rPr kumimoji="0" lang="en-US" altLang="en-US" sz="1600" b="0" i="0" u="none" strike="noStrike" cap="none" normalizeH="0" baseline="0" dirty="0">
-                <a:ln>
-                  <a:noFill/>
-                </a:ln>
-                <a:solidFill>
-                  <a:srgbClr val="A9B7C6"/>
-                </a:solidFill>
-                <a:effectLst/>
-                <a:latin typeface="Arial Unicode MS"/>
-              </a:rPr>
-              <a:t>])</a:t>
+              <a:t>)</a:t>
             </a:r>
             <a:endParaRPr kumimoji="0" lang="en-US" altLang="en-US" sz="1600" b="0" i="0" u="none" strike="noStrike" cap="none" normalizeH="0" baseline="0" dirty="0">
               <a:ln>
@@ -9125,10 +8716,10 @@
       </p:sp>
       <p:sp>
         <p:nvSpPr>
-          <p:cNvPr id="5" name="TextBox 4">
+          <p:cNvPr id="7" name="TextBox 6">
             <a:extLst>
               <a:ext uri="{FF2B5EF4-FFF2-40B4-BE49-F238E27FC236}">
-                <a16:creationId xmlns:a16="http://schemas.microsoft.com/office/drawing/2014/main" id="{48E0EE22-F843-45F6-9AED-208130C0B64F}"/>
+                <a16:creationId xmlns:a16="http://schemas.microsoft.com/office/drawing/2014/main" id="{3E735A11-9D33-4E63-803A-B7D5C0E913AF}"/>
               </a:ext>
             </a:extLst>
           </p:cNvPr>
@@ -9137,8 +8728,8 @@
         </p:nvSpPr>
         <p:spPr>
           <a:xfrm>
-            <a:off x="838200" y="5424256"/>
-            <a:ext cx="10209320" cy="646331"/>
+            <a:off x="949911" y="1690688"/>
+            <a:ext cx="10209320" cy="923330"/>
           </a:xfrm>
           <a:prstGeom prst="rect">
             <a:avLst/>
@@ -9153,7 +8744,15 @@
           <a:p>
             <a:r>
               <a:rPr lang="en-US" dirty="0"/>
-              <a:t>JSON is commonly used for exchanging data between a client and a server or for storing configuration settings. It is a versatile and widely supported format for data serialization.</a:t>
+              <a:t>In the example above, we use the dumps() function from the json module to convert the person dictionary into a JSON string. The </a:t>
+            </a:r>
+            <a:r>
+              <a:rPr lang="en-US" dirty="0" err="1"/>
+              <a:t>json_data</a:t>
+            </a:r>
+            <a:r>
+              <a:rPr lang="en-US" dirty="0"/>
+              <a:t> variable stores the resulting JSON string. Notice that the keys and string values are enclosed in double quotes, as per the JSON syntax.</a:t>
             </a:r>
           </a:p>
         </p:txBody>
@@ -9161,7 +8760,7 @@
     </p:spTree>
     <p:extLst>
       <p:ext uri="{BB962C8B-B14F-4D97-AF65-F5344CB8AC3E}">
-        <p14:creationId xmlns:p14="http://schemas.microsoft.com/office/powerpoint/2010/main" val="3080495058"/>
+        <p14:creationId xmlns:p14="http://schemas.microsoft.com/office/powerpoint/2010/main" val="116657570"/>
       </p:ext>
     </p:extLst>
   </p:cSld>
@@ -9190,7 +8789,13 @@
       </p:grpSpPr>
       <p:sp>
         <p:nvSpPr>
-          <p:cNvPr id="3" name="Title 2"/>
+          <p:cNvPr id="2" name="Title 1">
+            <a:extLst>
+              <a:ext uri="{FF2B5EF4-FFF2-40B4-BE49-F238E27FC236}">
+                <a16:creationId xmlns:a16="http://schemas.microsoft.com/office/drawing/2014/main" id="{D0E6308D-15D3-40DC-84AC-9E6FDE2E0365}"/>
+              </a:ext>
+            </a:extLst>
+          </p:cNvPr>
           <p:cNvSpPr>
             <a:spLocks noGrp="1"/>
           </p:cNvSpPr>
@@ -9204,17 +8809,552 @@
           <a:lstStyle/>
           <a:p>
             <a:r>
-              <a:rPr lang="en-US"/>
-              <a:t>Labs 01-03</a:t>
+              <a:rPr lang="en-US" dirty="0"/>
+              <a:t>JSON Examples</a:t>
             </a:r>
             <a:endParaRPr lang="he-IL" dirty="0"/>
+          </a:p>
+        </p:txBody>
+      </p:sp>
+      <p:sp>
+        <p:nvSpPr>
+          <p:cNvPr id="7" name="TextBox 6">
+            <a:extLst>
+              <a:ext uri="{FF2B5EF4-FFF2-40B4-BE49-F238E27FC236}">
+                <a16:creationId xmlns:a16="http://schemas.microsoft.com/office/drawing/2014/main" id="{3E735A11-9D33-4E63-803A-B7D5C0E913AF}"/>
+              </a:ext>
+            </a:extLst>
+          </p:cNvPr>
+          <p:cNvSpPr txBox="1"/>
+          <p:nvPr/>
+        </p:nvSpPr>
+        <p:spPr>
+          <a:xfrm>
+            <a:off x="838200" y="1690688"/>
+            <a:ext cx="10209320" cy="646331"/>
+          </a:xfrm>
+          <a:prstGeom prst="rect">
+            <a:avLst/>
+          </a:prstGeom>
+          <a:noFill/>
+        </p:spPr>
+        <p:txBody>
+          <a:bodyPr wrap="square" rtlCol="0">
+            <a:spAutoFit/>
+          </a:bodyPr>
+          <a:lstStyle/>
+          <a:p>
+            <a:r>
+              <a:rPr lang="en-US" dirty="0"/>
+              <a:t>In this example, we use the loads() function from the json module to convert the JSON string </a:t>
+            </a:r>
+            <a:r>
+              <a:rPr lang="en-US" dirty="0" err="1"/>
+              <a:t>json_data</a:t>
+            </a:r>
+            <a:r>
+              <a:rPr lang="en-US" dirty="0"/>
+              <a:t> into a Python dictionary. We can then access the values in the dictionary using the corresponding keys.</a:t>
+            </a:r>
+          </a:p>
+        </p:txBody>
+      </p:sp>
+      <p:sp>
+        <p:nvSpPr>
+          <p:cNvPr id="4" name="Rectangle 2">
+            <a:extLst>
+              <a:ext uri="{FF2B5EF4-FFF2-40B4-BE49-F238E27FC236}">
+                <a16:creationId xmlns:a16="http://schemas.microsoft.com/office/drawing/2014/main" id="{1A9EE876-D690-4F8B-A61E-31D071C0940C}"/>
+              </a:ext>
+            </a:extLst>
+          </p:cNvPr>
+          <p:cNvSpPr>
+            <a:spLocks noChangeArrowheads="1"/>
+          </p:cNvSpPr>
+          <p:nvPr/>
+        </p:nvSpPr>
+        <p:spPr bwMode="auto">
+          <a:xfrm>
+            <a:off x="949911" y="2501319"/>
+            <a:ext cx="8788893" cy="2554545"/>
+          </a:xfrm>
+          <a:prstGeom prst="rect">
+            <a:avLst/>
+          </a:prstGeom>
+          <a:solidFill>
+            <a:srgbClr val="2B2B2B"/>
+          </a:solidFill>
+          <a:ln>
+            <a:noFill/>
+          </a:ln>
+          <a:effectLst/>
+          <a:extLst>
+            <a:ext uri="{91240B29-F687-4F45-9708-019B960494DF}">
+              <a14:hiddenLine xmlns:a14="http://schemas.microsoft.com/office/drawing/2010/main" w="9525">
+                <a:solidFill>
+                  <a:schemeClr val="tx1"/>
+                </a:solidFill>
+                <a:miter lim="800000"/>
+                <a:headEnd/>
+                <a:tailEnd/>
+              </a14:hiddenLine>
+            </a:ext>
+            <a:ext uri="{AF507438-7753-43E0-B8FC-AC1667EBCBE1}">
+              <a14:hiddenEffects xmlns:a14="http://schemas.microsoft.com/office/drawing/2010/main">
+                <a:effectLst>
+                  <a:outerShdw dist="35921" dir="2700000" algn="ctr" rotWithShape="0">
+                    <a:schemeClr val="bg2"/>
+                  </a:outerShdw>
+                </a:effectLst>
+              </a14:hiddenEffects>
+            </a:ext>
+          </a:extLst>
+        </p:spPr>
+        <p:txBody>
+          <a:bodyPr vert="horz" wrap="square" lIns="91440" tIns="45720" rIns="91440" bIns="45720" numCol="1" anchor="ctr" anchorCtr="0" compatLnSpc="1">
+            <a:prstTxWarp prst="textNoShape">
+              <a:avLst/>
+            </a:prstTxWarp>
+            <a:spAutoFit/>
+          </a:bodyPr>
+          <a:lstStyle/>
+          <a:p>
+            <a:pPr marL="0" marR="0" lvl="0" indent="0" algn="l" defTabSz="914400" rtl="0" eaLnBrk="0" fontAlgn="base" latinLnBrk="0" hangingPunct="0">
+              <a:lnSpc>
+                <a:spcPct val="100000"/>
+              </a:lnSpc>
+              <a:spcBef>
+                <a:spcPct val="0"/>
+              </a:spcBef>
+              <a:spcAft>
+                <a:spcPct val="0"/>
+              </a:spcAft>
+              <a:buClrTx/>
+              <a:buSzTx/>
+              <a:buFontTx/>
+              <a:buNone/>
+              <a:tabLst/>
+            </a:pPr>
+            <a:r>
+              <a:rPr kumimoji="0" lang="en-US" altLang="en-US" sz="1600" b="0" i="0" u="none" strike="noStrike" cap="none" normalizeH="0" baseline="0" dirty="0">
+                <a:ln>
+                  <a:noFill/>
+                </a:ln>
+                <a:solidFill>
+                  <a:srgbClr val="CC7832"/>
+                </a:solidFill>
+                <a:effectLst/>
+                <a:latin typeface="Arial Unicode MS"/>
+              </a:rPr>
+              <a:t>import </a:t>
+            </a:r>
+            <a:r>
+              <a:rPr kumimoji="0" lang="en-US" altLang="en-US" sz="1600" b="0" i="0" u="none" strike="noStrike" cap="none" normalizeH="0" baseline="0" dirty="0">
+                <a:ln>
+                  <a:noFill/>
+                </a:ln>
+                <a:solidFill>
+                  <a:srgbClr val="A9B7C6"/>
+                </a:solidFill>
+                <a:effectLst/>
+                <a:latin typeface="Arial Unicode MS"/>
+              </a:rPr>
+              <a:t>json</a:t>
+            </a:r>
+            <a:br>
+              <a:rPr kumimoji="0" lang="en-US" altLang="en-US" sz="1600" b="0" i="0" u="none" strike="noStrike" cap="none" normalizeH="0" baseline="0" dirty="0">
+                <a:ln>
+                  <a:noFill/>
+                </a:ln>
+                <a:solidFill>
+                  <a:srgbClr val="A9B7C6"/>
+                </a:solidFill>
+                <a:effectLst/>
+                <a:latin typeface="Arial Unicode MS"/>
+              </a:rPr>
+            </a:br>
+            <a:br>
+              <a:rPr kumimoji="0" lang="en-US" altLang="en-US" sz="1600" b="0" i="0" u="none" strike="noStrike" cap="none" normalizeH="0" baseline="0" dirty="0">
+                <a:ln>
+                  <a:noFill/>
+                </a:ln>
+                <a:solidFill>
+                  <a:srgbClr val="A9B7C6"/>
+                </a:solidFill>
+                <a:effectLst/>
+                <a:latin typeface="Arial Unicode MS"/>
+              </a:rPr>
+            </a:br>
+            <a:r>
+              <a:rPr kumimoji="0" lang="en-US" altLang="en-US" sz="1600" b="0" i="0" u="none" strike="noStrike" cap="none" normalizeH="0" baseline="0" dirty="0" err="1">
+                <a:ln>
+                  <a:noFill/>
+                </a:ln>
+                <a:solidFill>
+                  <a:srgbClr val="A9B7C6"/>
+                </a:solidFill>
+                <a:effectLst/>
+                <a:latin typeface="Arial Unicode MS"/>
+              </a:rPr>
+              <a:t>json_data</a:t>
+            </a:r>
+            <a:r>
+              <a:rPr kumimoji="0" lang="en-US" altLang="en-US" sz="1600" b="0" i="0" u="none" strike="noStrike" cap="none" normalizeH="0" baseline="0" dirty="0">
+                <a:ln>
+                  <a:noFill/>
+                </a:ln>
+                <a:solidFill>
+                  <a:srgbClr val="A9B7C6"/>
+                </a:solidFill>
+                <a:effectLst/>
+                <a:latin typeface="Arial Unicode MS"/>
+              </a:rPr>
+              <a:t> = </a:t>
+            </a:r>
+            <a:r>
+              <a:rPr kumimoji="0" lang="en-US" altLang="en-US" sz="1600" b="0" i="0" u="none" strike="noStrike" cap="none" normalizeH="0" baseline="0" dirty="0">
+                <a:ln>
+                  <a:noFill/>
+                </a:ln>
+                <a:solidFill>
+                  <a:srgbClr val="6A8759"/>
+                </a:solidFill>
+                <a:effectLst/>
+                <a:latin typeface="Arial Unicode MS"/>
+              </a:rPr>
+              <a:t>'{"name": "John Doe", "age": 25, "city": "New York"}'</a:t>
+            </a:r>
+            <a:br>
+              <a:rPr kumimoji="0" lang="en-US" altLang="en-US" sz="1600" b="0" i="0" u="none" strike="noStrike" cap="none" normalizeH="0" baseline="0" dirty="0">
+                <a:ln>
+                  <a:noFill/>
+                </a:ln>
+                <a:solidFill>
+                  <a:srgbClr val="6A8759"/>
+                </a:solidFill>
+                <a:effectLst/>
+                <a:latin typeface="Arial Unicode MS"/>
+              </a:rPr>
+            </a:br>
+            <a:br>
+              <a:rPr kumimoji="0" lang="en-US" altLang="en-US" sz="1600" b="0" i="0" u="none" strike="noStrike" cap="none" normalizeH="0" baseline="0" dirty="0">
+                <a:ln>
+                  <a:noFill/>
+                </a:ln>
+                <a:solidFill>
+                  <a:srgbClr val="6A8759"/>
+                </a:solidFill>
+                <a:effectLst/>
+                <a:latin typeface="Arial Unicode MS"/>
+              </a:rPr>
+            </a:br>
+            <a:r>
+              <a:rPr kumimoji="0" lang="en-US" altLang="en-US" sz="1600" b="0" i="0" u="none" strike="noStrike" cap="none" normalizeH="0" baseline="0" dirty="0">
+                <a:ln>
+                  <a:noFill/>
+                </a:ln>
+                <a:solidFill>
+                  <a:srgbClr val="808080"/>
+                </a:solidFill>
+                <a:effectLst/>
+                <a:latin typeface="Arial Unicode MS"/>
+              </a:rPr>
+              <a:t># Decode the JSON string to a dictionary</a:t>
+            </a:r>
+            <a:br>
+              <a:rPr kumimoji="0" lang="en-US" altLang="en-US" sz="1600" b="0" i="0" u="none" strike="noStrike" cap="none" normalizeH="0" baseline="0" dirty="0">
+                <a:ln>
+                  <a:noFill/>
+                </a:ln>
+                <a:solidFill>
+                  <a:srgbClr val="808080"/>
+                </a:solidFill>
+                <a:effectLst/>
+                <a:latin typeface="Arial Unicode MS"/>
+              </a:rPr>
+            </a:br>
+            <a:r>
+              <a:rPr kumimoji="0" lang="en-US" altLang="en-US" sz="1600" b="0" i="0" u="none" strike="noStrike" cap="none" normalizeH="0" baseline="0" dirty="0">
+                <a:ln>
+                  <a:noFill/>
+                </a:ln>
+                <a:solidFill>
+                  <a:srgbClr val="A9B7C6"/>
+                </a:solidFill>
+                <a:effectLst/>
+                <a:latin typeface="Arial Unicode MS"/>
+              </a:rPr>
+              <a:t>person = </a:t>
+            </a:r>
+            <a:r>
+              <a:rPr kumimoji="0" lang="en-US" altLang="en-US" sz="1600" b="0" i="0" u="none" strike="noStrike" cap="none" normalizeH="0" baseline="0" dirty="0" err="1">
+                <a:ln>
+                  <a:noFill/>
+                </a:ln>
+                <a:solidFill>
+                  <a:srgbClr val="A9B7C6"/>
+                </a:solidFill>
+                <a:effectLst/>
+                <a:latin typeface="Arial Unicode MS"/>
+              </a:rPr>
+              <a:t>json.loads</a:t>
+            </a:r>
+            <a:r>
+              <a:rPr kumimoji="0" lang="en-US" altLang="en-US" sz="1600" b="0" i="0" u="none" strike="noStrike" cap="none" normalizeH="0" baseline="0" dirty="0">
+                <a:ln>
+                  <a:noFill/>
+                </a:ln>
+                <a:solidFill>
+                  <a:srgbClr val="A9B7C6"/>
+                </a:solidFill>
+                <a:effectLst/>
+                <a:latin typeface="Arial Unicode MS"/>
+              </a:rPr>
+              <a:t>(</a:t>
+            </a:r>
+            <a:r>
+              <a:rPr kumimoji="0" lang="en-US" altLang="en-US" sz="1600" b="0" i="0" u="none" strike="noStrike" cap="none" normalizeH="0" baseline="0" dirty="0" err="1">
+                <a:ln>
+                  <a:noFill/>
+                </a:ln>
+                <a:solidFill>
+                  <a:srgbClr val="A9B7C6"/>
+                </a:solidFill>
+                <a:effectLst/>
+                <a:latin typeface="Arial Unicode MS"/>
+              </a:rPr>
+              <a:t>json_data</a:t>
+            </a:r>
+            <a:r>
+              <a:rPr kumimoji="0" lang="en-US" altLang="en-US" sz="1600" b="0" i="0" u="none" strike="noStrike" cap="none" normalizeH="0" baseline="0" dirty="0">
+                <a:ln>
+                  <a:noFill/>
+                </a:ln>
+                <a:solidFill>
+                  <a:srgbClr val="A9B7C6"/>
+                </a:solidFill>
+                <a:effectLst/>
+                <a:latin typeface="Arial Unicode MS"/>
+              </a:rPr>
+              <a:t>)</a:t>
+            </a:r>
+            <a:br>
+              <a:rPr kumimoji="0" lang="en-US" altLang="en-US" sz="1600" b="0" i="0" u="none" strike="noStrike" cap="none" normalizeH="0" baseline="0" dirty="0">
+                <a:ln>
+                  <a:noFill/>
+                </a:ln>
+                <a:solidFill>
+                  <a:srgbClr val="A9B7C6"/>
+                </a:solidFill>
+                <a:effectLst/>
+                <a:latin typeface="Arial Unicode MS"/>
+              </a:rPr>
+            </a:br>
+            <a:br>
+              <a:rPr kumimoji="0" lang="en-US" altLang="en-US" sz="1600" b="0" i="0" u="none" strike="noStrike" cap="none" normalizeH="0" baseline="0" dirty="0">
+                <a:ln>
+                  <a:noFill/>
+                </a:ln>
+                <a:solidFill>
+                  <a:srgbClr val="A9B7C6"/>
+                </a:solidFill>
+                <a:effectLst/>
+                <a:latin typeface="Arial Unicode MS"/>
+              </a:rPr>
+            </a:br>
+            <a:r>
+              <a:rPr kumimoji="0" lang="en-US" altLang="en-US" sz="1600" b="0" i="0" u="none" strike="noStrike" cap="none" normalizeH="0" baseline="0" dirty="0">
+                <a:ln>
+                  <a:noFill/>
+                </a:ln>
+                <a:solidFill>
+                  <a:srgbClr val="A9B7C6"/>
+                </a:solidFill>
+                <a:effectLst/>
+                <a:latin typeface="Arial Unicode MS"/>
+              </a:rPr>
+              <a:t>print(person[</a:t>
+            </a:r>
+            <a:r>
+              <a:rPr kumimoji="0" lang="en-US" altLang="en-US" sz="1600" b="0" i="0" u="none" strike="noStrike" cap="none" normalizeH="0" baseline="0" dirty="0">
+                <a:ln>
+                  <a:noFill/>
+                </a:ln>
+                <a:solidFill>
+                  <a:srgbClr val="6A8759"/>
+                </a:solidFill>
+                <a:effectLst/>
+                <a:latin typeface="Arial Unicode MS"/>
+              </a:rPr>
+              <a:t>"name"</a:t>
+            </a:r>
+            <a:r>
+              <a:rPr kumimoji="0" lang="en-US" altLang="en-US" sz="1600" b="0" i="0" u="none" strike="noStrike" cap="none" normalizeH="0" baseline="0" dirty="0">
+                <a:ln>
+                  <a:noFill/>
+                </a:ln>
+                <a:solidFill>
+                  <a:srgbClr val="A9B7C6"/>
+                </a:solidFill>
+                <a:effectLst/>
+                <a:latin typeface="Arial Unicode MS"/>
+              </a:rPr>
+              <a:t>])</a:t>
+            </a:r>
+            <a:br>
+              <a:rPr kumimoji="0" lang="en-US" altLang="en-US" sz="1600" b="0" i="0" u="none" strike="noStrike" cap="none" normalizeH="0" baseline="0" dirty="0">
+                <a:ln>
+                  <a:noFill/>
+                </a:ln>
+                <a:solidFill>
+                  <a:srgbClr val="A9B7C6"/>
+                </a:solidFill>
+                <a:effectLst/>
+                <a:latin typeface="Arial Unicode MS"/>
+              </a:rPr>
+            </a:br>
+            <a:r>
+              <a:rPr kumimoji="0" lang="en-US" altLang="en-US" sz="1600" b="0" i="0" u="none" strike="noStrike" cap="none" normalizeH="0" baseline="0" dirty="0">
+                <a:ln>
+                  <a:noFill/>
+                </a:ln>
+                <a:solidFill>
+                  <a:srgbClr val="A9B7C6"/>
+                </a:solidFill>
+                <a:effectLst/>
+                <a:latin typeface="Arial Unicode MS"/>
+              </a:rPr>
+              <a:t>print(person[</a:t>
+            </a:r>
+            <a:r>
+              <a:rPr kumimoji="0" lang="en-US" altLang="en-US" sz="1600" b="0" i="0" u="none" strike="noStrike" cap="none" normalizeH="0" baseline="0" dirty="0">
+                <a:ln>
+                  <a:noFill/>
+                </a:ln>
+                <a:solidFill>
+                  <a:srgbClr val="6A8759"/>
+                </a:solidFill>
+                <a:effectLst/>
+                <a:latin typeface="Arial Unicode MS"/>
+              </a:rPr>
+              <a:t>"age"</a:t>
+            </a:r>
+            <a:r>
+              <a:rPr kumimoji="0" lang="en-US" altLang="en-US" sz="1600" b="0" i="0" u="none" strike="noStrike" cap="none" normalizeH="0" baseline="0" dirty="0">
+                <a:ln>
+                  <a:noFill/>
+                </a:ln>
+                <a:solidFill>
+                  <a:srgbClr val="A9B7C6"/>
+                </a:solidFill>
+                <a:effectLst/>
+                <a:latin typeface="Arial Unicode MS"/>
+              </a:rPr>
+              <a:t>])</a:t>
+            </a:r>
+            <a:br>
+              <a:rPr kumimoji="0" lang="en-US" altLang="en-US" sz="1600" b="0" i="0" u="none" strike="noStrike" cap="none" normalizeH="0" baseline="0" dirty="0">
+                <a:ln>
+                  <a:noFill/>
+                </a:ln>
+                <a:solidFill>
+                  <a:srgbClr val="A9B7C6"/>
+                </a:solidFill>
+                <a:effectLst/>
+                <a:latin typeface="Arial Unicode MS"/>
+              </a:rPr>
+            </a:br>
+            <a:r>
+              <a:rPr kumimoji="0" lang="en-US" altLang="en-US" sz="1600" b="0" i="0" u="none" strike="noStrike" cap="none" normalizeH="0" baseline="0" dirty="0">
+                <a:ln>
+                  <a:noFill/>
+                </a:ln>
+                <a:solidFill>
+                  <a:srgbClr val="A9B7C6"/>
+                </a:solidFill>
+                <a:effectLst/>
+                <a:latin typeface="Arial Unicode MS"/>
+              </a:rPr>
+              <a:t>print(person[</a:t>
+            </a:r>
+            <a:r>
+              <a:rPr kumimoji="0" lang="en-US" altLang="en-US" sz="1600" b="0" i="0" u="none" strike="noStrike" cap="none" normalizeH="0" baseline="0" dirty="0">
+                <a:ln>
+                  <a:noFill/>
+                </a:ln>
+                <a:solidFill>
+                  <a:srgbClr val="6A8759"/>
+                </a:solidFill>
+                <a:effectLst/>
+                <a:latin typeface="Arial Unicode MS"/>
+              </a:rPr>
+              <a:t>"city"</a:t>
+            </a:r>
+            <a:r>
+              <a:rPr kumimoji="0" lang="en-US" altLang="en-US" sz="1600" b="0" i="0" u="none" strike="noStrike" cap="none" normalizeH="0" baseline="0" dirty="0">
+                <a:ln>
+                  <a:noFill/>
+                </a:ln>
+                <a:solidFill>
+                  <a:srgbClr val="A9B7C6"/>
+                </a:solidFill>
+                <a:effectLst/>
+                <a:latin typeface="Arial Unicode MS"/>
+              </a:rPr>
+              <a:t>])</a:t>
+            </a:r>
+            <a:endParaRPr kumimoji="0" lang="en-US" altLang="en-US" sz="1600" b="0" i="0" u="none" strike="noStrike" cap="none" normalizeH="0" baseline="0" dirty="0">
+              <a:ln>
+                <a:noFill/>
+              </a:ln>
+              <a:solidFill>
+                <a:schemeClr val="tx1"/>
+              </a:solidFill>
+              <a:effectLst/>
+              <a:latin typeface="Arial" panose="020B0604020202020204" pitchFamily="34" charset="0"/>
+            </a:endParaRPr>
+          </a:p>
+        </p:txBody>
+      </p:sp>
+      <p:sp>
+        <p:nvSpPr>
+          <p:cNvPr id="5" name="TextBox 4">
+            <a:extLst>
+              <a:ext uri="{FF2B5EF4-FFF2-40B4-BE49-F238E27FC236}">
+                <a16:creationId xmlns:a16="http://schemas.microsoft.com/office/drawing/2014/main" id="{48E0EE22-F843-45F6-9AED-208130C0B64F}"/>
+              </a:ext>
+            </a:extLst>
+          </p:cNvPr>
+          <p:cNvSpPr txBox="1"/>
+          <p:nvPr/>
+        </p:nvSpPr>
+        <p:spPr>
+          <a:xfrm>
+            <a:off x="838200" y="5424256"/>
+            <a:ext cx="10209320" cy="646331"/>
+          </a:xfrm>
+          <a:prstGeom prst="rect">
+            <a:avLst/>
+          </a:prstGeom>
+          <a:noFill/>
+        </p:spPr>
+        <p:txBody>
+          <a:bodyPr wrap="square" rtlCol="0">
+            <a:spAutoFit/>
+          </a:bodyPr>
+          <a:lstStyle/>
+          <a:p>
+            <a:r>
+              <a:rPr lang="en-US" dirty="0"/>
+              <a:t>JSON is commonly used for exchanging data between a client and a server or for storing configuration settings. It is a versatile and widely supported format for data serialization.</a:t>
+            </a:r>
           </a:p>
         </p:txBody>
       </p:sp>
     </p:spTree>
     <p:extLst>
       <p:ext uri="{BB962C8B-B14F-4D97-AF65-F5344CB8AC3E}">
-        <p14:creationId xmlns:p14="http://schemas.microsoft.com/office/powerpoint/2010/main" val="540939569"/>
+        <p14:creationId xmlns:p14="http://schemas.microsoft.com/office/powerpoint/2010/main" val="3080495058"/>
       </p:ext>
     </p:extLst>
   </p:cSld>
@@ -9225,6 +9365,2116 @@
 </file>
 
 <file path=ppt/slides/slide16.xml><?xml version="1.0" encoding="utf-8"?>
+<p:sld xmlns:a="http://schemas.openxmlformats.org/drawingml/2006/main" xmlns:r="http://schemas.openxmlformats.org/officeDocument/2006/relationships" xmlns:p="http://schemas.openxmlformats.org/presentationml/2006/main">
+  <p:cSld>
+    <p:spTree>
+      <p:nvGrpSpPr>
+        <p:cNvPr id="1" name=""/>
+        <p:cNvGrpSpPr/>
+        <p:nvPr/>
+      </p:nvGrpSpPr>
+      <p:grpSpPr>
+        <a:xfrm>
+          <a:off x="0" y="0"/>
+          <a:ext cx="0" cy="0"/>
+          <a:chOff x="0" y="0"/>
+          <a:chExt cx="0" cy="0"/>
+        </a:xfrm>
+      </p:grpSpPr>
+      <p:sp>
+        <p:nvSpPr>
+          <p:cNvPr id="2" name="Title 1">
+            <a:extLst>
+              <a:ext uri="{FF2B5EF4-FFF2-40B4-BE49-F238E27FC236}">
+                <a16:creationId xmlns:a16="http://schemas.microsoft.com/office/drawing/2014/main" id="{D0E6308D-15D3-40DC-84AC-9E6FDE2E0365}"/>
+              </a:ext>
+            </a:extLst>
+          </p:cNvPr>
+          <p:cNvSpPr>
+            <a:spLocks noGrp="1"/>
+          </p:cNvSpPr>
+          <p:nvPr>
+            <p:ph type="title"/>
+          </p:nvPr>
+        </p:nvSpPr>
+        <p:spPr/>
+        <p:txBody>
+          <a:bodyPr/>
+          <a:lstStyle/>
+          <a:p>
+            <a:r>
+              <a:rPr lang="en-US" dirty="0"/>
+              <a:t>JSON string to Python object</a:t>
+            </a:r>
+            <a:endParaRPr lang="he-IL" dirty="0"/>
+          </a:p>
+        </p:txBody>
+      </p:sp>
+      <p:sp>
+        <p:nvSpPr>
+          <p:cNvPr id="3" name="Content Placeholder 2">
+            <a:extLst>
+              <a:ext uri="{FF2B5EF4-FFF2-40B4-BE49-F238E27FC236}">
+                <a16:creationId xmlns:a16="http://schemas.microsoft.com/office/drawing/2014/main" id="{90D3C257-3016-4B19-B415-09F837445CA2}"/>
+              </a:ext>
+            </a:extLst>
+          </p:cNvPr>
+          <p:cNvSpPr>
+            <a:spLocks noGrp="1"/>
+          </p:cNvSpPr>
+          <p:nvPr>
+            <p:ph idx="1"/>
+          </p:nvPr>
+        </p:nvSpPr>
+        <p:spPr>
+          <a:xfrm>
+            <a:off x="838199" y="1825625"/>
+            <a:ext cx="10720527" cy="491447"/>
+          </a:xfrm>
+        </p:spPr>
+        <p:txBody>
+          <a:bodyPr>
+            <a:normAutofit/>
+          </a:bodyPr>
+          <a:lstStyle/>
+          <a:p>
+            <a:pPr fontAlgn="t"/>
+            <a:r>
+              <a:rPr lang="en-US" sz="2000" dirty="0"/>
+              <a:t>You can use the </a:t>
+            </a:r>
+            <a:r>
+              <a:rPr lang="en-US" sz="2000" dirty="0" err="1"/>
+              <a:t>json.loads</a:t>
+            </a:r>
+            <a:r>
+              <a:rPr lang="en-US" sz="2000" dirty="0"/>
+              <a:t> method to easily convert this JSON string to a Python object:</a:t>
+            </a:r>
+            <a:endParaRPr lang="he-IL" sz="2000" dirty="0"/>
+          </a:p>
+        </p:txBody>
+      </p:sp>
+      <p:sp>
+        <p:nvSpPr>
+          <p:cNvPr id="5" name="Rectangle 2">
+            <a:extLst>
+              <a:ext uri="{FF2B5EF4-FFF2-40B4-BE49-F238E27FC236}">
+                <a16:creationId xmlns:a16="http://schemas.microsoft.com/office/drawing/2014/main" id="{8F4E8594-36A3-44AA-9EB4-51CEAC03F702}"/>
+              </a:ext>
+            </a:extLst>
+          </p:cNvPr>
+          <p:cNvSpPr>
+            <a:spLocks noChangeArrowheads="1"/>
+          </p:cNvSpPr>
+          <p:nvPr/>
+        </p:nvSpPr>
+        <p:spPr bwMode="auto">
+          <a:xfrm>
+            <a:off x="982463" y="2317072"/>
+            <a:ext cx="5113537" cy="3416320"/>
+          </a:xfrm>
+          <a:prstGeom prst="rect">
+            <a:avLst/>
+          </a:prstGeom>
+          <a:solidFill>
+            <a:srgbClr val="2B2B2B"/>
+          </a:solidFill>
+          <a:ln>
+            <a:noFill/>
+          </a:ln>
+          <a:effectLst/>
+          <a:extLst>
+            <a:ext uri="{91240B29-F687-4F45-9708-019B960494DF}">
+              <a14:hiddenLine xmlns:a14="http://schemas.microsoft.com/office/drawing/2010/main" w="9525">
+                <a:solidFill>
+                  <a:schemeClr val="tx1"/>
+                </a:solidFill>
+                <a:miter lim="800000"/>
+                <a:headEnd/>
+                <a:tailEnd/>
+              </a14:hiddenLine>
+            </a:ext>
+            <a:ext uri="{AF507438-7753-43E0-B8FC-AC1667EBCBE1}">
+              <a14:hiddenEffects xmlns:a14="http://schemas.microsoft.com/office/drawing/2010/main">
+                <a:effectLst>
+                  <a:outerShdw dist="35921" dir="2700000" algn="ctr" rotWithShape="0">
+                    <a:schemeClr val="bg2"/>
+                  </a:outerShdw>
+                </a:effectLst>
+              </a14:hiddenEffects>
+            </a:ext>
+          </a:extLst>
+        </p:spPr>
+        <p:txBody>
+          <a:bodyPr vert="horz" wrap="square" lIns="91440" tIns="45720" rIns="91440" bIns="45720" numCol="1" anchor="ctr" anchorCtr="0" compatLnSpc="1">
+            <a:prstTxWarp prst="textNoShape">
+              <a:avLst/>
+            </a:prstTxWarp>
+            <a:spAutoFit/>
+          </a:bodyPr>
+          <a:lstStyle/>
+          <a:p>
+            <a:pPr marL="0" marR="0" lvl="0" indent="0" algn="l" defTabSz="914400" rtl="0" eaLnBrk="0" fontAlgn="base" latinLnBrk="0" hangingPunct="0">
+              <a:lnSpc>
+                <a:spcPct val="100000"/>
+              </a:lnSpc>
+              <a:spcBef>
+                <a:spcPct val="0"/>
+              </a:spcBef>
+              <a:spcAft>
+                <a:spcPct val="0"/>
+              </a:spcAft>
+              <a:buClrTx/>
+              <a:buSzTx/>
+              <a:buFontTx/>
+              <a:buNone/>
+              <a:tabLst/>
+            </a:pPr>
+            <a:r>
+              <a:rPr kumimoji="0" lang="en-US" altLang="en-US" sz="1200" b="0" i="0" u="none" strike="noStrike" cap="none" normalizeH="0" baseline="0" dirty="0">
+                <a:ln>
+                  <a:noFill/>
+                </a:ln>
+                <a:solidFill>
+                  <a:srgbClr val="CC7832"/>
+                </a:solidFill>
+                <a:effectLst/>
+                <a:latin typeface="Arial Unicode MS"/>
+              </a:rPr>
+              <a:t>import </a:t>
+            </a:r>
+            <a:r>
+              <a:rPr kumimoji="0" lang="en-US" altLang="en-US" sz="1200" b="0" i="0" u="none" strike="noStrike" cap="none" normalizeH="0" baseline="0" dirty="0">
+                <a:ln>
+                  <a:noFill/>
+                </a:ln>
+                <a:solidFill>
+                  <a:srgbClr val="A9B7C6"/>
+                </a:solidFill>
+                <a:effectLst/>
+                <a:latin typeface="Arial Unicode MS"/>
+              </a:rPr>
+              <a:t>json</a:t>
+            </a:r>
+            <a:br>
+              <a:rPr kumimoji="0" lang="en-US" altLang="en-US" sz="1200" b="0" i="0" u="none" strike="noStrike" cap="none" normalizeH="0" baseline="0" dirty="0">
+                <a:ln>
+                  <a:noFill/>
+                </a:ln>
+                <a:solidFill>
+                  <a:srgbClr val="A9B7C6"/>
+                </a:solidFill>
+                <a:effectLst/>
+                <a:latin typeface="Arial Unicode MS"/>
+              </a:rPr>
+            </a:br>
+            <a:br>
+              <a:rPr kumimoji="0" lang="en-US" altLang="en-US" sz="1200" b="0" i="0" u="none" strike="noStrike" cap="none" normalizeH="0" baseline="0" dirty="0">
+                <a:ln>
+                  <a:noFill/>
+                </a:ln>
+                <a:solidFill>
+                  <a:srgbClr val="A9B7C6"/>
+                </a:solidFill>
+                <a:effectLst/>
+                <a:latin typeface="Arial Unicode MS"/>
+              </a:rPr>
+            </a:br>
+            <a:r>
+              <a:rPr kumimoji="0" lang="en-US" altLang="en-US" sz="1200" b="0" i="0" u="none" strike="noStrike" cap="none" normalizeH="0" baseline="0" dirty="0" err="1">
+                <a:ln>
+                  <a:noFill/>
+                </a:ln>
+                <a:solidFill>
+                  <a:srgbClr val="A9B7C6"/>
+                </a:solidFill>
+                <a:effectLst/>
+                <a:latin typeface="Arial Unicode MS"/>
+              </a:rPr>
+              <a:t>json_string</a:t>
+            </a:r>
+            <a:r>
+              <a:rPr kumimoji="0" lang="en-US" altLang="en-US" sz="1200" b="0" i="0" u="none" strike="noStrike" cap="none" normalizeH="0" baseline="0" dirty="0">
+                <a:ln>
+                  <a:noFill/>
+                </a:ln>
+                <a:solidFill>
+                  <a:srgbClr val="A9B7C6"/>
+                </a:solidFill>
+                <a:effectLst/>
+                <a:latin typeface="Arial Unicode MS"/>
+              </a:rPr>
+              <a:t> = </a:t>
+            </a:r>
+            <a:r>
+              <a:rPr kumimoji="0" lang="en-US" altLang="en-US" sz="1200" b="0" i="0" u="none" strike="noStrike" cap="none" normalizeH="0" baseline="0" dirty="0">
+                <a:ln>
+                  <a:noFill/>
+                </a:ln>
+                <a:solidFill>
+                  <a:srgbClr val="6A8759"/>
+                </a:solidFill>
+                <a:effectLst/>
+                <a:latin typeface="Arial Unicode MS"/>
+              </a:rPr>
+              <a:t>"""</a:t>
+            </a:r>
+            <a:br>
+              <a:rPr kumimoji="0" lang="en-US" altLang="en-US" sz="1200" b="0" i="0" u="none" strike="noStrike" cap="none" normalizeH="0" baseline="0" dirty="0">
+                <a:ln>
+                  <a:noFill/>
+                </a:ln>
+                <a:solidFill>
+                  <a:srgbClr val="6A8759"/>
+                </a:solidFill>
+                <a:effectLst/>
+                <a:latin typeface="Arial Unicode MS"/>
+              </a:rPr>
+            </a:br>
+            <a:r>
+              <a:rPr kumimoji="0" lang="en-US" altLang="en-US" sz="1200" b="0" i="0" u="none" strike="noStrike" cap="none" normalizeH="0" baseline="0" dirty="0">
+                <a:ln>
+                  <a:noFill/>
+                </a:ln>
+                <a:solidFill>
+                  <a:srgbClr val="6A8759"/>
+                </a:solidFill>
+                <a:effectLst/>
+                <a:latin typeface="Arial Unicode MS"/>
+              </a:rPr>
+              <a:t>{</a:t>
+            </a:r>
+            <a:br>
+              <a:rPr kumimoji="0" lang="en-US" altLang="en-US" sz="1200" b="0" i="0" u="none" strike="noStrike" cap="none" normalizeH="0" baseline="0" dirty="0">
+                <a:ln>
+                  <a:noFill/>
+                </a:ln>
+                <a:solidFill>
+                  <a:srgbClr val="6A8759"/>
+                </a:solidFill>
+                <a:effectLst/>
+                <a:latin typeface="Arial Unicode MS"/>
+              </a:rPr>
+            </a:br>
+            <a:r>
+              <a:rPr kumimoji="0" lang="en-US" altLang="en-US" sz="1200" b="0" i="0" u="none" strike="noStrike" cap="none" normalizeH="0" baseline="0" dirty="0">
+                <a:ln>
+                  <a:noFill/>
+                </a:ln>
+                <a:solidFill>
+                  <a:srgbClr val="6A8759"/>
+                </a:solidFill>
+                <a:effectLst/>
+                <a:latin typeface="Arial Unicode MS"/>
+              </a:rPr>
+              <a:t>    "name": "John Doe",</a:t>
+            </a:r>
+            <a:br>
+              <a:rPr kumimoji="0" lang="en-US" altLang="en-US" sz="1200" b="0" i="0" u="none" strike="noStrike" cap="none" normalizeH="0" baseline="0" dirty="0">
+                <a:ln>
+                  <a:noFill/>
+                </a:ln>
+                <a:solidFill>
+                  <a:srgbClr val="6A8759"/>
+                </a:solidFill>
+                <a:effectLst/>
+                <a:latin typeface="Arial Unicode MS"/>
+              </a:rPr>
+            </a:br>
+            <a:r>
+              <a:rPr kumimoji="0" lang="en-US" altLang="en-US" sz="1200" b="0" i="0" u="none" strike="noStrike" cap="none" normalizeH="0" baseline="0" dirty="0">
+                <a:ln>
+                  <a:noFill/>
+                </a:ln>
+                <a:solidFill>
+                  <a:srgbClr val="6A8759"/>
+                </a:solidFill>
+                <a:effectLst/>
+                <a:latin typeface="Arial Unicode MS"/>
+              </a:rPr>
+              <a:t>    "age": 32,</a:t>
+            </a:r>
+            <a:br>
+              <a:rPr kumimoji="0" lang="en-US" altLang="en-US" sz="1200" b="0" i="0" u="none" strike="noStrike" cap="none" normalizeH="0" baseline="0" dirty="0">
+                <a:ln>
+                  <a:noFill/>
+                </a:ln>
+                <a:solidFill>
+                  <a:srgbClr val="6A8759"/>
+                </a:solidFill>
+                <a:effectLst/>
+                <a:latin typeface="Arial Unicode MS"/>
+              </a:rPr>
+            </a:br>
+            <a:r>
+              <a:rPr kumimoji="0" lang="en-US" altLang="en-US" sz="1200" b="0" i="0" u="none" strike="noStrike" cap="none" normalizeH="0" baseline="0" dirty="0">
+                <a:ln>
+                  <a:noFill/>
+                </a:ln>
+                <a:solidFill>
+                  <a:srgbClr val="6A8759"/>
+                </a:solidFill>
+                <a:effectLst/>
+                <a:latin typeface="Arial Unicode MS"/>
+              </a:rPr>
+              <a:t>    "address": {</a:t>
+            </a:r>
+            <a:br>
+              <a:rPr kumimoji="0" lang="en-US" altLang="en-US" sz="1200" b="0" i="0" u="none" strike="noStrike" cap="none" normalizeH="0" baseline="0" dirty="0">
+                <a:ln>
+                  <a:noFill/>
+                </a:ln>
+                <a:solidFill>
+                  <a:srgbClr val="6A8759"/>
+                </a:solidFill>
+                <a:effectLst/>
+                <a:latin typeface="Arial Unicode MS"/>
+              </a:rPr>
+            </a:br>
+            <a:r>
+              <a:rPr kumimoji="0" lang="en-US" altLang="en-US" sz="1200" b="0" i="0" u="none" strike="noStrike" cap="none" normalizeH="0" baseline="0" dirty="0">
+                <a:ln>
+                  <a:noFill/>
+                </a:ln>
+                <a:solidFill>
+                  <a:srgbClr val="6A8759"/>
+                </a:solidFill>
+                <a:effectLst/>
+                <a:latin typeface="Arial Unicode MS"/>
+              </a:rPr>
+              <a:t>        "street": "123 Main St",</a:t>
+            </a:r>
+            <a:br>
+              <a:rPr kumimoji="0" lang="en-US" altLang="en-US" sz="1200" b="0" i="0" u="none" strike="noStrike" cap="none" normalizeH="0" baseline="0" dirty="0">
+                <a:ln>
+                  <a:noFill/>
+                </a:ln>
+                <a:solidFill>
+                  <a:srgbClr val="6A8759"/>
+                </a:solidFill>
+                <a:effectLst/>
+                <a:latin typeface="Arial Unicode MS"/>
+              </a:rPr>
+            </a:br>
+            <a:r>
+              <a:rPr kumimoji="0" lang="en-US" altLang="en-US" sz="1200" b="0" i="0" u="none" strike="noStrike" cap="none" normalizeH="0" baseline="0" dirty="0">
+                <a:ln>
+                  <a:noFill/>
+                </a:ln>
+                <a:solidFill>
+                  <a:srgbClr val="6A8759"/>
+                </a:solidFill>
+                <a:effectLst/>
+                <a:latin typeface="Arial Unicode MS"/>
+              </a:rPr>
+              <a:t>        "city": "Anytown",</a:t>
+            </a:r>
+            <a:br>
+              <a:rPr kumimoji="0" lang="en-US" altLang="en-US" sz="1200" b="0" i="0" u="none" strike="noStrike" cap="none" normalizeH="0" baseline="0" dirty="0">
+                <a:ln>
+                  <a:noFill/>
+                </a:ln>
+                <a:solidFill>
+                  <a:srgbClr val="6A8759"/>
+                </a:solidFill>
+                <a:effectLst/>
+                <a:latin typeface="Arial Unicode MS"/>
+              </a:rPr>
+            </a:br>
+            <a:r>
+              <a:rPr kumimoji="0" lang="en-US" altLang="en-US" sz="1200" b="0" i="0" u="none" strike="noStrike" cap="none" normalizeH="0" baseline="0" dirty="0">
+                <a:ln>
+                  <a:noFill/>
+                </a:ln>
+                <a:solidFill>
+                  <a:srgbClr val="6A8759"/>
+                </a:solidFill>
+                <a:effectLst/>
+                <a:latin typeface="Arial Unicode MS"/>
+              </a:rPr>
+              <a:t>        "state": "CA"</a:t>
+            </a:r>
+            <a:br>
+              <a:rPr kumimoji="0" lang="en-US" altLang="en-US" sz="1200" b="0" i="0" u="none" strike="noStrike" cap="none" normalizeH="0" baseline="0" dirty="0">
+                <a:ln>
+                  <a:noFill/>
+                </a:ln>
+                <a:solidFill>
+                  <a:srgbClr val="6A8759"/>
+                </a:solidFill>
+                <a:effectLst/>
+                <a:latin typeface="Arial Unicode MS"/>
+              </a:rPr>
+            </a:br>
+            <a:r>
+              <a:rPr kumimoji="0" lang="en-US" altLang="en-US" sz="1200" b="0" i="0" u="none" strike="noStrike" cap="none" normalizeH="0" baseline="0" dirty="0">
+                <a:ln>
+                  <a:noFill/>
+                </a:ln>
+                <a:solidFill>
+                  <a:srgbClr val="6A8759"/>
+                </a:solidFill>
+                <a:effectLst/>
+                <a:latin typeface="Arial Unicode MS"/>
+              </a:rPr>
+              <a:t>    },</a:t>
+            </a:r>
+            <a:br>
+              <a:rPr kumimoji="0" lang="en-US" altLang="en-US" sz="1200" b="0" i="0" u="none" strike="noStrike" cap="none" normalizeH="0" baseline="0" dirty="0">
+                <a:ln>
+                  <a:noFill/>
+                </a:ln>
+                <a:solidFill>
+                  <a:srgbClr val="6A8759"/>
+                </a:solidFill>
+                <a:effectLst/>
+                <a:latin typeface="Arial Unicode MS"/>
+              </a:rPr>
+            </a:br>
+            <a:r>
+              <a:rPr kumimoji="0" lang="en-US" altLang="en-US" sz="1200" b="0" i="0" u="none" strike="noStrike" cap="none" normalizeH="0" baseline="0" dirty="0">
+                <a:ln>
+                  <a:noFill/>
+                </a:ln>
+                <a:solidFill>
+                  <a:srgbClr val="6A8759"/>
+                </a:solidFill>
+                <a:effectLst/>
+                <a:latin typeface="Arial Unicode MS"/>
+              </a:rPr>
+              <a:t>    "tags": ["Finance", "Admin"]</a:t>
+            </a:r>
+            <a:br>
+              <a:rPr kumimoji="0" lang="en-US" altLang="en-US" sz="1200" b="0" i="0" u="none" strike="noStrike" cap="none" normalizeH="0" baseline="0" dirty="0">
+                <a:ln>
+                  <a:noFill/>
+                </a:ln>
+                <a:solidFill>
+                  <a:srgbClr val="6A8759"/>
+                </a:solidFill>
+                <a:effectLst/>
+                <a:latin typeface="Arial Unicode MS"/>
+              </a:rPr>
+            </a:br>
+            <a:r>
+              <a:rPr kumimoji="0" lang="en-US" altLang="en-US" sz="1200" b="0" i="0" u="none" strike="noStrike" cap="none" normalizeH="0" baseline="0" dirty="0">
+                <a:ln>
+                  <a:noFill/>
+                </a:ln>
+                <a:solidFill>
+                  <a:srgbClr val="6A8759"/>
+                </a:solidFill>
+                <a:effectLst/>
+                <a:latin typeface="Arial Unicode MS"/>
+              </a:rPr>
+              <a:t>}</a:t>
+            </a:r>
+            <a:br>
+              <a:rPr kumimoji="0" lang="en-US" altLang="en-US" sz="1200" b="0" i="0" u="none" strike="noStrike" cap="none" normalizeH="0" baseline="0" dirty="0">
+                <a:ln>
+                  <a:noFill/>
+                </a:ln>
+                <a:solidFill>
+                  <a:srgbClr val="6A8759"/>
+                </a:solidFill>
+                <a:effectLst/>
+                <a:latin typeface="Arial Unicode MS"/>
+              </a:rPr>
+            </a:br>
+            <a:r>
+              <a:rPr kumimoji="0" lang="en-US" altLang="en-US" sz="1200" b="0" i="0" u="none" strike="noStrike" cap="none" normalizeH="0" baseline="0" dirty="0">
+                <a:ln>
+                  <a:noFill/>
+                </a:ln>
+                <a:solidFill>
+                  <a:srgbClr val="6A8759"/>
+                </a:solidFill>
+                <a:effectLst/>
+                <a:latin typeface="Arial Unicode MS"/>
+              </a:rPr>
+              <a:t>"""</a:t>
+            </a:r>
+            <a:br>
+              <a:rPr kumimoji="0" lang="en-US" altLang="en-US" sz="1200" b="0" i="0" u="none" strike="noStrike" cap="none" normalizeH="0" baseline="0" dirty="0">
+                <a:ln>
+                  <a:noFill/>
+                </a:ln>
+                <a:solidFill>
+                  <a:srgbClr val="6A8759"/>
+                </a:solidFill>
+                <a:effectLst/>
+                <a:latin typeface="Arial Unicode MS"/>
+              </a:rPr>
+            </a:br>
+            <a:br>
+              <a:rPr kumimoji="0" lang="en-US" altLang="en-US" sz="1200" b="0" i="0" u="none" strike="noStrike" cap="none" normalizeH="0" baseline="0" dirty="0">
+                <a:ln>
+                  <a:noFill/>
+                </a:ln>
+                <a:solidFill>
+                  <a:srgbClr val="6A8759"/>
+                </a:solidFill>
+                <a:effectLst/>
+                <a:latin typeface="Arial Unicode MS"/>
+              </a:rPr>
+            </a:br>
+            <a:r>
+              <a:rPr kumimoji="0" lang="en-US" altLang="en-US" sz="1200" b="0" i="0" u="none" strike="noStrike" cap="none" normalizeH="0" baseline="0" dirty="0" err="1">
+                <a:ln>
+                  <a:noFill/>
+                </a:ln>
+                <a:solidFill>
+                  <a:srgbClr val="A9B7C6"/>
+                </a:solidFill>
+                <a:effectLst/>
+                <a:latin typeface="Arial Unicode MS"/>
+              </a:rPr>
+              <a:t>parsed_json</a:t>
+            </a:r>
+            <a:r>
+              <a:rPr kumimoji="0" lang="en-US" altLang="en-US" sz="1200" b="0" i="0" u="none" strike="noStrike" cap="none" normalizeH="0" baseline="0" dirty="0">
+                <a:ln>
+                  <a:noFill/>
+                </a:ln>
+                <a:solidFill>
+                  <a:srgbClr val="A9B7C6"/>
+                </a:solidFill>
+                <a:effectLst/>
+                <a:latin typeface="Arial Unicode MS"/>
+              </a:rPr>
+              <a:t> = </a:t>
+            </a:r>
+            <a:r>
+              <a:rPr kumimoji="0" lang="en-US" altLang="en-US" sz="1200" b="0" i="0" u="none" strike="noStrike" cap="none" normalizeH="0" baseline="0" dirty="0" err="1">
+                <a:ln>
+                  <a:noFill/>
+                </a:ln>
+                <a:solidFill>
+                  <a:srgbClr val="A9B7C6"/>
+                </a:solidFill>
+                <a:effectLst/>
+                <a:latin typeface="Arial Unicode MS"/>
+              </a:rPr>
+              <a:t>json.loads</a:t>
+            </a:r>
+            <a:r>
+              <a:rPr kumimoji="0" lang="en-US" altLang="en-US" sz="1200" b="0" i="0" u="none" strike="noStrike" cap="none" normalizeH="0" baseline="0" dirty="0">
+                <a:ln>
+                  <a:noFill/>
+                </a:ln>
+                <a:solidFill>
+                  <a:srgbClr val="A9B7C6"/>
+                </a:solidFill>
+                <a:effectLst/>
+                <a:latin typeface="Arial Unicode MS"/>
+              </a:rPr>
+              <a:t>(</a:t>
+            </a:r>
+            <a:r>
+              <a:rPr kumimoji="0" lang="en-US" altLang="en-US" sz="1200" b="0" i="0" u="none" strike="noStrike" cap="none" normalizeH="0" baseline="0" dirty="0" err="1">
+                <a:ln>
+                  <a:noFill/>
+                </a:ln>
+                <a:solidFill>
+                  <a:srgbClr val="A9B7C6"/>
+                </a:solidFill>
+                <a:effectLst/>
+                <a:latin typeface="Arial Unicode MS"/>
+              </a:rPr>
+              <a:t>json_string</a:t>
+            </a:r>
+            <a:r>
+              <a:rPr kumimoji="0" lang="en-US" altLang="en-US" sz="1200" b="0" i="0" u="none" strike="noStrike" cap="none" normalizeH="0" baseline="0" dirty="0">
+                <a:ln>
+                  <a:noFill/>
+                </a:ln>
+                <a:solidFill>
+                  <a:srgbClr val="A9B7C6"/>
+                </a:solidFill>
+                <a:effectLst/>
+                <a:latin typeface="Arial Unicode MS"/>
+              </a:rPr>
+              <a:t>)</a:t>
+            </a:r>
+            <a:br>
+              <a:rPr kumimoji="0" lang="en-US" altLang="en-US" sz="1200" b="0" i="0" u="none" strike="noStrike" cap="none" normalizeH="0" baseline="0" dirty="0">
+                <a:ln>
+                  <a:noFill/>
+                </a:ln>
+                <a:solidFill>
+                  <a:srgbClr val="A9B7C6"/>
+                </a:solidFill>
+                <a:effectLst/>
+                <a:latin typeface="Arial Unicode MS"/>
+              </a:rPr>
+            </a:br>
+            <a:r>
+              <a:rPr kumimoji="0" lang="en-US" altLang="en-US" sz="1200" b="0" i="0" u="none" strike="noStrike" cap="none" normalizeH="0" baseline="0" dirty="0">
+                <a:ln>
+                  <a:noFill/>
+                </a:ln>
+                <a:solidFill>
+                  <a:srgbClr val="A9B7C6"/>
+                </a:solidFill>
+                <a:effectLst/>
+                <a:latin typeface="Arial Unicode MS"/>
+              </a:rPr>
+              <a:t>print(</a:t>
+            </a:r>
+            <a:r>
+              <a:rPr kumimoji="0" lang="en-US" altLang="en-US" sz="1200" b="0" i="0" u="none" strike="noStrike" cap="none" normalizeH="0" baseline="0" dirty="0" err="1">
+                <a:ln>
+                  <a:noFill/>
+                </a:ln>
+                <a:solidFill>
+                  <a:srgbClr val="A9B7C6"/>
+                </a:solidFill>
+                <a:effectLst/>
+                <a:latin typeface="Arial Unicode MS"/>
+              </a:rPr>
+              <a:t>parsed_json</a:t>
+            </a:r>
+            <a:r>
+              <a:rPr kumimoji="0" lang="en-US" altLang="en-US" sz="1200" b="0" i="0" u="none" strike="noStrike" cap="none" normalizeH="0" baseline="0" dirty="0">
+                <a:ln>
+                  <a:noFill/>
+                </a:ln>
+                <a:solidFill>
+                  <a:srgbClr val="A9B7C6"/>
+                </a:solidFill>
+                <a:effectLst/>
+                <a:latin typeface="Arial Unicode MS"/>
+              </a:rPr>
+              <a:t>[</a:t>
+            </a:r>
+            <a:r>
+              <a:rPr kumimoji="0" lang="en-US" altLang="en-US" sz="1200" b="0" i="0" u="none" strike="noStrike" cap="none" normalizeH="0" baseline="0" dirty="0">
+                <a:ln>
+                  <a:noFill/>
+                </a:ln>
+                <a:solidFill>
+                  <a:srgbClr val="6A8759"/>
+                </a:solidFill>
+                <a:effectLst/>
+                <a:latin typeface="Arial Unicode MS"/>
+              </a:rPr>
+              <a:t>"address"</a:t>
+            </a:r>
+            <a:r>
+              <a:rPr kumimoji="0" lang="en-US" altLang="en-US" sz="1200" b="0" i="0" u="none" strike="noStrike" cap="none" normalizeH="0" baseline="0" dirty="0">
+                <a:ln>
+                  <a:noFill/>
+                </a:ln>
+                <a:solidFill>
+                  <a:srgbClr val="A9B7C6"/>
+                </a:solidFill>
+                <a:effectLst/>
+                <a:latin typeface="Arial Unicode MS"/>
+              </a:rPr>
+              <a:t>][</a:t>
+            </a:r>
+            <a:r>
+              <a:rPr kumimoji="0" lang="en-US" altLang="en-US" sz="1200" b="0" i="0" u="none" strike="noStrike" cap="none" normalizeH="0" baseline="0" dirty="0">
+                <a:ln>
+                  <a:noFill/>
+                </a:ln>
+                <a:solidFill>
+                  <a:srgbClr val="6A8759"/>
+                </a:solidFill>
+                <a:effectLst/>
+                <a:latin typeface="Arial Unicode MS"/>
+              </a:rPr>
+              <a:t>"street"</a:t>
+            </a:r>
+            <a:r>
+              <a:rPr kumimoji="0" lang="en-US" altLang="en-US" sz="1200" b="0" i="0" u="none" strike="noStrike" cap="none" normalizeH="0" baseline="0" dirty="0">
+                <a:ln>
+                  <a:noFill/>
+                </a:ln>
+                <a:solidFill>
+                  <a:srgbClr val="A9B7C6"/>
+                </a:solidFill>
+                <a:effectLst/>
+                <a:latin typeface="Arial Unicode MS"/>
+              </a:rPr>
+              <a:t>])</a:t>
+            </a:r>
+            <a:br>
+              <a:rPr kumimoji="0" lang="en-US" altLang="en-US" sz="1200" b="0" i="0" u="none" strike="noStrike" cap="none" normalizeH="0" baseline="0" dirty="0">
+                <a:ln>
+                  <a:noFill/>
+                </a:ln>
+                <a:solidFill>
+                  <a:srgbClr val="A9B7C6"/>
+                </a:solidFill>
+                <a:effectLst/>
+                <a:latin typeface="Arial Unicode MS"/>
+              </a:rPr>
+            </a:br>
+            <a:r>
+              <a:rPr kumimoji="0" lang="en-US" altLang="en-US" sz="1200" b="0" i="0" u="none" strike="noStrike" cap="none" normalizeH="0" baseline="0" dirty="0">
+                <a:ln>
+                  <a:noFill/>
+                </a:ln>
+                <a:solidFill>
+                  <a:srgbClr val="808080"/>
+                </a:solidFill>
+                <a:effectLst/>
+                <a:latin typeface="Arial Unicode MS"/>
+              </a:rPr>
+              <a:t># Output: 123 Main St</a:t>
+            </a:r>
+            <a:endParaRPr kumimoji="0" lang="en-US" altLang="en-US" sz="2800" b="0" i="0" u="none" strike="noStrike" cap="none" normalizeH="0" baseline="0" dirty="0">
+              <a:ln>
+                <a:noFill/>
+              </a:ln>
+              <a:solidFill>
+                <a:schemeClr val="tx1"/>
+              </a:solidFill>
+              <a:effectLst/>
+              <a:latin typeface="Arial" panose="020B0604020202020204" pitchFamily="34" charset="0"/>
+            </a:endParaRPr>
+          </a:p>
+        </p:txBody>
+      </p:sp>
+      <p:sp>
+        <p:nvSpPr>
+          <p:cNvPr id="6" name="TextBox 5">
+            <a:extLst>
+              <a:ext uri="{FF2B5EF4-FFF2-40B4-BE49-F238E27FC236}">
+                <a16:creationId xmlns:a16="http://schemas.microsoft.com/office/drawing/2014/main" id="{20D4210B-0FED-4C15-850D-DC8B863AA6AD}"/>
+              </a:ext>
+            </a:extLst>
+          </p:cNvPr>
+          <p:cNvSpPr txBox="1"/>
+          <p:nvPr/>
+        </p:nvSpPr>
+        <p:spPr>
+          <a:xfrm>
+            <a:off x="838199" y="5883703"/>
+            <a:ext cx="8504808" cy="646331"/>
+          </a:xfrm>
+          <a:prstGeom prst="rect">
+            <a:avLst/>
+          </a:prstGeom>
+          <a:noFill/>
+        </p:spPr>
+        <p:txBody>
+          <a:bodyPr wrap="square" rtlCol="0">
+            <a:spAutoFit/>
+          </a:bodyPr>
+          <a:lstStyle/>
+          <a:p>
+            <a:r>
+              <a:rPr lang="en-US" dirty="0"/>
+              <a:t>Now you can access any key/value the same way as you would in a Python dictionary. This is the conversion table used by Python while decoding JSON to a Python object:</a:t>
+            </a:r>
+          </a:p>
+        </p:txBody>
+      </p:sp>
+      <p:pic>
+        <p:nvPicPr>
+          <p:cNvPr id="1026" name="Picture 2" descr="How to read and parse JSON data with Python | ScrapingBee">
+            <a:extLst>
+              <a:ext uri="{FF2B5EF4-FFF2-40B4-BE49-F238E27FC236}">
+                <a16:creationId xmlns:a16="http://schemas.microsoft.com/office/drawing/2014/main" id="{FD0A2097-D0AF-4103-BBCC-A3B4287BEEE6}"/>
+              </a:ext>
+            </a:extLst>
+          </p:cNvPr>
+          <p:cNvPicPr>
+            <a:picLocks noChangeAspect="1" noChangeArrowheads="1"/>
+          </p:cNvPicPr>
+          <p:nvPr/>
+        </p:nvPicPr>
+        <p:blipFill>
+          <a:blip r:embed="rId2">
+            <a:extLst>
+              <a:ext uri="{28A0092B-C50C-407E-A947-70E740481C1C}">
+                <a14:useLocalDpi xmlns:a14="http://schemas.microsoft.com/office/drawing/2010/main" val="0"/>
+              </a:ext>
+            </a:extLst>
+          </a:blip>
+          <a:srcRect/>
+          <a:stretch>
+            <a:fillRect/>
+          </a:stretch>
+        </p:blipFill>
+        <p:spPr bwMode="auto">
+          <a:xfrm>
+            <a:off x="7021297" y="2719520"/>
+            <a:ext cx="4643419" cy="2537799"/>
+          </a:xfrm>
+          <a:prstGeom prst="rect">
+            <a:avLst/>
+          </a:prstGeom>
+          <a:noFill/>
+          <a:extLst>
+            <a:ext uri="{909E8E84-426E-40DD-AFC4-6F175D3DCCD1}">
+              <a14:hiddenFill xmlns:a14="http://schemas.microsoft.com/office/drawing/2010/main">
+                <a:solidFill>
+                  <a:srgbClr val="FFFFFF"/>
+                </a:solidFill>
+              </a14:hiddenFill>
+            </a:ext>
+          </a:extLst>
+        </p:spPr>
+      </p:pic>
+    </p:spTree>
+    <p:extLst>
+      <p:ext uri="{BB962C8B-B14F-4D97-AF65-F5344CB8AC3E}">
+        <p14:creationId xmlns:p14="http://schemas.microsoft.com/office/powerpoint/2010/main" val="3599198060"/>
+      </p:ext>
+    </p:extLst>
+  </p:cSld>
+  <p:clrMapOvr>
+    <a:masterClrMapping/>
+  </p:clrMapOvr>
+</p:sld>
+</file>
+
+<file path=ppt/slides/slide17.xml><?xml version="1.0" encoding="utf-8"?>
+<p:sld xmlns:a="http://schemas.openxmlformats.org/drawingml/2006/main" xmlns:r="http://schemas.openxmlformats.org/officeDocument/2006/relationships" xmlns:p="http://schemas.openxmlformats.org/presentationml/2006/main">
+  <p:cSld>
+    <p:spTree>
+      <p:nvGrpSpPr>
+        <p:cNvPr id="1" name=""/>
+        <p:cNvGrpSpPr/>
+        <p:nvPr/>
+      </p:nvGrpSpPr>
+      <p:grpSpPr>
+        <a:xfrm>
+          <a:off x="0" y="0"/>
+          <a:ext cx="0" cy="0"/>
+          <a:chOff x="0" y="0"/>
+          <a:chExt cx="0" cy="0"/>
+        </a:xfrm>
+      </p:grpSpPr>
+      <p:sp>
+        <p:nvSpPr>
+          <p:cNvPr id="2" name="Title 1">
+            <a:extLst>
+              <a:ext uri="{FF2B5EF4-FFF2-40B4-BE49-F238E27FC236}">
+                <a16:creationId xmlns:a16="http://schemas.microsoft.com/office/drawing/2014/main" id="{D0E6308D-15D3-40DC-84AC-9E6FDE2E0365}"/>
+              </a:ext>
+            </a:extLst>
+          </p:cNvPr>
+          <p:cNvSpPr>
+            <a:spLocks noGrp="1"/>
+          </p:cNvSpPr>
+          <p:nvPr>
+            <p:ph type="title"/>
+          </p:nvPr>
+        </p:nvSpPr>
+        <p:spPr/>
+        <p:txBody>
+          <a:bodyPr/>
+          <a:lstStyle/>
+          <a:p>
+            <a:r>
+              <a:rPr lang="en-US" dirty="0"/>
+              <a:t>Python object to JSON string</a:t>
+            </a:r>
+            <a:endParaRPr lang="he-IL" dirty="0"/>
+          </a:p>
+        </p:txBody>
+      </p:sp>
+      <p:sp>
+        <p:nvSpPr>
+          <p:cNvPr id="3" name="Content Placeholder 2">
+            <a:extLst>
+              <a:ext uri="{FF2B5EF4-FFF2-40B4-BE49-F238E27FC236}">
+                <a16:creationId xmlns:a16="http://schemas.microsoft.com/office/drawing/2014/main" id="{90D3C257-3016-4B19-B415-09F837445CA2}"/>
+              </a:ext>
+            </a:extLst>
+          </p:cNvPr>
+          <p:cNvSpPr>
+            <a:spLocks noGrp="1"/>
+          </p:cNvSpPr>
+          <p:nvPr>
+            <p:ph idx="1"/>
+          </p:nvPr>
+        </p:nvSpPr>
+        <p:spPr>
+          <a:xfrm>
+            <a:off x="838199" y="1825625"/>
+            <a:ext cx="10720527" cy="1201660"/>
+          </a:xfrm>
+        </p:spPr>
+        <p:txBody>
+          <a:bodyPr>
+            <a:noAutofit/>
+          </a:bodyPr>
+          <a:lstStyle/>
+          <a:p>
+            <a:pPr marL="0" indent="0" fontAlgn="t">
+              <a:buNone/>
+            </a:pPr>
+            <a:r>
+              <a:rPr lang="en-US" sz="1800" dirty="0"/>
+              <a:t>Just like how the json package provides </a:t>
+            </a:r>
+            <a:r>
+              <a:rPr lang="en-US" sz="1800" b="1" dirty="0" err="1"/>
+              <a:t>json.load</a:t>
+            </a:r>
+            <a:r>
+              <a:rPr lang="en-US" sz="1800" b="1" dirty="0"/>
+              <a:t> </a:t>
+            </a:r>
+            <a:r>
+              <a:rPr lang="en-US" sz="1800" dirty="0"/>
+              <a:t>and </a:t>
+            </a:r>
+            <a:r>
+              <a:rPr lang="en-US" sz="1800" b="1" dirty="0" err="1"/>
+              <a:t>json.loads</a:t>
+            </a:r>
+            <a:r>
+              <a:rPr lang="en-US" sz="1800" dirty="0"/>
+              <a:t>, it provides similar methods to "dump" a Python object to a string or a file. In this section, you will learn what these methods are and how to use them.</a:t>
+            </a:r>
+          </a:p>
+          <a:p>
+            <a:pPr marL="0" indent="0" fontAlgn="t">
+              <a:buNone/>
+            </a:pPr>
+            <a:r>
+              <a:rPr lang="en-US" sz="1800" dirty="0"/>
+              <a:t>The json package contains the </a:t>
+            </a:r>
+            <a:r>
+              <a:rPr lang="en-US" sz="1800" b="1" dirty="0" err="1"/>
+              <a:t>json.dumps</a:t>
+            </a:r>
+            <a:r>
+              <a:rPr lang="en-US" sz="1800" dirty="0"/>
+              <a:t> method to convert a Python object to a JSON string. This is how it works:</a:t>
+            </a:r>
+            <a:endParaRPr lang="he-IL" sz="1800" dirty="0"/>
+          </a:p>
+        </p:txBody>
+      </p:sp>
+      <p:sp>
+        <p:nvSpPr>
+          <p:cNvPr id="7" name="Rectangle 2">
+            <a:extLst>
+              <a:ext uri="{FF2B5EF4-FFF2-40B4-BE49-F238E27FC236}">
+                <a16:creationId xmlns:a16="http://schemas.microsoft.com/office/drawing/2014/main" id="{DAF185CC-BDD8-42AD-8DE3-C35748E8B2E9}"/>
+              </a:ext>
+            </a:extLst>
+          </p:cNvPr>
+          <p:cNvSpPr>
+            <a:spLocks noChangeArrowheads="1"/>
+          </p:cNvSpPr>
+          <p:nvPr/>
+        </p:nvSpPr>
+        <p:spPr bwMode="auto">
+          <a:xfrm>
+            <a:off x="932156" y="3168888"/>
+            <a:ext cx="4785064" cy="3323987"/>
+          </a:xfrm>
+          <a:prstGeom prst="rect">
+            <a:avLst/>
+          </a:prstGeom>
+          <a:solidFill>
+            <a:srgbClr val="2B2B2B"/>
+          </a:solidFill>
+          <a:ln>
+            <a:noFill/>
+          </a:ln>
+          <a:effectLst/>
+          <a:extLst>
+            <a:ext uri="{91240B29-F687-4F45-9708-019B960494DF}">
+              <a14:hiddenLine xmlns:a14="http://schemas.microsoft.com/office/drawing/2010/main" w="9525">
+                <a:solidFill>
+                  <a:schemeClr val="tx1"/>
+                </a:solidFill>
+                <a:miter lim="800000"/>
+                <a:headEnd/>
+                <a:tailEnd/>
+              </a14:hiddenLine>
+            </a:ext>
+            <a:ext uri="{AF507438-7753-43E0-B8FC-AC1667EBCBE1}">
+              <a14:hiddenEffects xmlns:a14="http://schemas.microsoft.com/office/drawing/2010/main">
+                <a:effectLst>
+                  <a:outerShdw dist="35921" dir="2700000" algn="ctr" rotWithShape="0">
+                    <a:schemeClr val="bg2"/>
+                  </a:outerShdw>
+                </a:effectLst>
+              </a14:hiddenEffects>
+            </a:ext>
+          </a:extLst>
+        </p:spPr>
+        <p:txBody>
+          <a:bodyPr vert="horz" wrap="square" lIns="91440" tIns="45720" rIns="91440" bIns="45720" numCol="1" anchor="ctr" anchorCtr="0" compatLnSpc="1">
+            <a:prstTxWarp prst="textNoShape">
+              <a:avLst/>
+            </a:prstTxWarp>
+            <a:spAutoFit/>
+          </a:bodyPr>
+          <a:lstStyle/>
+          <a:p>
+            <a:pPr marL="0" marR="0" lvl="0" indent="0" algn="l" defTabSz="914400" rtl="0" eaLnBrk="0" fontAlgn="base" latinLnBrk="0" hangingPunct="0">
+              <a:lnSpc>
+                <a:spcPct val="100000"/>
+              </a:lnSpc>
+              <a:spcBef>
+                <a:spcPct val="0"/>
+              </a:spcBef>
+              <a:spcAft>
+                <a:spcPct val="0"/>
+              </a:spcAft>
+              <a:buClrTx/>
+              <a:buSzTx/>
+              <a:buFontTx/>
+              <a:buNone/>
+              <a:tabLst/>
+            </a:pPr>
+            <a:r>
+              <a:rPr kumimoji="0" lang="en-US" altLang="en-US" sz="1000" b="0" i="0" u="none" strike="noStrike" cap="none" normalizeH="0" baseline="0" dirty="0">
+                <a:ln>
+                  <a:noFill/>
+                </a:ln>
+                <a:solidFill>
+                  <a:srgbClr val="CC7832"/>
+                </a:solidFill>
+                <a:effectLst/>
+                <a:latin typeface="Arial Unicode MS"/>
+              </a:rPr>
+              <a:t>import </a:t>
+            </a:r>
+            <a:r>
+              <a:rPr kumimoji="0" lang="en-US" altLang="en-US" sz="1000" b="0" i="0" u="none" strike="noStrike" cap="none" normalizeH="0" baseline="0" dirty="0">
+                <a:ln>
+                  <a:noFill/>
+                </a:ln>
+                <a:solidFill>
+                  <a:srgbClr val="A9B7C6"/>
+                </a:solidFill>
+                <a:effectLst/>
+                <a:latin typeface="Arial Unicode MS"/>
+              </a:rPr>
+              <a:t>json</a:t>
+            </a:r>
+            <a:br>
+              <a:rPr kumimoji="0" lang="en-US" altLang="en-US" sz="1000" b="0" i="0" u="none" strike="noStrike" cap="none" normalizeH="0" baseline="0" dirty="0">
+                <a:ln>
+                  <a:noFill/>
+                </a:ln>
+                <a:solidFill>
+                  <a:srgbClr val="A9B7C6"/>
+                </a:solidFill>
+                <a:effectLst/>
+                <a:latin typeface="Arial Unicode MS"/>
+              </a:rPr>
+            </a:br>
+            <a:br>
+              <a:rPr kumimoji="0" lang="en-US" altLang="en-US" sz="1000" b="0" i="0" u="none" strike="noStrike" cap="none" normalizeH="0" baseline="0" dirty="0">
+                <a:ln>
+                  <a:noFill/>
+                </a:ln>
+                <a:solidFill>
+                  <a:srgbClr val="A9B7C6"/>
+                </a:solidFill>
+                <a:effectLst/>
+                <a:latin typeface="Arial Unicode MS"/>
+              </a:rPr>
+            </a:br>
+            <a:r>
+              <a:rPr kumimoji="0" lang="en-US" altLang="en-US" sz="1000" b="0" i="0" u="none" strike="noStrike" cap="none" normalizeH="0" baseline="0" dirty="0">
+                <a:ln>
+                  <a:noFill/>
+                </a:ln>
+                <a:solidFill>
+                  <a:srgbClr val="A9B7C6"/>
+                </a:solidFill>
+                <a:effectLst/>
+                <a:latin typeface="Arial Unicode MS"/>
+              </a:rPr>
+              <a:t>profile = {</a:t>
+            </a:r>
+            <a:br>
+              <a:rPr kumimoji="0" lang="en-US" altLang="en-US" sz="1000" b="0" i="0" u="none" strike="noStrike" cap="none" normalizeH="0" baseline="0" dirty="0">
+                <a:ln>
+                  <a:noFill/>
+                </a:ln>
+                <a:solidFill>
+                  <a:srgbClr val="A9B7C6"/>
+                </a:solidFill>
+                <a:effectLst/>
+                <a:latin typeface="Arial Unicode MS"/>
+              </a:rPr>
+            </a:br>
+            <a:r>
+              <a:rPr kumimoji="0" lang="en-US" altLang="en-US" sz="1000" b="0" i="0" u="none" strike="noStrike" cap="none" normalizeH="0" baseline="0" dirty="0">
+                <a:ln>
+                  <a:noFill/>
+                </a:ln>
+                <a:solidFill>
+                  <a:srgbClr val="A9B7C6"/>
+                </a:solidFill>
+                <a:effectLst/>
+                <a:latin typeface="Arial Unicode MS"/>
+              </a:rPr>
+              <a:t>    </a:t>
+            </a:r>
+            <a:r>
+              <a:rPr kumimoji="0" lang="en-US" altLang="en-US" sz="1000" b="0" i="0" u="none" strike="noStrike" cap="none" normalizeH="0" baseline="0" dirty="0">
+                <a:ln>
+                  <a:noFill/>
+                </a:ln>
+                <a:solidFill>
+                  <a:srgbClr val="6A8759"/>
+                </a:solidFill>
+                <a:effectLst/>
+                <a:latin typeface="Arial Unicode MS"/>
+              </a:rPr>
+              <a:t>"name"</a:t>
+            </a:r>
+            <a:r>
+              <a:rPr kumimoji="0" lang="en-US" altLang="en-US" sz="1000" b="0" i="0" u="none" strike="noStrike" cap="none" normalizeH="0" baseline="0" dirty="0">
+                <a:ln>
+                  <a:noFill/>
+                </a:ln>
+                <a:solidFill>
+                  <a:srgbClr val="A9B7C6"/>
+                </a:solidFill>
+                <a:effectLst/>
+                <a:latin typeface="Arial Unicode MS"/>
+              </a:rPr>
+              <a:t>: </a:t>
+            </a:r>
+            <a:r>
+              <a:rPr kumimoji="0" lang="en-US" altLang="en-US" sz="1000" b="0" i="0" u="none" strike="noStrike" cap="none" normalizeH="0" baseline="0" dirty="0">
+                <a:ln>
+                  <a:noFill/>
+                </a:ln>
+                <a:solidFill>
+                  <a:srgbClr val="6A8759"/>
+                </a:solidFill>
+                <a:effectLst/>
+                <a:latin typeface="Arial Unicode MS"/>
+              </a:rPr>
+              <a:t>"John Doe"</a:t>
+            </a:r>
+            <a:r>
+              <a:rPr kumimoji="0" lang="en-US" altLang="en-US" sz="1000" b="0" i="0" u="none" strike="noStrike" cap="none" normalizeH="0" baseline="0" dirty="0">
+                <a:ln>
+                  <a:noFill/>
+                </a:ln>
+                <a:solidFill>
+                  <a:srgbClr val="CC7832"/>
+                </a:solidFill>
+                <a:effectLst/>
+                <a:latin typeface="Arial Unicode MS"/>
+              </a:rPr>
+              <a:t>,</a:t>
+            </a:r>
+            <a:br>
+              <a:rPr kumimoji="0" lang="en-US" altLang="en-US" sz="1000" b="0" i="0" u="none" strike="noStrike" cap="none" normalizeH="0" baseline="0" dirty="0">
+                <a:ln>
+                  <a:noFill/>
+                </a:ln>
+                <a:solidFill>
+                  <a:srgbClr val="CC7832"/>
+                </a:solidFill>
+                <a:effectLst/>
+                <a:latin typeface="Arial Unicode MS"/>
+              </a:rPr>
+            </a:br>
+            <a:r>
+              <a:rPr kumimoji="0" lang="en-US" altLang="en-US" sz="1000" b="0" i="0" u="none" strike="noStrike" cap="none" normalizeH="0" baseline="0" dirty="0">
+                <a:ln>
+                  <a:noFill/>
+                </a:ln>
+                <a:solidFill>
+                  <a:srgbClr val="CC7832"/>
+                </a:solidFill>
+                <a:effectLst/>
+                <a:latin typeface="Arial Unicode MS"/>
+              </a:rPr>
+              <a:t>    </a:t>
+            </a:r>
+            <a:r>
+              <a:rPr kumimoji="0" lang="en-US" altLang="en-US" sz="1000" b="0" i="0" u="none" strike="noStrike" cap="none" normalizeH="0" baseline="0" dirty="0">
+                <a:ln>
+                  <a:noFill/>
+                </a:ln>
+                <a:solidFill>
+                  <a:srgbClr val="6A8759"/>
+                </a:solidFill>
+                <a:effectLst/>
+                <a:latin typeface="Arial Unicode MS"/>
+              </a:rPr>
+              <a:t>"age"</a:t>
+            </a:r>
+            <a:r>
+              <a:rPr kumimoji="0" lang="en-US" altLang="en-US" sz="1000" b="0" i="0" u="none" strike="noStrike" cap="none" normalizeH="0" baseline="0" dirty="0">
+                <a:ln>
+                  <a:noFill/>
+                </a:ln>
+                <a:solidFill>
+                  <a:srgbClr val="A9B7C6"/>
+                </a:solidFill>
+                <a:effectLst/>
+                <a:latin typeface="Arial Unicode MS"/>
+              </a:rPr>
+              <a:t>: </a:t>
+            </a:r>
+            <a:r>
+              <a:rPr kumimoji="0" lang="en-US" altLang="en-US" sz="1000" b="0" i="0" u="none" strike="noStrike" cap="none" normalizeH="0" baseline="0" dirty="0">
+                <a:ln>
+                  <a:noFill/>
+                </a:ln>
+                <a:solidFill>
+                  <a:srgbClr val="6897BB"/>
+                </a:solidFill>
+                <a:effectLst/>
+                <a:latin typeface="Arial Unicode MS"/>
+              </a:rPr>
+              <a:t>32</a:t>
+            </a:r>
+            <a:r>
+              <a:rPr kumimoji="0" lang="en-US" altLang="en-US" sz="1000" b="0" i="0" u="none" strike="noStrike" cap="none" normalizeH="0" baseline="0" dirty="0">
+                <a:ln>
+                  <a:noFill/>
+                </a:ln>
+                <a:solidFill>
+                  <a:srgbClr val="CC7832"/>
+                </a:solidFill>
+                <a:effectLst/>
+                <a:latin typeface="Arial Unicode MS"/>
+              </a:rPr>
+              <a:t>,</a:t>
+            </a:r>
+            <a:br>
+              <a:rPr kumimoji="0" lang="en-US" altLang="en-US" sz="1000" b="0" i="0" u="none" strike="noStrike" cap="none" normalizeH="0" baseline="0" dirty="0">
+                <a:ln>
+                  <a:noFill/>
+                </a:ln>
+                <a:solidFill>
+                  <a:srgbClr val="CC7832"/>
+                </a:solidFill>
+                <a:effectLst/>
+                <a:latin typeface="Arial Unicode MS"/>
+              </a:rPr>
+            </a:br>
+            <a:r>
+              <a:rPr kumimoji="0" lang="en-US" altLang="en-US" sz="1000" b="0" i="0" u="none" strike="noStrike" cap="none" normalizeH="0" baseline="0" dirty="0">
+                <a:ln>
+                  <a:noFill/>
+                </a:ln>
+                <a:solidFill>
+                  <a:srgbClr val="CC7832"/>
+                </a:solidFill>
+                <a:effectLst/>
+                <a:latin typeface="Arial Unicode MS"/>
+              </a:rPr>
+              <a:t>    </a:t>
+            </a:r>
+            <a:r>
+              <a:rPr kumimoji="0" lang="en-US" altLang="en-US" sz="1000" b="0" i="0" u="none" strike="noStrike" cap="none" normalizeH="0" baseline="0" dirty="0">
+                <a:ln>
+                  <a:noFill/>
+                </a:ln>
+                <a:solidFill>
+                  <a:srgbClr val="6A8759"/>
+                </a:solidFill>
+                <a:effectLst/>
+                <a:latin typeface="Arial Unicode MS"/>
+              </a:rPr>
+              <a:t>"address"</a:t>
+            </a:r>
+            <a:r>
+              <a:rPr kumimoji="0" lang="en-US" altLang="en-US" sz="1000" b="0" i="0" u="none" strike="noStrike" cap="none" normalizeH="0" baseline="0" dirty="0">
+                <a:ln>
+                  <a:noFill/>
+                </a:ln>
+                <a:solidFill>
+                  <a:srgbClr val="A9B7C6"/>
+                </a:solidFill>
+                <a:effectLst/>
+                <a:latin typeface="Arial Unicode MS"/>
+              </a:rPr>
+              <a:t>: {</a:t>
+            </a:r>
+            <a:br>
+              <a:rPr kumimoji="0" lang="en-US" altLang="en-US" sz="1000" b="0" i="0" u="none" strike="noStrike" cap="none" normalizeH="0" baseline="0" dirty="0">
+                <a:ln>
+                  <a:noFill/>
+                </a:ln>
+                <a:solidFill>
+                  <a:srgbClr val="A9B7C6"/>
+                </a:solidFill>
+                <a:effectLst/>
+                <a:latin typeface="Arial Unicode MS"/>
+              </a:rPr>
+            </a:br>
+            <a:r>
+              <a:rPr kumimoji="0" lang="en-US" altLang="en-US" sz="1000" b="0" i="0" u="none" strike="noStrike" cap="none" normalizeH="0" baseline="0" dirty="0">
+                <a:ln>
+                  <a:noFill/>
+                </a:ln>
+                <a:solidFill>
+                  <a:srgbClr val="A9B7C6"/>
+                </a:solidFill>
+                <a:effectLst/>
+                <a:latin typeface="Arial Unicode MS"/>
+              </a:rPr>
+              <a:t>        </a:t>
+            </a:r>
+            <a:r>
+              <a:rPr kumimoji="0" lang="en-US" altLang="en-US" sz="1000" b="0" i="0" u="none" strike="noStrike" cap="none" normalizeH="0" baseline="0" dirty="0">
+                <a:ln>
+                  <a:noFill/>
+                </a:ln>
+                <a:solidFill>
+                  <a:srgbClr val="6A8759"/>
+                </a:solidFill>
+                <a:effectLst/>
+                <a:latin typeface="Arial Unicode MS"/>
+              </a:rPr>
+              <a:t>"street"</a:t>
+            </a:r>
+            <a:r>
+              <a:rPr kumimoji="0" lang="en-US" altLang="en-US" sz="1000" b="0" i="0" u="none" strike="noStrike" cap="none" normalizeH="0" baseline="0" dirty="0">
+                <a:ln>
+                  <a:noFill/>
+                </a:ln>
+                <a:solidFill>
+                  <a:srgbClr val="A9B7C6"/>
+                </a:solidFill>
+                <a:effectLst/>
+                <a:latin typeface="Arial Unicode MS"/>
+              </a:rPr>
+              <a:t>: </a:t>
+            </a:r>
+            <a:r>
+              <a:rPr kumimoji="0" lang="en-US" altLang="en-US" sz="1000" b="0" i="0" u="none" strike="noStrike" cap="none" normalizeH="0" baseline="0" dirty="0">
+                <a:ln>
+                  <a:noFill/>
+                </a:ln>
+                <a:solidFill>
+                  <a:srgbClr val="6A8759"/>
+                </a:solidFill>
+                <a:effectLst/>
+                <a:latin typeface="Arial Unicode MS"/>
+              </a:rPr>
+              <a:t>"123 Main St"</a:t>
+            </a:r>
+            <a:r>
+              <a:rPr kumimoji="0" lang="en-US" altLang="en-US" sz="1000" b="0" i="0" u="none" strike="noStrike" cap="none" normalizeH="0" baseline="0" dirty="0">
+                <a:ln>
+                  <a:noFill/>
+                </a:ln>
+                <a:solidFill>
+                  <a:srgbClr val="CC7832"/>
+                </a:solidFill>
+                <a:effectLst/>
+                <a:latin typeface="Arial Unicode MS"/>
+              </a:rPr>
+              <a:t>,</a:t>
+            </a:r>
+            <a:br>
+              <a:rPr kumimoji="0" lang="en-US" altLang="en-US" sz="1000" b="0" i="0" u="none" strike="noStrike" cap="none" normalizeH="0" baseline="0" dirty="0">
+                <a:ln>
+                  <a:noFill/>
+                </a:ln>
+                <a:solidFill>
+                  <a:srgbClr val="CC7832"/>
+                </a:solidFill>
+                <a:effectLst/>
+                <a:latin typeface="Arial Unicode MS"/>
+              </a:rPr>
+            </a:br>
+            <a:r>
+              <a:rPr kumimoji="0" lang="en-US" altLang="en-US" sz="1000" b="0" i="0" u="none" strike="noStrike" cap="none" normalizeH="0" baseline="0" dirty="0">
+                <a:ln>
+                  <a:noFill/>
+                </a:ln>
+                <a:solidFill>
+                  <a:srgbClr val="CC7832"/>
+                </a:solidFill>
+                <a:effectLst/>
+                <a:latin typeface="Arial Unicode MS"/>
+              </a:rPr>
+              <a:t>        </a:t>
+            </a:r>
+            <a:r>
+              <a:rPr kumimoji="0" lang="en-US" altLang="en-US" sz="1000" b="0" i="0" u="none" strike="noStrike" cap="none" normalizeH="0" baseline="0" dirty="0">
+                <a:ln>
+                  <a:noFill/>
+                </a:ln>
+                <a:solidFill>
+                  <a:srgbClr val="6A8759"/>
+                </a:solidFill>
+                <a:effectLst/>
+                <a:latin typeface="Arial Unicode MS"/>
+              </a:rPr>
+              <a:t>"city"</a:t>
+            </a:r>
+            <a:r>
+              <a:rPr kumimoji="0" lang="en-US" altLang="en-US" sz="1000" b="0" i="0" u="none" strike="noStrike" cap="none" normalizeH="0" baseline="0" dirty="0">
+                <a:ln>
+                  <a:noFill/>
+                </a:ln>
+                <a:solidFill>
+                  <a:srgbClr val="A9B7C6"/>
+                </a:solidFill>
+                <a:effectLst/>
+                <a:latin typeface="Arial Unicode MS"/>
+              </a:rPr>
+              <a:t>: </a:t>
+            </a:r>
+            <a:r>
+              <a:rPr kumimoji="0" lang="en-US" altLang="en-US" sz="1000" b="0" i="0" u="none" strike="noStrike" cap="none" normalizeH="0" baseline="0" dirty="0">
+                <a:ln>
+                  <a:noFill/>
+                </a:ln>
+                <a:solidFill>
+                  <a:srgbClr val="6A8759"/>
+                </a:solidFill>
+                <a:effectLst/>
+                <a:latin typeface="Arial Unicode MS"/>
+              </a:rPr>
+              <a:t>"Anytown"</a:t>
+            </a:r>
+            <a:r>
+              <a:rPr kumimoji="0" lang="en-US" altLang="en-US" sz="1000" b="0" i="0" u="none" strike="noStrike" cap="none" normalizeH="0" baseline="0" dirty="0">
+                <a:ln>
+                  <a:noFill/>
+                </a:ln>
+                <a:solidFill>
+                  <a:srgbClr val="CC7832"/>
+                </a:solidFill>
+                <a:effectLst/>
+                <a:latin typeface="Arial Unicode MS"/>
+              </a:rPr>
+              <a:t>,</a:t>
+            </a:r>
+            <a:br>
+              <a:rPr kumimoji="0" lang="en-US" altLang="en-US" sz="1000" b="0" i="0" u="none" strike="noStrike" cap="none" normalizeH="0" baseline="0" dirty="0">
+                <a:ln>
+                  <a:noFill/>
+                </a:ln>
+                <a:solidFill>
+                  <a:srgbClr val="CC7832"/>
+                </a:solidFill>
+                <a:effectLst/>
+                <a:latin typeface="Arial Unicode MS"/>
+              </a:rPr>
+            </a:br>
+            <a:r>
+              <a:rPr kumimoji="0" lang="en-US" altLang="en-US" sz="1000" b="0" i="0" u="none" strike="noStrike" cap="none" normalizeH="0" baseline="0" dirty="0">
+                <a:ln>
+                  <a:noFill/>
+                </a:ln>
+                <a:solidFill>
+                  <a:srgbClr val="CC7832"/>
+                </a:solidFill>
+                <a:effectLst/>
+                <a:latin typeface="Arial Unicode MS"/>
+              </a:rPr>
+              <a:t>        </a:t>
+            </a:r>
+            <a:r>
+              <a:rPr kumimoji="0" lang="en-US" altLang="en-US" sz="1000" b="0" i="0" u="none" strike="noStrike" cap="none" normalizeH="0" baseline="0" dirty="0">
+                <a:ln>
+                  <a:noFill/>
+                </a:ln>
+                <a:solidFill>
+                  <a:srgbClr val="6A8759"/>
+                </a:solidFill>
+                <a:effectLst/>
+                <a:latin typeface="Arial Unicode MS"/>
+              </a:rPr>
+              <a:t>"state"</a:t>
+            </a:r>
+            <a:r>
+              <a:rPr kumimoji="0" lang="en-US" altLang="en-US" sz="1000" b="0" i="0" u="none" strike="noStrike" cap="none" normalizeH="0" baseline="0" dirty="0">
+                <a:ln>
+                  <a:noFill/>
+                </a:ln>
+                <a:solidFill>
+                  <a:srgbClr val="A9B7C6"/>
+                </a:solidFill>
+                <a:effectLst/>
+                <a:latin typeface="Arial Unicode MS"/>
+              </a:rPr>
+              <a:t>: </a:t>
+            </a:r>
+            <a:r>
+              <a:rPr kumimoji="0" lang="en-US" altLang="en-US" sz="1000" b="0" i="0" u="none" strike="noStrike" cap="none" normalizeH="0" baseline="0" dirty="0">
+                <a:ln>
+                  <a:noFill/>
+                </a:ln>
+                <a:solidFill>
+                  <a:srgbClr val="6A8759"/>
+                </a:solidFill>
+                <a:effectLst/>
+                <a:latin typeface="Arial Unicode MS"/>
+              </a:rPr>
+              <a:t>"CA"</a:t>
+            </a:r>
+            <a:br>
+              <a:rPr kumimoji="0" lang="en-US" altLang="en-US" sz="1000" b="0" i="0" u="none" strike="noStrike" cap="none" normalizeH="0" baseline="0" dirty="0">
+                <a:ln>
+                  <a:noFill/>
+                </a:ln>
+                <a:solidFill>
+                  <a:srgbClr val="6A8759"/>
+                </a:solidFill>
+                <a:effectLst/>
+                <a:latin typeface="Arial Unicode MS"/>
+              </a:rPr>
+            </a:br>
+            <a:r>
+              <a:rPr kumimoji="0" lang="en-US" altLang="en-US" sz="1000" b="0" i="0" u="none" strike="noStrike" cap="none" normalizeH="0" baseline="0" dirty="0">
+                <a:ln>
+                  <a:noFill/>
+                </a:ln>
+                <a:solidFill>
+                  <a:srgbClr val="6A8759"/>
+                </a:solidFill>
+                <a:effectLst/>
+                <a:latin typeface="Arial Unicode MS"/>
+              </a:rPr>
+              <a:t>    </a:t>
+            </a:r>
+            <a:r>
+              <a:rPr kumimoji="0" lang="en-US" altLang="en-US" sz="1000" b="0" i="0" u="none" strike="noStrike" cap="none" normalizeH="0" baseline="0" dirty="0">
+                <a:ln>
+                  <a:noFill/>
+                </a:ln>
+                <a:solidFill>
+                  <a:srgbClr val="A9B7C6"/>
+                </a:solidFill>
+                <a:effectLst/>
+                <a:latin typeface="Arial Unicode MS"/>
+              </a:rPr>
+              <a:t>}</a:t>
+            </a:r>
+            <a:r>
+              <a:rPr kumimoji="0" lang="en-US" altLang="en-US" sz="1000" b="0" i="0" u="none" strike="noStrike" cap="none" normalizeH="0" baseline="0" dirty="0">
+                <a:ln>
+                  <a:noFill/>
+                </a:ln>
+                <a:solidFill>
+                  <a:srgbClr val="CC7832"/>
+                </a:solidFill>
+                <a:effectLst/>
+                <a:latin typeface="Arial Unicode MS"/>
+              </a:rPr>
+              <a:t>,</a:t>
+            </a:r>
+            <a:br>
+              <a:rPr kumimoji="0" lang="en-US" altLang="en-US" sz="1000" b="0" i="0" u="none" strike="noStrike" cap="none" normalizeH="0" baseline="0" dirty="0">
+                <a:ln>
+                  <a:noFill/>
+                </a:ln>
+                <a:solidFill>
+                  <a:srgbClr val="CC7832"/>
+                </a:solidFill>
+                <a:effectLst/>
+                <a:latin typeface="Arial Unicode MS"/>
+              </a:rPr>
+            </a:br>
+            <a:r>
+              <a:rPr kumimoji="0" lang="en-US" altLang="en-US" sz="1000" b="0" i="0" u="none" strike="noStrike" cap="none" normalizeH="0" baseline="0" dirty="0">
+                <a:ln>
+                  <a:noFill/>
+                </a:ln>
+                <a:solidFill>
+                  <a:srgbClr val="CC7832"/>
+                </a:solidFill>
+                <a:effectLst/>
+                <a:latin typeface="Arial Unicode MS"/>
+              </a:rPr>
+              <a:t>    </a:t>
+            </a:r>
+            <a:r>
+              <a:rPr kumimoji="0" lang="en-US" altLang="en-US" sz="1000" b="0" i="0" u="none" strike="noStrike" cap="none" normalizeH="0" baseline="0" dirty="0">
+                <a:ln>
+                  <a:noFill/>
+                </a:ln>
+                <a:solidFill>
+                  <a:srgbClr val="6A8759"/>
+                </a:solidFill>
+                <a:effectLst/>
+                <a:latin typeface="Arial Unicode MS"/>
+              </a:rPr>
+              <a:t>"tags"</a:t>
+            </a:r>
+            <a:r>
+              <a:rPr kumimoji="0" lang="en-US" altLang="en-US" sz="1000" b="0" i="0" u="none" strike="noStrike" cap="none" normalizeH="0" baseline="0" dirty="0">
+                <a:ln>
+                  <a:noFill/>
+                </a:ln>
+                <a:solidFill>
+                  <a:srgbClr val="A9B7C6"/>
+                </a:solidFill>
+                <a:effectLst/>
+                <a:latin typeface="Arial Unicode MS"/>
+              </a:rPr>
+              <a:t>: [</a:t>
+            </a:r>
+            <a:r>
+              <a:rPr kumimoji="0" lang="en-US" altLang="en-US" sz="1000" b="0" i="0" u="none" strike="noStrike" cap="none" normalizeH="0" baseline="0" dirty="0">
+                <a:ln>
+                  <a:noFill/>
+                </a:ln>
+                <a:solidFill>
+                  <a:srgbClr val="6A8759"/>
+                </a:solidFill>
+                <a:effectLst/>
+                <a:latin typeface="Arial Unicode MS"/>
+              </a:rPr>
+              <a:t>"Finance"</a:t>
+            </a:r>
+            <a:r>
+              <a:rPr kumimoji="0" lang="en-US" altLang="en-US" sz="1000" b="0" i="0" u="none" strike="noStrike" cap="none" normalizeH="0" baseline="0" dirty="0">
+                <a:ln>
+                  <a:noFill/>
+                </a:ln>
+                <a:solidFill>
+                  <a:srgbClr val="CC7832"/>
+                </a:solidFill>
+                <a:effectLst/>
+                <a:latin typeface="Arial Unicode MS"/>
+              </a:rPr>
+              <a:t>, </a:t>
+            </a:r>
+            <a:r>
+              <a:rPr kumimoji="0" lang="en-US" altLang="en-US" sz="1000" b="0" i="0" u="none" strike="noStrike" cap="none" normalizeH="0" baseline="0" dirty="0">
+                <a:ln>
+                  <a:noFill/>
+                </a:ln>
+                <a:solidFill>
+                  <a:srgbClr val="6A8759"/>
+                </a:solidFill>
+                <a:effectLst/>
+                <a:latin typeface="Arial Unicode MS"/>
+              </a:rPr>
+              <a:t>"Admin"</a:t>
+            </a:r>
+            <a:r>
+              <a:rPr kumimoji="0" lang="en-US" altLang="en-US" sz="1000" b="0" i="0" u="none" strike="noStrike" cap="none" normalizeH="0" baseline="0" dirty="0">
+                <a:ln>
+                  <a:noFill/>
+                </a:ln>
+                <a:solidFill>
+                  <a:srgbClr val="A9B7C6"/>
+                </a:solidFill>
+                <a:effectLst/>
+                <a:latin typeface="Arial Unicode MS"/>
+              </a:rPr>
+              <a:t>]</a:t>
+            </a:r>
+            <a:br>
+              <a:rPr kumimoji="0" lang="en-US" altLang="en-US" sz="1000" b="0" i="0" u="none" strike="noStrike" cap="none" normalizeH="0" baseline="0" dirty="0">
+                <a:ln>
+                  <a:noFill/>
+                </a:ln>
+                <a:solidFill>
+                  <a:srgbClr val="A9B7C6"/>
+                </a:solidFill>
+                <a:effectLst/>
+                <a:latin typeface="Arial Unicode MS"/>
+              </a:rPr>
+            </a:br>
+            <a:r>
+              <a:rPr kumimoji="0" lang="en-US" altLang="en-US" sz="1000" b="0" i="0" u="none" strike="noStrike" cap="none" normalizeH="0" baseline="0" dirty="0">
+                <a:ln>
+                  <a:noFill/>
+                </a:ln>
+                <a:solidFill>
+                  <a:srgbClr val="A9B7C6"/>
+                </a:solidFill>
+                <a:effectLst/>
+                <a:latin typeface="Arial Unicode MS"/>
+              </a:rPr>
+              <a:t>}</a:t>
+            </a:r>
+            <a:br>
+              <a:rPr kumimoji="0" lang="en-US" altLang="en-US" sz="1000" b="0" i="0" u="none" strike="noStrike" cap="none" normalizeH="0" baseline="0" dirty="0">
+                <a:ln>
+                  <a:noFill/>
+                </a:ln>
+                <a:solidFill>
+                  <a:srgbClr val="A9B7C6"/>
+                </a:solidFill>
+                <a:effectLst/>
+                <a:latin typeface="Arial Unicode MS"/>
+              </a:rPr>
+            </a:br>
+            <a:br>
+              <a:rPr kumimoji="0" lang="en-US" altLang="en-US" sz="1000" b="0" i="0" u="none" strike="noStrike" cap="none" normalizeH="0" baseline="0" dirty="0">
+                <a:ln>
+                  <a:noFill/>
+                </a:ln>
+                <a:solidFill>
+                  <a:srgbClr val="A9B7C6"/>
+                </a:solidFill>
+                <a:effectLst/>
+                <a:latin typeface="Arial Unicode MS"/>
+              </a:rPr>
+            </a:br>
+            <a:r>
+              <a:rPr kumimoji="0" lang="en-US" altLang="en-US" sz="1000" b="0" i="0" u="none" strike="noStrike" cap="none" normalizeH="0" baseline="0" dirty="0" err="1">
+                <a:ln>
+                  <a:noFill/>
+                </a:ln>
+                <a:solidFill>
+                  <a:srgbClr val="A9B7C6"/>
+                </a:solidFill>
+                <a:effectLst/>
+                <a:latin typeface="Arial Unicode MS"/>
+              </a:rPr>
+              <a:t>json_string</a:t>
+            </a:r>
+            <a:r>
+              <a:rPr kumimoji="0" lang="en-US" altLang="en-US" sz="1000" b="0" i="0" u="none" strike="noStrike" cap="none" normalizeH="0" baseline="0" dirty="0">
+                <a:ln>
+                  <a:noFill/>
+                </a:ln>
+                <a:solidFill>
+                  <a:srgbClr val="A9B7C6"/>
+                </a:solidFill>
+                <a:effectLst/>
+                <a:latin typeface="Arial Unicode MS"/>
+              </a:rPr>
+              <a:t> = </a:t>
+            </a:r>
+            <a:r>
+              <a:rPr kumimoji="0" lang="en-US" altLang="en-US" sz="1000" b="0" i="0" u="none" strike="noStrike" cap="none" normalizeH="0" baseline="0" dirty="0" err="1">
+                <a:ln>
+                  <a:noFill/>
+                </a:ln>
+                <a:solidFill>
+                  <a:srgbClr val="A9B7C6"/>
+                </a:solidFill>
+                <a:effectLst/>
+                <a:latin typeface="Arial Unicode MS"/>
+              </a:rPr>
+              <a:t>json.dumps</a:t>
+            </a:r>
+            <a:r>
+              <a:rPr kumimoji="0" lang="en-US" altLang="en-US" sz="1000" b="0" i="0" u="none" strike="noStrike" cap="none" normalizeH="0" baseline="0" dirty="0">
+                <a:ln>
+                  <a:noFill/>
+                </a:ln>
+                <a:solidFill>
+                  <a:srgbClr val="A9B7C6"/>
+                </a:solidFill>
+                <a:effectLst/>
+                <a:latin typeface="Arial Unicode MS"/>
+              </a:rPr>
+              <a:t>(profile)</a:t>
+            </a:r>
+            <a:br>
+              <a:rPr kumimoji="0" lang="en-US" altLang="en-US" sz="1000" b="0" i="0" u="none" strike="noStrike" cap="none" normalizeH="0" baseline="0" dirty="0">
+                <a:ln>
+                  <a:noFill/>
+                </a:ln>
+                <a:solidFill>
+                  <a:srgbClr val="A9B7C6"/>
+                </a:solidFill>
+                <a:effectLst/>
+                <a:latin typeface="Arial Unicode MS"/>
+              </a:rPr>
+            </a:br>
+            <a:br>
+              <a:rPr kumimoji="0" lang="en-US" altLang="en-US" sz="1000" b="0" i="0" u="none" strike="noStrike" cap="none" normalizeH="0" baseline="0" dirty="0">
+                <a:ln>
+                  <a:noFill/>
+                </a:ln>
+                <a:solidFill>
+                  <a:srgbClr val="A9B7C6"/>
+                </a:solidFill>
+                <a:effectLst/>
+                <a:latin typeface="Arial Unicode MS"/>
+              </a:rPr>
+            </a:br>
+            <a:r>
+              <a:rPr kumimoji="0" lang="en-US" altLang="en-US" sz="1000" b="0" i="0" u="none" strike="noStrike" cap="none" normalizeH="0" baseline="0" dirty="0">
+                <a:ln>
+                  <a:noFill/>
+                </a:ln>
+                <a:solidFill>
+                  <a:srgbClr val="A9B7C6"/>
+                </a:solidFill>
+                <a:effectLst/>
+                <a:latin typeface="Arial Unicode MS"/>
+              </a:rPr>
+              <a:t>print(type(</a:t>
+            </a:r>
+            <a:r>
+              <a:rPr kumimoji="0" lang="en-US" altLang="en-US" sz="1000" b="0" i="0" u="none" strike="noStrike" cap="none" normalizeH="0" baseline="0" dirty="0" err="1">
+                <a:ln>
+                  <a:noFill/>
+                </a:ln>
+                <a:solidFill>
+                  <a:srgbClr val="A9B7C6"/>
+                </a:solidFill>
+                <a:effectLst/>
+                <a:latin typeface="Arial Unicode MS"/>
+              </a:rPr>
+              <a:t>json_string</a:t>
+            </a:r>
+            <a:r>
+              <a:rPr kumimoji="0" lang="en-US" altLang="en-US" sz="1000" b="0" i="0" u="none" strike="noStrike" cap="none" normalizeH="0" baseline="0" dirty="0">
+                <a:ln>
+                  <a:noFill/>
+                </a:ln>
+                <a:solidFill>
+                  <a:srgbClr val="A9B7C6"/>
+                </a:solidFill>
+                <a:effectLst/>
+                <a:latin typeface="Arial Unicode MS"/>
+              </a:rPr>
+              <a:t>))</a:t>
+            </a:r>
+            <a:br>
+              <a:rPr kumimoji="0" lang="en-US" altLang="en-US" sz="1000" b="0" i="0" u="none" strike="noStrike" cap="none" normalizeH="0" baseline="0" dirty="0">
+                <a:ln>
+                  <a:noFill/>
+                </a:ln>
+                <a:solidFill>
+                  <a:srgbClr val="A9B7C6"/>
+                </a:solidFill>
+                <a:effectLst/>
+                <a:latin typeface="Arial Unicode MS"/>
+              </a:rPr>
+            </a:br>
+            <a:r>
+              <a:rPr kumimoji="0" lang="en-US" altLang="en-US" sz="1000" b="0" i="0" u="none" strike="noStrike" cap="none" normalizeH="0" baseline="0" dirty="0">
+                <a:ln>
+                  <a:noFill/>
+                </a:ln>
+                <a:solidFill>
+                  <a:srgbClr val="808080"/>
+                </a:solidFill>
+                <a:effectLst/>
+                <a:latin typeface="Arial Unicode MS"/>
+              </a:rPr>
+              <a:t># Output &lt;class 'str'&gt;</a:t>
+            </a:r>
+            <a:br>
+              <a:rPr kumimoji="0" lang="en-US" altLang="en-US" sz="1000" b="0" i="0" u="none" strike="noStrike" cap="none" normalizeH="0" baseline="0" dirty="0">
+                <a:ln>
+                  <a:noFill/>
+                </a:ln>
+                <a:solidFill>
+                  <a:srgbClr val="808080"/>
+                </a:solidFill>
+                <a:effectLst/>
+                <a:latin typeface="Arial Unicode MS"/>
+              </a:rPr>
+            </a:br>
+            <a:br>
+              <a:rPr kumimoji="0" lang="en-US" altLang="en-US" sz="1000" b="0" i="0" u="none" strike="noStrike" cap="none" normalizeH="0" baseline="0" dirty="0">
+                <a:ln>
+                  <a:noFill/>
+                </a:ln>
+                <a:solidFill>
+                  <a:srgbClr val="808080"/>
+                </a:solidFill>
+                <a:effectLst/>
+                <a:latin typeface="Arial Unicode MS"/>
+              </a:rPr>
+            </a:br>
+            <a:r>
+              <a:rPr kumimoji="0" lang="en-US" altLang="en-US" sz="1000" b="0" i="0" u="none" strike="noStrike" cap="none" normalizeH="0" baseline="0" dirty="0">
+                <a:ln>
+                  <a:noFill/>
+                </a:ln>
+                <a:solidFill>
+                  <a:srgbClr val="A9B7C6"/>
+                </a:solidFill>
+                <a:effectLst/>
+                <a:latin typeface="Arial Unicode MS"/>
+              </a:rPr>
+              <a:t>print(</a:t>
+            </a:r>
+            <a:r>
+              <a:rPr kumimoji="0" lang="en-US" altLang="en-US" sz="1000" b="0" i="0" u="none" strike="noStrike" cap="none" normalizeH="0" baseline="0" dirty="0" err="1">
+                <a:ln>
+                  <a:noFill/>
+                </a:ln>
+                <a:solidFill>
+                  <a:srgbClr val="A9B7C6"/>
+                </a:solidFill>
+                <a:effectLst/>
+                <a:latin typeface="Arial Unicode MS"/>
+              </a:rPr>
+              <a:t>json_string</a:t>
+            </a:r>
+            <a:r>
+              <a:rPr kumimoji="0" lang="en-US" altLang="en-US" sz="1000" b="0" i="0" u="none" strike="noStrike" cap="none" normalizeH="0" baseline="0" dirty="0">
+                <a:ln>
+                  <a:noFill/>
+                </a:ln>
+                <a:solidFill>
+                  <a:srgbClr val="A9B7C6"/>
+                </a:solidFill>
+                <a:effectLst/>
+                <a:latin typeface="Arial Unicode MS"/>
+              </a:rPr>
+              <a:t>)</a:t>
+            </a:r>
+            <a:br>
+              <a:rPr kumimoji="0" lang="en-US" altLang="en-US" sz="1000" b="0" i="0" u="none" strike="noStrike" cap="none" normalizeH="0" baseline="0" dirty="0">
+                <a:ln>
+                  <a:noFill/>
+                </a:ln>
+                <a:solidFill>
+                  <a:srgbClr val="A9B7C6"/>
+                </a:solidFill>
+                <a:effectLst/>
+                <a:latin typeface="Arial Unicode MS"/>
+              </a:rPr>
+            </a:br>
+            <a:r>
+              <a:rPr kumimoji="0" lang="en-US" altLang="en-US" sz="1000" b="0" i="0" u="none" strike="noStrike" cap="none" normalizeH="0" baseline="0" dirty="0">
+                <a:ln>
+                  <a:noFill/>
+                </a:ln>
+                <a:solidFill>
+                  <a:srgbClr val="808080"/>
+                </a:solidFill>
+                <a:effectLst/>
+                <a:latin typeface="Arial Unicode MS"/>
+              </a:rPr>
+              <a:t># Output: '{"name": "John Doe", "age": 32, "address": {"street": "123 Main St", "city": "Anytown", "state": "CA"}, "tags": ["Finance", "Admin"]}'</a:t>
+            </a:r>
+            <a:endParaRPr kumimoji="0" lang="en-US" altLang="en-US" sz="1800" b="0" i="0" u="none" strike="noStrike" cap="none" normalizeH="0" baseline="0" dirty="0">
+              <a:ln>
+                <a:noFill/>
+              </a:ln>
+              <a:solidFill>
+                <a:schemeClr val="tx1"/>
+              </a:solidFill>
+              <a:effectLst/>
+              <a:latin typeface="Arial" panose="020B0604020202020204" pitchFamily="34" charset="0"/>
+            </a:endParaRPr>
+          </a:p>
+        </p:txBody>
+      </p:sp>
+      <p:pic>
+        <p:nvPicPr>
+          <p:cNvPr id="2052" name="Picture 4" descr="json.dump() in Python | Board Infinity">
+            <a:extLst>
+              <a:ext uri="{FF2B5EF4-FFF2-40B4-BE49-F238E27FC236}">
+                <a16:creationId xmlns:a16="http://schemas.microsoft.com/office/drawing/2014/main" id="{2A5B77E2-8219-4872-B773-EF280D259150}"/>
+              </a:ext>
+            </a:extLst>
+          </p:cNvPr>
+          <p:cNvPicPr>
+            <a:picLocks noChangeAspect="1" noChangeArrowheads="1"/>
+          </p:cNvPicPr>
+          <p:nvPr/>
+        </p:nvPicPr>
+        <p:blipFill>
+          <a:blip r:embed="rId2">
+            <a:extLst>
+              <a:ext uri="{28A0092B-C50C-407E-A947-70E740481C1C}">
+                <a14:useLocalDpi xmlns:a14="http://schemas.microsoft.com/office/drawing/2010/main" val="0"/>
+              </a:ext>
+            </a:extLst>
+          </a:blip>
+          <a:srcRect/>
+          <a:stretch>
+            <a:fillRect/>
+          </a:stretch>
+        </p:blipFill>
+        <p:spPr bwMode="auto">
+          <a:xfrm>
+            <a:off x="6674483" y="3313887"/>
+            <a:ext cx="4679317" cy="3033988"/>
+          </a:xfrm>
+          <a:prstGeom prst="rect">
+            <a:avLst/>
+          </a:prstGeom>
+          <a:noFill/>
+          <a:extLst>
+            <a:ext uri="{909E8E84-426E-40DD-AFC4-6F175D3DCCD1}">
+              <a14:hiddenFill xmlns:a14="http://schemas.microsoft.com/office/drawing/2010/main">
+                <a:solidFill>
+                  <a:srgbClr val="FFFFFF"/>
+                </a:solidFill>
+              </a14:hiddenFill>
+            </a:ext>
+          </a:extLst>
+        </p:spPr>
+      </p:pic>
+    </p:spTree>
+    <p:extLst>
+      <p:ext uri="{BB962C8B-B14F-4D97-AF65-F5344CB8AC3E}">
+        <p14:creationId xmlns:p14="http://schemas.microsoft.com/office/powerpoint/2010/main" val="4143595812"/>
+      </p:ext>
+    </p:extLst>
+  </p:cSld>
+  <p:clrMapOvr>
+    <a:masterClrMapping/>
+  </p:clrMapOvr>
+</p:sld>
+</file>
+
+<file path=ppt/slides/slide18.xml><?xml version="1.0" encoding="utf-8"?>
+<p:sld xmlns:a="http://schemas.openxmlformats.org/drawingml/2006/main" xmlns:r="http://schemas.openxmlformats.org/officeDocument/2006/relationships" xmlns:p="http://schemas.openxmlformats.org/presentationml/2006/main">
+  <p:cSld>
+    <p:spTree>
+      <p:nvGrpSpPr>
+        <p:cNvPr id="1" name=""/>
+        <p:cNvGrpSpPr/>
+        <p:nvPr/>
+      </p:nvGrpSpPr>
+      <p:grpSpPr>
+        <a:xfrm>
+          <a:off x="0" y="0"/>
+          <a:ext cx="0" cy="0"/>
+          <a:chOff x="0" y="0"/>
+          <a:chExt cx="0" cy="0"/>
+        </a:xfrm>
+      </p:grpSpPr>
+      <p:sp>
+        <p:nvSpPr>
+          <p:cNvPr id="3" name="Title 2"/>
+          <p:cNvSpPr>
+            <a:spLocks noGrp="1"/>
+          </p:cNvSpPr>
+          <p:nvPr>
+            <p:ph type="title"/>
+          </p:nvPr>
+        </p:nvSpPr>
+        <p:spPr/>
+        <p:txBody>
+          <a:bodyPr/>
+          <a:lstStyle/>
+          <a:p>
+            <a:r>
+              <a:rPr lang="en-US" dirty="0"/>
+              <a:t>Labs 04</a:t>
+            </a:r>
+            <a:endParaRPr lang="he-IL" dirty="0"/>
+          </a:p>
+        </p:txBody>
+      </p:sp>
+    </p:spTree>
+    <p:extLst>
+      <p:ext uri="{BB962C8B-B14F-4D97-AF65-F5344CB8AC3E}">
+        <p14:creationId xmlns:p14="http://schemas.microsoft.com/office/powerpoint/2010/main" val="2255942436"/>
+      </p:ext>
+    </p:extLst>
+  </p:cSld>
+  <p:clrMapOvr>
+    <a:masterClrMapping/>
+  </p:clrMapOvr>
+</p:sld>
+</file>
+
+<file path=ppt/slides/slide19.xml><?xml version="1.0" encoding="utf-8"?>
 <p:sld xmlns:a="http://schemas.openxmlformats.org/drawingml/2006/main" xmlns:r="http://schemas.openxmlformats.org/officeDocument/2006/relationships" xmlns:p="http://schemas.openxmlformats.org/presentationml/2006/main">
   <p:cSld>
     <p:spTree>

--- a/basic_new/Module 07 - Files.pptx
+++ b/basic_new/Module 07 - Files.pptx
@@ -8,7 +8,7 @@
     <p:notesMasterId r:id="rId21"/>
   </p:notesMasterIdLst>
   <p:sldIdLst>
-    <p:sldId id="256" r:id="rId2"/>
+    <p:sldId id="336" r:id="rId2"/>
     <p:sldId id="257" r:id="rId3"/>
     <p:sldId id="258" r:id="rId4"/>
     <p:sldId id="259" r:id="rId5"/>
@@ -419,7 +419,7 @@
           <a:p>
             <a:fld id="{357D12D4-CC8E-4A56-B07A-433A55249EC8}" type="datetimeFigureOut">
               <a:rPr lang="he-IL" smtClean="0"/>
-              <a:t>ט"ז/תמוז/תשפ"ג</a:t>
+              <a:t>כ'/תמוז/תשפ"ג</a:t>
             </a:fld>
             <a:endParaRPr lang="he-IL"/>
           </a:p>
@@ -688,11 +688,11 @@
 </file>
 
 <file path=ppt/notesSlides/notesSlide1.xml><?xml version="1.0" encoding="utf-8"?>
-<p:notes xmlns:a="http://schemas.openxmlformats.org/drawingml/2006/main" xmlns:r="http://schemas.openxmlformats.org/officeDocument/2006/relationships" xmlns:p="http://schemas.openxmlformats.org/presentationml/2006/main">
+<p:notes xmlns:a="http://schemas.openxmlformats.org/drawingml/2006/main" xmlns:r="http://schemas.openxmlformats.org/officeDocument/2006/relationships" xmlns:p="http://schemas.openxmlformats.org/presentationml/2006/main" showMasterSp="0" showMasterPhAnim="0">
   <p:cSld>
     <p:spTree>
       <p:nvGrpSpPr>
-        <p:cNvPr id="1" name=""/>
+        <p:cNvPr id="1" name="Shape 158"/>
         <p:cNvGrpSpPr/>
         <p:nvPr/>
       </p:nvGrpSpPr>
@@ -706,107 +706,84 @@
       </p:grpSpPr>
       <p:sp>
         <p:nvSpPr>
-          <p:cNvPr id="2" name="Slide Image Placeholder 1"/>
-          <p:cNvSpPr>
-            <a:spLocks noGrp="1" noRot="1" noChangeAspect="1"/>
-          </p:cNvSpPr>
-          <p:nvPr>
-            <p:ph type="sldImg"/>
-          </p:nvPr>
-        </p:nvSpPr>
-        <p:spPr/>
-      </p:sp>
-      <p:sp>
-        <p:nvSpPr>
-          <p:cNvPr id="3" name="Notes Placeholder 2"/>
-          <p:cNvSpPr>
+          <p:cNvPr id="159" name="Google Shape;159;p3:notes"/>
+          <p:cNvSpPr txBox="1">
             <a:spLocks noGrp="1"/>
           </p:cNvSpPr>
           <p:nvPr>
             <p:ph type="body" idx="1"/>
           </p:nvPr>
         </p:nvSpPr>
-        <p:spPr/>
+        <p:spPr>
+          <a:xfrm>
+            <a:off x="685800" y="4400550"/>
+            <a:ext cx="5486400" cy="3600450"/>
+          </a:xfrm>
+          <a:prstGeom prst="rect">
+            <a:avLst/>
+          </a:prstGeom>
+        </p:spPr>
         <p:txBody>
-          <a:bodyPr/>
+          <a:bodyPr spcFirstLastPara="1" wrap="square" lIns="91425" tIns="45700" rIns="91425" bIns="45700" anchor="t" anchorCtr="0">
+            <a:noAutofit/>
+          </a:bodyPr>
           <a:lstStyle/>
           <a:p>
-            <a:r>
-              <a:rPr lang="en-US" u="sng" dirty="0"/>
-              <a:t>Data and functionality bound together into one logical structure</a:t>
-            </a:r>
-          </a:p>
-          <a:p>
-            <a:r>
-              <a:rPr lang="en-US" dirty="0"/>
-              <a:t>In this part, we’ll introduce the basic concept, which will be taught in detail, later in this course. </a:t>
-            </a:r>
-          </a:p>
-          <a:p>
-            <a:r>
-              <a:rPr lang="en-US" dirty="0"/>
-              <a:t>The goal of this review is to avoid unnecessary confusion throughout the first lessons of the course.</a:t>
-            </a:r>
-          </a:p>
-          <a:p>
-            <a:r>
-              <a:rPr lang="en-US" dirty="0"/>
-              <a:t>For now, we can view the class as the placeholde</a:t>
-            </a:r>
-            <a:r>
-              <a:rPr lang="en-US" baseline="0" dirty="0"/>
-              <a:t>r of functions and non-local variables.</a:t>
-            </a:r>
-          </a:p>
-          <a:p>
-            <a:r>
-              <a:rPr lang="en-US" baseline="0" dirty="0"/>
-              <a:t>If a function is a block where </a:t>
-            </a:r>
-            <a:r>
-              <a:rPr lang="en-US" dirty="0"/>
-              <a:t>Python code</a:t>
-            </a:r>
-            <a:r>
-              <a:rPr lang="en-US" baseline="0" dirty="0"/>
-              <a:t> is written, than a class is a block where functions are written.</a:t>
-            </a:r>
-            <a:endParaRPr lang="en-US" baseline="0" dirty="0">
-              <a:cs typeface="Calibri"/>
-            </a:endParaRPr>
+            <a:pPr marL="0" lvl="0" indent="0" algn="l" rtl="0">
+              <a:spcBef>
+                <a:spcPts val="0"/>
+              </a:spcBef>
+              <a:spcAft>
+                <a:spcPts val="0"/>
+              </a:spcAft>
+              <a:buNone/>
+            </a:pPr>
+            <a:endParaRPr/>
           </a:p>
         </p:txBody>
       </p:sp>
       <p:sp>
         <p:nvSpPr>
-          <p:cNvPr id="4" name="Slide Number Placeholder 3"/>
+          <p:cNvPr id="160" name="Google Shape;160;p3:notes"/>
           <p:cNvSpPr>
-            <a:spLocks noGrp="1"/>
+            <a:spLocks noGrp="1" noRot="1" noChangeAspect="1"/>
           </p:cNvSpPr>
           <p:nvPr>
-            <p:ph type="sldNum" sz="quarter" idx="10"/>
+            <p:ph type="sldImg" idx="2"/>
           </p:nvPr>
         </p:nvSpPr>
-        <p:spPr/>
-        <p:txBody>
-          <a:bodyPr/>
-          <a:lstStyle/>
-          <a:p>
-            <a:fld id="{C18343ED-3762-4D46-A439-B4D407E13EF8}" type="slidenum">
-              <a:rPr lang="en-US" smtClean="0"/>
-              <a:pPr/>
-              <a:t>3</a:t>
-            </a:fld>
-            <a:endParaRPr lang="en-US"/>
-          </a:p>
-        </p:txBody>
+        <p:spPr>
+          <a:xfrm>
+            <a:off x="685800" y="1143000"/>
+            <a:ext cx="5486400" cy="3086100"/>
+          </a:xfrm>
+          <a:custGeom>
+            <a:avLst/>
+            <a:gdLst/>
+            <a:ahLst/>
+            <a:cxnLst/>
+            <a:rect l="l" t="t" r="r" b="b"/>
+            <a:pathLst>
+              <a:path w="120000" h="120000" extrusionOk="0">
+                <a:moveTo>
+                  <a:pt x="0" y="0"/>
+                </a:moveTo>
+                <a:lnTo>
+                  <a:pt x="120000" y="0"/>
+                </a:lnTo>
+                <a:lnTo>
+                  <a:pt x="120000" y="120000"/>
+                </a:lnTo>
+                <a:lnTo>
+                  <a:pt x="0" y="120000"/>
+                </a:lnTo>
+                <a:close/>
+              </a:path>
+            </a:pathLst>
+          </a:custGeom>
+        </p:spPr>
       </p:sp>
     </p:spTree>
-    <p:extLst>
-      <p:ext uri="{BB962C8B-B14F-4D97-AF65-F5344CB8AC3E}">
-        <p14:creationId xmlns:p14="http://schemas.microsoft.com/office/powerpoint/2010/main" val="2377974533"/>
-      </p:ext>
-    </p:extLst>
   </p:cSld>
   <p:clrMapOvr>
     <a:masterClrMapping/>
@@ -858,59 +835,49 @@
           <a:bodyPr/>
           <a:lstStyle/>
           <a:p>
-            <a:pPr algn="l" rtl="0"/>
+            <a:r>
+              <a:rPr lang="en-US" u="sng" dirty="0"/>
+              <a:t>Data and functionality bound together into one logical structure</a:t>
+            </a:r>
+          </a:p>
+          <a:p>
             <a:r>
               <a:rPr lang="en-US" dirty="0"/>
-              <a:t>A class is only a description</a:t>
-            </a:r>
-          </a:p>
-          <a:p>
-            <a:pPr algn="l" rtl="0"/>
+              <a:t>In this part, we’ll introduce the basic concept, which will be taught in detail, later in this course. </a:t>
+            </a:r>
+          </a:p>
+          <a:p>
             <a:r>
               <a:rPr lang="en-US" dirty="0"/>
-              <a:t>We can compare</a:t>
+              <a:t>The goal of this review is to avoid unnecessary confusion throughout the first lessons of the course.</a:t>
+            </a:r>
+          </a:p>
+          <a:p>
+            <a:r>
+              <a:rPr lang="en-US" dirty="0"/>
+              <a:t>For now, we can view the class as the placeholde</a:t>
             </a:r>
             <a:r>
               <a:rPr lang="en-US" baseline="0" dirty="0"/>
-              <a:t> classes to an architect’s blueprint design.</a:t>
-            </a:r>
-          </a:p>
-          <a:p>
-            <a:pPr algn="l" rtl="0"/>
+              <a:t>r of functions and non-local variables.</a:t>
+            </a:r>
+          </a:p>
+          <a:p>
             <a:r>
               <a:rPr lang="en-US" baseline="0" dirty="0"/>
-              <a:t>Using the blueprint design we can create an </a:t>
-            </a:r>
-            <a:r>
-              <a:rPr lang="en-US" b="1" i="0" u="none" baseline="0" dirty="0"/>
-              <a:t>object</a:t>
+              <a:t>If a function is a block where </a:t>
+            </a:r>
+            <a:r>
+              <a:rPr lang="en-US" dirty="0"/>
+              <a:t>Python code</a:t>
             </a:r>
             <a:r>
               <a:rPr lang="en-US" baseline="0" dirty="0"/>
-              <a:t>.</a:t>
-            </a:r>
-          </a:p>
-          <a:p>
-            <a:endParaRPr lang="en-US" dirty="0"/>
-          </a:p>
-          <a:p>
-            <a:r>
-              <a:rPr lang="en-US" dirty="0"/>
-              <a:t>Essentially, a class describes an object, based on its properties and actions.</a:t>
-            </a:r>
-          </a:p>
-          <a:p>
-            <a:r>
-              <a:rPr lang="en-US" dirty="0"/>
-              <a:t>The object may be a real-world object that the application takes care of (for instance in banking system application, the class may describe a customer or interest rate), or a computer object (for instance, a data structure).</a:t>
-            </a:r>
-          </a:p>
-          <a:p>
-            <a:r>
-              <a:rPr lang="en-US" dirty="0"/>
-              <a:t>The class contains information about the object and functions that enable performing operations on the object such as changing its data, activating it on other objects, etc.</a:t>
-            </a:r>
-            <a:endParaRPr lang="he-IL" dirty="0"/>
+              <a:t> is written, than a class is a block where functions are written.</a:t>
+            </a:r>
+            <a:endParaRPr lang="en-US" baseline="0" dirty="0">
+              <a:cs typeface="Calibri"/>
+            </a:endParaRPr>
           </a:p>
         </p:txBody>
       </p:sp>
@@ -932,7 +899,7 @@
             <a:fld id="{C18343ED-3762-4D46-A439-B4D407E13EF8}" type="slidenum">
               <a:rPr lang="en-US" smtClean="0"/>
               <a:pPr/>
-              <a:t>4</a:t>
+              <a:t>3</a:t>
             </a:fld>
             <a:endParaRPr lang="en-US"/>
           </a:p>
@@ -941,7 +908,7 @@
     </p:spTree>
     <p:extLst>
       <p:ext uri="{BB962C8B-B14F-4D97-AF65-F5344CB8AC3E}">
-        <p14:creationId xmlns:p14="http://schemas.microsoft.com/office/powerpoint/2010/main" val="4133251858"/>
+        <p14:creationId xmlns:p14="http://schemas.microsoft.com/office/powerpoint/2010/main" val="2377974533"/>
       </p:ext>
     </p:extLst>
   </p:cSld>
@@ -995,65 +962,59 @@
           <a:bodyPr/>
           <a:lstStyle/>
           <a:p>
-            <a:pPr algn="l" rtl="0">
-              <a:buFont typeface="Arial" pitchFamily="34" charset="0"/>
-              <a:buNone/>
-            </a:pPr>
-            <a:r>
-              <a:rPr lang="en-US" u="sng" dirty="0"/>
-              <a:t>In this example </a:t>
-            </a:r>
-          </a:p>
-          <a:p>
-            <a:pPr algn="l" rtl="0">
-              <a:buFont typeface="Arial" pitchFamily="34" charset="0"/>
-              <a:buNone/>
-            </a:pPr>
+            <a:pPr algn="l" rtl="0"/>
             <a:r>
               <a:rPr lang="en-US" dirty="0"/>
-              <a:t>We declare</a:t>
+              <a:t>A class is only a description</a:t>
+            </a:r>
+          </a:p>
+          <a:p>
+            <a:pPr algn="l" rtl="0"/>
+            <a:r>
+              <a:rPr lang="en-US" dirty="0"/>
+              <a:t>We can compare</a:t>
             </a:r>
             <a:r>
               <a:rPr lang="en-US" baseline="0" dirty="0"/>
-              <a:t> </a:t>
-            </a:r>
+              <a:t> classes to an architect’s blueprint design.</a:t>
+            </a:r>
+          </a:p>
+          <a:p>
+            <a:pPr algn="l" rtl="0"/>
+            <a:r>
+              <a:rPr lang="en-US" baseline="0" dirty="0"/>
+              <a:t>Using the blueprint design we can create an </a:t>
+            </a:r>
+            <a:r>
+              <a:rPr lang="en-US" b="1" i="0" u="none" baseline="0" dirty="0"/>
+              <a:t>object</a:t>
+            </a:r>
+            <a:r>
+              <a:rPr lang="en-US" baseline="0" dirty="0"/>
+              <a:t>.</a:t>
+            </a:r>
+          </a:p>
+          <a:p>
+            <a:endParaRPr lang="en-US" dirty="0"/>
+          </a:p>
+          <a:p>
             <a:r>
               <a:rPr lang="en-US" dirty="0"/>
-              <a:t>a Student</a:t>
-            </a:r>
-            <a:r>
-              <a:rPr lang="en-US" baseline="0" dirty="0"/>
-              <a:t> class – a class that describes a student.</a:t>
-            </a:r>
-          </a:p>
-          <a:p>
-            <a:pPr algn="l" rtl="0">
-              <a:buFont typeface="Arial" pitchFamily="34" charset="0"/>
-              <a:buNone/>
-            </a:pPr>
-            <a:r>
-              <a:rPr lang="en-US" baseline="0" dirty="0"/>
-              <a:t>Then, we can use Student as the type for a variable (see class </a:t>
-            </a:r>
-            <a:r>
-              <a:rPr lang="en-US" b="1" dirty="0"/>
-              <a:t>Person</a:t>
-            </a:r>
-            <a:r>
-              <a:rPr lang="en-US" baseline="0" dirty="0"/>
-              <a:t>).</a:t>
-            </a:r>
-          </a:p>
-          <a:p>
-            <a:pPr algn="l" rtl="0">
-              <a:buFont typeface="Arial" pitchFamily="34" charset="0"/>
-              <a:buNone/>
-            </a:pPr>
+              <a:t>Essentially, a class describes an object, based on its properties and actions.</a:t>
+            </a:r>
+          </a:p>
+          <a:p>
             <a:r>
               <a:rPr lang="en-US" dirty="0"/>
-              <a:t>A meaningful name should be chosen for each class.</a:t>
-            </a:r>
-            <a:endParaRPr lang="en-US" baseline="0" dirty="0"/>
+              <a:t>The object may be a real-world object that the application takes care of (for instance in banking system application, the class may describe a customer or interest rate), or a computer object (for instance, a data structure).</a:t>
+            </a:r>
+          </a:p>
+          <a:p>
+            <a:r>
+              <a:rPr lang="en-US" dirty="0"/>
+              <a:t>The class contains information about the object and functions that enable performing operations on the object such as changing its data, activating it on other objects, etc.</a:t>
+            </a:r>
+            <a:endParaRPr lang="he-IL" dirty="0"/>
           </a:p>
         </p:txBody>
       </p:sp>
@@ -1075,7 +1036,7 @@
             <a:fld id="{C18343ED-3762-4D46-A439-B4D407E13EF8}" type="slidenum">
               <a:rPr lang="en-US" smtClean="0"/>
               <a:pPr/>
-              <a:t>6</a:t>
+              <a:t>4</a:t>
             </a:fld>
             <a:endParaRPr lang="en-US"/>
           </a:p>
@@ -1084,7 +1045,7 @@
     </p:spTree>
     <p:extLst>
       <p:ext uri="{BB962C8B-B14F-4D97-AF65-F5344CB8AC3E}">
-        <p14:creationId xmlns:p14="http://schemas.microsoft.com/office/powerpoint/2010/main" val="1991459143"/>
+        <p14:creationId xmlns:p14="http://schemas.microsoft.com/office/powerpoint/2010/main" val="4133251858"/>
       </p:ext>
     </p:extLst>
   </p:cSld>
@@ -1138,56 +1099,65 @@
           <a:bodyPr/>
           <a:lstStyle/>
           <a:p>
-            <a:pPr algn="l" rtl="0"/>
+            <a:pPr algn="l" rtl="0">
+              <a:buFont typeface="Arial" pitchFamily="34" charset="0"/>
+              <a:buNone/>
+            </a:pPr>
+            <a:r>
+              <a:rPr lang="en-US" u="sng" dirty="0"/>
+              <a:t>In this example </a:t>
+            </a:r>
+          </a:p>
+          <a:p>
+            <a:pPr algn="l" rtl="0">
+              <a:buFont typeface="Arial" pitchFamily="34" charset="0"/>
+              <a:buNone/>
+            </a:pPr>
             <a:r>
               <a:rPr lang="en-US" dirty="0"/>
-              <a:t>When we want to create an </a:t>
-            </a:r>
-            <a:r>
-              <a:rPr lang="en-US" b="1" i="0" dirty="0"/>
-              <a:t>object</a:t>
+              <a:t>We declare</a:t>
+            </a:r>
+            <a:r>
+              <a:rPr lang="en-US" baseline="0" dirty="0"/>
+              <a:t> </a:t>
             </a:r>
             <a:r>
               <a:rPr lang="en-US" dirty="0"/>
-              <a:t> (class instance) we need to use the keyword new .</a:t>
-            </a:r>
-          </a:p>
-          <a:p>
-            <a:pPr algn="l" rtl="0"/>
-            <a:r>
-              <a:rPr lang="en-US" b="1" i="0" dirty="0"/>
-              <a:t>new</a:t>
-            </a:r>
-            <a:r>
-              <a:rPr lang="en-US" i="1" dirty="0"/>
-              <a:t> </a:t>
+              <a:t>a Student</a:t>
             </a:r>
             <a:r>
               <a:rPr lang="en-US" baseline="0" dirty="0"/>
-              <a:t>activates the procedure (function) that is responsible for the creation of the object.</a:t>
-            </a:r>
-          </a:p>
-          <a:p>
-            <a:pPr algn="l" rtl="0"/>
+              <a:t> class – a class that describes a student.</a:t>
+            </a:r>
+          </a:p>
+          <a:p>
+            <a:pPr algn="l" rtl="0">
+              <a:buFont typeface="Arial" pitchFamily="34" charset="0"/>
+              <a:buNone/>
+            </a:pPr>
             <a:r>
               <a:rPr lang="en-US" baseline="0" dirty="0"/>
-              <a:t>Later in the course we’ll define that procedure ourselves.</a:t>
-            </a:r>
-          </a:p>
-          <a:p>
-            <a:pPr algn="l" rtl="0"/>
+              <a:t>Then, we can use Student as the type for a variable (see class </a:t>
+            </a:r>
+            <a:r>
+              <a:rPr lang="en-US" b="1" dirty="0"/>
+              <a:t>Person</a:t>
+            </a:r>
+            <a:r>
+              <a:rPr lang="en-US" baseline="0" dirty="0"/>
+              <a:t>).</a:t>
+            </a:r>
+          </a:p>
+          <a:p>
+            <a:pPr algn="l" rtl="0">
+              <a:buFont typeface="Arial" pitchFamily="34" charset="0"/>
+              <a:buNone/>
+            </a:pPr>
+            <a:r>
+              <a:rPr lang="en-US" dirty="0"/>
+              <a:t>A meaningful name should be chosen for each class.</a:t>
+            </a:r>
             <a:endParaRPr lang="en-US" baseline="0" dirty="0"/>
-          </a:p>
-          <a:p>
-            <a:pPr algn="l" rtl="0"/>
-            <a:r>
-              <a:rPr lang="en-US" baseline="0" dirty="0" err="1"/>
-              <a:t>tempPerson</a:t>
-            </a:r>
-            <a:r>
-              <a:rPr lang="en-US" baseline="0" dirty="0"/>
-              <a:t> is declared as an instance (object) of class Person.</a:t>
-            </a:r>
           </a:p>
         </p:txBody>
       </p:sp>
@@ -1209,7 +1179,7 @@
             <a:fld id="{C18343ED-3762-4D46-A439-B4D407E13EF8}" type="slidenum">
               <a:rPr lang="en-US" smtClean="0"/>
               <a:pPr/>
-              <a:t>7</a:t>
+              <a:t>6</a:t>
             </a:fld>
             <a:endParaRPr lang="en-US"/>
           </a:p>
@@ -1218,7 +1188,7 @@
     </p:spTree>
     <p:extLst>
       <p:ext uri="{BB962C8B-B14F-4D97-AF65-F5344CB8AC3E}">
-        <p14:creationId xmlns:p14="http://schemas.microsoft.com/office/powerpoint/2010/main" val="3838497501"/>
+        <p14:creationId xmlns:p14="http://schemas.microsoft.com/office/powerpoint/2010/main" val="1991459143"/>
       </p:ext>
     </p:extLst>
   </p:cSld>
@@ -1272,109 +1242,55 @@
           <a:bodyPr/>
           <a:lstStyle/>
           <a:p>
-            <a:pPr algn="l" rtl="0">
-              <a:buFont typeface="Arial" pitchFamily="34" charset="0"/>
-              <a:buNone/>
-            </a:pPr>
-            <a:r>
-              <a:rPr lang="en-US" u="sng" dirty="0"/>
-              <a:t>Data Members are the class internal variables</a:t>
-            </a:r>
-          </a:p>
-          <a:p>
-            <a:pPr algn="l" rtl="0">
-              <a:buFont typeface="Arial" pitchFamily="34" charset="0"/>
-              <a:buNone/>
-            </a:pPr>
-            <a:r>
-              <a:rPr lang="en-US" u="none" dirty="0"/>
-              <a:t>In this example class Person has two data members:</a:t>
-            </a:r>
-          </a:p>
-          <a:p>
-            <a:pPr lvl="1" algn="l" rtl="0">
-              <a:buFont typeface="Arial" pitchFamily="34" charset="0"/>
-              <a:buChar char="•"/>
-            </a:pPr>
+            <a:pPr algn="l" rtl="0"/>
             <a:r>
               <a:rPr lang="en-US" dirty="0"/>
-              <a:t>name</a:t>
-            </a:r>
-            <a:endParaRPr lang="en-US" dirty="0">
-              <a:cs typeface="Calibri"/>
-            </a:endParaRPr>
-          </a:p>
-          <a:p>
-            <a:pPr lvl="1" algn="l" rtl="0">
-              <a:buFont typeface="Arial" pitchFamily="34" charset="0"/>
-              <a:buChar char="•"/>
-            </a:pPr>
+              <a:t>When we want to create an </a:t>
+            </a:r>
+            <a:r>
+              <a:rPr lang="en-US" b="1" i="0" dirty="0"/>
+              <a:t>object</a:t>
+            </a:r>
             <a:r>
               <a:rPr lang="en-US" dirty="0"/>
-              <a:t>age</a:t>
-            </a:r>
-            <a:endParaRPr lang="en-US" dirty="0">
-              <a:cs typeface="Calibri" panose="020F0502020204030204"/>
-            </a:endParaRPr>
-          </a:p>
-          <a:p>
-            <a:pPr algn="l" rtl="0">
-              <a:buFont typeface="Arial" pitchFamily="34" charset="0"/>
-              <a:buNone/>
-            </a:pPr>
-            <a:endParaRPr lang="en-US" u="none" dirty="0"/>
-          </a:p>
-          <a:p>
-            <a:pPr algn="l" rtl="0">
-              <a:buFont typeface="Arial" pitchFamily="34" charset="0"/>
-              <a:buNone/>
-            </a:pPr>
-            <a:r>
-              <a:rPr lang="en-US" u="sng" dirty="0"/>
-              <a:t>Each object has a unique copy of all data members</a:t>
-            </a:r>
-          </a:p>
-          <a:p>
-            <a:pPr marL="0" marR="0" indent="0" algn="l" defTabSz="914400" rtl="0" eaLnBrk="1" fontAlgn="auto" latinLnBrk="0" hangingPunct="1">
-              <a:lnSpc>
-                <a:spcPct val="100000"/>
-              </a:lnSpc>
-              <a:spcBef>
-                <a:spcPts val="0"/>
-              </a:spcBef>
-              <a:spcAft>
-                <a:spcPts val="0"/>
-              </a:spcAft>
-              <a:buClrTx/>
-              <a:buSzTx/>
-              <a:buFont typeface="Arial" pitchFamily="34" charset="0"/>
-              <a:buNone/>
-              <a:tabLst/>
-              <a:defRPr/>
-            </a:pPr>
-            <a:r>
-              <a:rPr lang="en-US" dirty="0"/>
-              <a:t>Objects of the same class have the same fields, as defined in their class definition. </a:t>
-            </a:r>
-          </a:p>
-          <a:p>
-            <a:pPr algn="l" rtl="0">
-              <a:buFont typeface="Arial" pitchFamily="34" charset="0"/>
-              <a:buNone/>
-            </a:pPr>
-            <a:r>
-              <a:rPr lang="en-US" dirty="0"/>
-              <a:t>However, each object has its own copy of the data members containing the object’s specific data.</a:t>
-            </a:r>
-          </a:p>
-          <a:p>
-            <a:pPr algn="l" rtl="0">
-              <a:buFont typeface="Arial" pitchFamily="34" charset="0"/>
-              <a:buNone/>
-            </a:pPr>
-            <a:r>
-              <a:rPr lang="en-US" dirty="0"/>
-              <a:t>In this example, every Person object has its own name and age.</a:t>
+              <a:t> (class instance) we need to use the keyword new .</a:t>
+            </a:r>
+          </a:p>
+          <a:p>
+            <a:pPr algn="l" rtl="0"/>
+            <a:r>
+              <a:rPr lang="en-US" b="1" i="0" dirty="0"/>
+              <a:t>new</a:t>
+            </a:r>
+            <a:r>
+              <a:rPr lang="en-US" i="1" dirty="0"/>
+              <a:t> </a:t>
+            </a:r>
+            <a:r>
+              <a:rPr lang="en-US" baseline="0" dirty="0"/>
+              <a:t>activates the procedure (function) that is responsible for the creation of the object.</a:t>
+            </a:r>
+          </a:p>
+          <a:p>
+            <a:pPr algn="l" rtl="0"/>
+            <a:r>
+              <a:rPr lang="en-US" baseline="0" dirty="0"/>
+              <a:t>Later in the course we’ll define that procedure ourselves.</a:t>
+            </a:r>
+          </a:p>
+          <a:p>
+            <a:pPr algn="l" rtl="0"/>
+            <a:endParaRPr lang="en-US" baseline="0" dirty="0"/>
+          </a:p>
+          <a:p>
+            <a:pPr algn="l" rtl="0"/>
+            <a:r>
+              <a:rPr lang="en-US" baseline="0" dirty="0" err="1"/>
+              <a:t>tempPerson</a:t>
+            </a:r>
+            <a:r>
+              <a:rPr lang="en-US" baseline="0" dirty="0"/>
+              <a:t> is declared as an instance (object) of class Person.</a:t>
             </a:r>
           </a:p>
         </p:txBody>
@@ -1397,7 +1313,7 @@
             <a:fld id="{C18343ED-3762-4D46-A439-B4D407E13EF8}" type="slidenum">
               <a:rPr lang="en-US" smtClean="0"/>
               <a:pPr/>
-              <a:t>8</a:t>
+              <a:t>7</a:t>
             </a:fld>
             <a:endParaRPr lang="en-US"/>
           </a:p>
@@ -1406,7 +1322,7 @@
     </p:spTree>
     <p:extLst>
       <p:ext uri="{BB962C8B-B14F-4D97-AF65-F5344CB8AC3E}">
-        <p14:creationId xmlns:p14="http://schemas.microsoft.com/office/powerpoint/2010/main" val="409095407"/>
+        <p14:creationId xmlns:p14="http://schemas.microsoft.com/office/powerpoint/2010/main" val="3838497501"/>
       </p:ext>
     </p:extLst>
   </p:cSld>
@@ -1460,49 +1376,110 @@
           <a:bodyPr/>
           <a:lstStyle/>
           <a:p>
+            <a:pPr algn="l" rtl="0">
+              <a:buFont typeface="Arial" pitchFamily="34" charset="0"/>
+              <a:buNone/>
+            </a:pPr>
             <a:r>
               <a:rPr lang="en-US" u="sng" dirty="0"/>
-              <a:t>Data and functionality bound together into one logical structure</a:t>
-            </a:r>
-          </a:p>
-          <a:p>
+              <a:t>Data Members are the class internal variables</a:t>
+            </a:r>
+          </a:p>
+          <a:p>
+            <a:pPr algn="l" rtl="0">
+              <a:buFont typeface="Arial" pitchFamily="34" charset="0"/>
+              <a:buNone/>
+            </a:pPr>
+            <a:r>
+              <a:rPr lang="en-US" u="none" dirty="0"/>
+              <a:t>In this example class Person has two data members:</a:t>
+            </a:r>
+          </a:p>
+          <a:p>
+            <a:pPr lvl="1" algn="l" rtl="0">
+              <a:buFont typeface="Arial" pitchFamily="34" charset="0"/>
+              <a:buChar char="•"/>
+            </a:pPr>
             <a:r>
               <a:rPr lang="en-US" dirty="0"/>
-              <a:t>In this part, we’ll introduce the basic concept, which will be taught in detail, later in this course. </a:t>
-            </a:r>
-          </a:p>
-          <a:p>
-            <a:r>
-              <a:rPr lang="en-US" dirty="0"/>
-              <a:t>The goal of this review is to avoid unnecessary confusion throughout the first lessons of the course.</a:t>
-            </a:r>
-          </a:p>
-          <a:p>
-            <a:r>
-              <a:rPr lang="en-US" dirty="0"/>
-              <a:t>For now, we can view the class as the placeholde</a:t>
-            </a:r>
-            <a:r>
-              <a:rPr lang="en-US" baseline="0" dirty="0"/>
-              <a:t>r of functions and non-local variables.</a:t>
-            </a:r>
-          </a:p>
-          <a:p>
-            <a:r>
-              <a:rPr lang="en-US" baseline="0" dirty="0"/>
-              <a:t>If a function is a block where </a:t>
-            </a:r>
-            <a:r>
-              <a:rPr lang="en-US" dirty="0"/>
-              <a:t>Python</a:t>
-            </a:r>
-            <a:r>
-              <a:rPr lang="en-US" baseline="0" dirty="0"/>
-              <a:t> code is written, than a class is a block where functions are written.</a:t>
-            </a:r>
-            <a:endParaRPr lang="en-US" baseline="0" dirty="0">
+              <a:t>name</a:t>
+            </a:r>
+            <a:endParaRPr lang="en-US" dirty="0">
               <a:cs typeface="Calibri"/>
             </a:endParaRPr>
+          </a:p>
+          <a:p>
+            <a:pPr lvl="1" algn="l" rtl="0">
+              <a:buFont typeface="Arial" pitchFamily="34" charset="0"/>
+              <a:buChar char="•"/>
+            </a:pPr>
+            <a:r>
+              <a:rPr lang="en-US" dirty="0"/>
+              <a:t>age</a:t>
+            </a:r>
+            <a:endParaRPr lang="en-US" dirty="0">
+              <a:cs typeface="Calibri" panose="020F0502020204030204"/>
+            </a:endParaRPr>
+          </a:p>
+          <a:p>
+            <a:pPr algn="l" rtl="0">
+              <a:buFont typeface="Arial" pitchFamily="34" charset="0"/>
+              <a:buNone/>
+            </a:pPr>
+            <a:endParaRPr lang="en-US" u="none" dirty="0"/>
+          </a:p>
+          <a:p>
+            <a:pPr algn="l" rtl="0">
+              <a:buFont typeface="Arial" pitchFamily="34" charset="0"/>
+              <a:buNone/>
+            </a:pPr>
+            <a:r>
+              <a:rPr lang="en-US" u="sng" dirty="0"/>
+              <a:t>Each object has a unique copy of all data members</a:t>
+            </a:r>
+          </a:p>
+          <a:p>
+            <a:pPr marL="0" marR="0" indent="0" algn="l" defTabSz="914400" rtl="0" eaLnBrk="1" fontAlgn="auto" latinLnBrk="0" hangingPunct="1">
+              <a:lnSpc>
+                <a:spcPct val="100000"/>
+              </a:lnSpc>
+              <a:spcBef>
+                <a:spcPts val="0"/>
+              </a:spcBef>
+              <a:spcAft>
+                <a:spcPts val="0"/>
+              </a:spcAft>
+              <a:buClrTx/>
+              <a:buSzTx/>
+              <a:buFont typeface="Arial" pitchFamily="34" charset="0"/>
+              <a:buNone/>
+              <a:tabLst/>
+              <a:defRPr/>
+            </a:pPr>
+            <a:r>
+              <a:rPr lang="en-US" dirty="0"/>
+              <a:t>Objects of the same class have the same fields, as defined in their class definition. </a:t>
+            </a:r>
+          </a:p>
+          <a:p>
+            <a:pPr algn="l" rtl="0">
+              <a:buFont typeface="Arial" pitchFamily="34" charset="0"/>
+              <a:buNone/>
+            </a:pPr>
+            <a:r>
+              <a:rPr lang="en-US" dirty="0"/>
+              <a:t>However, each object has its own copy of the data members containing the object’s specific data.</a:t>
+            </a:r>
+          </a:p>
+          <a:p>
+            <a:pPr algn="l" rtl="0">
+              <a:buFont typeface="Arial" pitchFamily="34" charset="0"/>
+              <a:buNone/>
+            </a:pPr>
+            <a:r>
+              <a:rPr lang="en-US" dirty="0"/>
+              <a:t>In this example, every Person object has its own name and age.</a:t>
+            </a:r>
           </a:p>
         </p:txBody>
       </p:sp>
@@ -1524,7 +1501,7 @@
             <a:fld id="{C18343ED-3762-4D46-A439-B4D407E13EF8}" type="slidenum">
               <a:rPr lang="en-US" smtClean="0"/>
               <a:pPr/>
-              <a:t>9</a:t>
+              <a:t>8</a:t>
             </a:fld>
             <a:endParaRPr lang="en-US"/>
           </a:p>
@@ -1533,7 +1510,7 @@
     </p:spTree>
     <p:extLst>
       <p:ext uri="{BB962C8B-B14F-4D97-AF65-F5344CB8AC3E}">
-        <p14:creationId xmlns:p14="http://schemas.microsoft.com/office/powerpoint/2010/main" val="2750116261"/>
+        <p14:creationId xmlns:p14="http://schemas.microsoft.com/office/powerpoint/2010/main" val="409095407"/>
       </p:ext>
     </p:extLst>
   </p:cSld>
@@ -1587,6 +1564,133 @@
           <a:bodyPr/>
           <a:lstStyle/>
           <a:p>
+            <a:r>
+              <a:rPr lang="en-US" u="sng" dirty="0"/>
+              <a:t>Data and functionality bound together into one logical structure</a:t>
+            </a:r>
+          </a:p>
+          <a:p>
+            <a:r>
+              <a:rPr lang="en-US" dirty="0"/>
+              <a:t>In this part, we’ll introduce the basic concept, which will be taught in detail, later in this course. </a:t>
+            </a:r>
+          </a:p>
+          <a:p>
+            <a:r>
+              <a:rPr lang="en-US" dirty="0"/>
+              <a:t>The goal of this review is to avoid unnecessary confusion throughout the first lessons of the course.</a:t>
+            </a:r>
+          </a:p>
+          <a:p>
+            <a:r>
+              <a:rPr lang="en-US" dirty="0"/>
+              <a:t>For now, we can view the class as the placeholde</a:t>
+            </a:r>
+            <a:r>
+              <a:rPr lang="en-US" baseline="0" dirty="0"/>
+              <a:t>r of functions and non-local variables.</a:t>
+            </a:r>
+          </a:p>
+          <a:p>
+            <a:r>
+              <a:rPr lang="en-US" baseline="0" dirty="0"/>
+              <a:t>If a function is a block where </a:t>
+            </a:r>
+            <a:r>
+              <a:rPr lang="en-US" dirty="0"/>
+              <a:t>Python</a:t>
+            </a:r>
+            <a:r>
+              <a:rPr lang="en-US" baseline="0" dirty="0"/>
+              <a:t> code is written, than a class is a block where functions are written.</a:t>
+            </a:r>
+            <a:endParaRPr lang="en-US" baseline="0" dirty="0">
+              <a:cs typeface="Calibri"/>
+            </a:endParaRPr>
+          </a:p>
+        </p:txBody>
+      </p:sp>
+      <p:sp>
+        <p:nvSpPr>
+          <p:cNvPr id="4" name="Slide Number Placeholder 3"/>
+          <p:cNvSpPr>
+            <a:spLocks noGrp="1"/>
+          </p:cNvSpPr>
+          <p:nvPr>
+            <p:ph type="sldNum" sz="quarter" idx="10"/>
+          </p:nvPr>
+        </p:nvSpPr>
+        <p:spPr/>
+        <p:txBody>
+          <a:bodyPr/>
+          <a:lstStyle/>
+          <a:p>
+            <a:fld id="{C18343ED-3762-4D46-A439-B4D407E13EF8}" type="slidenum">
+              <a:rPr lang="en-US" smtClean="0"/>
+              <a:pPr/>
+              <a:t>9</a:t>
+            </a:fld>
+            <a:endParaRPr lang="en-US"/>
+          </a:p>
+        </p:txBody>
+      </p:sp>
+    </p:spTree>
+    <p:extLst>
+      <p:ext uri="{BB962C8B-B14F-4D97-AF65-F5344CB8AC3E}">
+        <p14:creationId xmlns:p14="http://schemas.microsoft.com/office/powerpoint/2010/main" val="2750116261"/>
+      </p:ext>
+    </p:extLst>
+  </p:cSld>
+  <p:clrMapOvr>
+    <a:masterClrMapping/>
+  </p:clrMapOvr>
+</p:notes>
+</file>
+
+<file path=ppt/notesSlides/notesSlide8.xml><?xml version="1.0" encoding="utf-8"?>
+<p:notes xmlns:a="http://schemas.openxmlformats.org/drawingml/2006/main" xmlns:r="http://schemas.openxmlformats.org/officeDocument/2006/relationships" xmlns:p="http://schemas.openxmlformats.org/presentationml/2006/main">
+  <p:cSld>
+    <p:spTree>
+      <p:nvGrpSpPr>
+        <p:cNvPr id="1" name=""/>
+        <p:cNvGrpSpPr/>
+        <p:nvPr/>
+      </p:nvGrpSpPr>
+      <p:grpSpPr>
+        <a:xfrm>
+          <a:off x="0" y="0"/>
+          <a:ext cx="0" cy="0"/>
+          <a:chOff x="0" y="0"/>
+          <a:chExt cx="0" cy="0"/>
+        </a:xfrm>
+      </p:grpSpPr>
+      <p:sp>
+        <p:nvSpPr>
+          <p:cNvPr id="2" name="Slide Image Placeholder 1"/>
+          <p:cNvSpPr>
+            <a:spLocks noGrp="1" noRot="1" noChangeAspect="1"/>
+          </p:cNvSpPr>
+          <p:nvPr>
+            <p:ph type="sldImg"/>
+          </p:nvPr>
+        </p:nvSpPr>
+        <p:spPr/>
+      </p:sp>
+      <p:sp>
+        <p:nvSpPr>
+          <p:cNvPr id="3" name="Notes Placeholder 2"/>
+          <p:cNvSpPr>
+            <a:spLocks noGrp="1"/>
+          </p:cNvSpPr>
+          <p:nvPr>
+            <p:ph type="body" idx="1"/>
+          </p:nvPr>
+        </p:nvSpPr>
+        <p:spPr/>
+        <p:txBody>
+          <a:bodyPr/>
+          <a:lstStyle/>
+          <a:p>
             <a:endParaRPr lang="en-US" dirty="0"/>
           </a:p>
         </p:txBody>
@@ -1628,7 +1732,7 @@
 </p:notes>
 </file>
 
-<file path=ppt/notesSlides/notesSlide8.xml><?xml version="1.0" encoding="utf-8"?>
+<file path=ppt/notesSlides/notesSlide9.xml><?xml version="1.0" encoding="utf-8"?>
 <p:notes xmlns:a="http://schemas.openxmlformats.org/drawingml/2006/main" xmlns:r="http://schemas.openxmlformats.org/officeDocument/2006/relationships" xmlns:p="http://schemas.openxmlformats.org/presentationml/2006/main">
   <p:cSld>
     <p:spTree>
@@ -1862,7 +1966,7 @@
           <a:p>
             <a:fld id="{04A69043-466E-4952-90CD-1922DEC3164F}" type="datetimeFigureOut">
               <a:rPr lang="he-IL" smtClean="0"/>
-              <a:t>ט"ז/תמוז/תשפ"ג</a:t>
+              <a:t>כ'/תמוז/תשפ"ג</a:t>
             </a:fld>
             <a:endParaRPr lang="he-IL"/>
           </a:p>
@@ -2062,7 +2166,7 @@
           <a:p>
             <a:fld id="{04A69043-466E-4952-90CD-1922DEC3164F}" type="datetimeFigureOut">
               <a:rPr lang="he-IL" smtClean="0"/>
-              <a:t>ט"ז/תמוז/תשפ"ג</a:t>
+              <a:t>כ'/תמוז/תשפ"ג</a:t>
             </a:fld>
             <a:endParaRPr lang="he-IL"/>
           </a:p>
@@ -2272,7 +2376,7 @@
           <a:p>
             <a:fld id="{04A69043-466E-4952-90CD-1922DEC3164F}" type="datetimeFigureOut">
               <a:rPr lang="he-IL" smtClean="0"/>
-              <a:t>ט"ז/תמוז/תשפ"ג</a:t>
+              <a:t>כ'/תמוז/תשפ"ג</a:t>
             </a:fld>
             <a:endParaRPr lang="he-IL"/>
           </a:p>
@@ -2346,299 +2450,6 @@
 </file>
 
 <file path=ppt/slideLayouts/slideLayout12.xml><?xml version="1.0" encoding="utf-8"?>
-<p:sldLayout xmlns:a="http://schemas.openxmlformats.org/drawingml/2006/main" xmlns:r="http://schemas.openxmlformats.org/officeDocument/2006/relationships" xmlns:p="http://schemas.openxmlformats.org/presentationml/2006/main" userDrawn="1">
-  <p:cSld name="1_Title Slide">
-    <p:spTree>
-      <p:nvGrpSpPr>
-        <p:cNvPr id="1" name=""/>
-        <p:cNvGrpSpPr/>
-        <p:nvPr/>
-      </p:nvGrpSpPr>
-      <p:grpSpPr>
-        <a:xfrm>
-          <a:off x="0" y="0"/>
-          <a:ext cx="0" cy="0"/>
-          <a:chOff x="0" y="0"/>
-          <a:chExt cx="0" cy="0"/>
-        </a:xfrm>
-      </p:grpSpPr>
-      <p:sp>
-        <p:nvSpPr>
-          <p:cNvPr id="2" name="Title 1"/>
-          <p:cNvSpPr>
-            <a:spLocks noGrp="1"/>
-          </p:cNvSpPr>
-          <p:nvPr>
-            <p:ph type="ctrTitle"/>
-          </p:nvPr>
-        </p:nvSpPr>
-        <p:spPr>
-          <a:xfrm>
-            <a:off x="774049" y="1340768"/>
-            <a:ext cx="9850763" cy="1085850"/>
-          </a:xfrm>
-        </p:spPr>
-        <p:txBody>
-          <a:bodyPr vert="horz" lIns="0" tIns="45720" rIns="91440" bIns="45720" rtlCol="0" anchor="t" anchorCtr="0">
-            <a:normAutofit/>
-          </a:bodyPr>
-          <a:lstStyle>
-            <a:lvl1pPr>
-              <a:defRPr lang="en-US" sz="3200" dirty="0">
-                <a:ln w="3175">
-                  <a:noFill/>
-                </a:ln>
-              </a:defRPr>
-            </a:lvl1pPr>
-          </a:lstStyle>
-          <a:p>
-            <a:pPr lvl="0"/>
-            <a:r>
-              <a:rPr lang="en-US"/>
-              <a:t>Click to edit Master title style</a:t>
-            </a:r>
-            <a:endParaRPr lang="en-US" dirty="0"/>
-          </a:p>
-        </p:txBody>
-      </p:sp>
-      <p:sp>
-        <p:nvSpPr>
-          <p:cNvPr id="11" name="TextBox 10"/>
-          <p:cNvSpPr txBox="1"/>
-          <p:nvPr userDrawn="1"/>
-        </p:nvSpPr>
-        <p:spPr>
-          <a:xfrm>
-            <a:off x="774050" y="6362070"/>
-            <a:ext cx="10506527" cy="261610"/>
-          </a:xfrm>
-          <a:prstGeom prst="rect">
-            <a:avLst/>
-          </a:prstGeom>
-          <a:noFill/>
-        </p:spPr>
-        <p:txBody>
-          <a:bodyPr wrap="square" lIns="0" rtlCol="0">
-            <a:spAutoFit/>
-          </a:bodyPr>
-          <a:lstStyle/>
-          <a:p>
-            <a:pPr algn="l"/>
-            <a:r>
-              <a:rPr lang="en-US" sz="1100" kern="1200" dirty="0">
-                <a:solidFill>
-                  <a:schemeClr val="tx1">
-                    <a:lumMod val="85000"/>
-                    <a:lumOff val="15000"/>
-                  </a:schemeClr>
-                </a:solidFill>
-                <a:latin typeface="Segoe" panose="020B0502040504020203" pitchFamily="34" charset="0"/>
-                <a:ea typeface="+mn-ea"/>
-                <a:cs typeface="+mn-cs"/>
-              </a:rPr>
-              <a:t>Copyright © SELA Software &amp; Education Labs, Ltd. | 14-18 Baruch Hirsch St., </a:t>
-            </a:r>
-            <a:r>
-              <a:rPr lang="en-US" sz="1100" kern="1200" dirty="0" err="1">
-                <a:solidFill>
-                  <a:schemeClr val="tx1">
-                    <a:lumMod val="85000"/>
-                    <a:lumOff val="15000"/>
-                  </a:schemeClr>
-                </a:solidFill>
-                <a:latin typeface="Segoe" panose="020B0502040504020203" pitchFamily="34" charset="0"/>
-                <a:ea typeface="+mn-ea"/>
-                <a:cs typeface="+mn-cs"/>
-              </a:rPr>
-              <a:t>Bnei</a:t>
-            </a:r>
-            <a:r>
-              <a:rPr lang="en-US" sz="1100" kern="1200" dirty="0">
-                <a:solidFill>
-                  <a:schemeClr val="tx1">
-                    <a:lumMod val="85000"/>
-                    <a:lumOff val="15000"/>
-                  </a:schemeClr>
-                </a:solidFill>
-                <a:latin typeface="Segoe" panose="020B0502040504020203" pitchFamily="34" charset="0"/>
-                <a:ea typeface="+mn-ea"/>
-                <a:cs typeface="+mn-cs"/>
-              </a:rPr>
-              <a:t> </a:t>
-            </a:r>
-            <a:r>
-              <a:rPr lang="en-US" sz="1100" kern="1200" dirty="0" err="1">
-                <a:solidFill>
-                  <a:schemeClr val="tx1">
-                    <a:lumMod val="85000"/>
-                    <a:lumOff val="15000"/>
-                  </a:schemeClr>
-                </a:solidFill>
-                <a:latin typeface="Segoe" panose="020B0502040504020203" pitchFamily="34" charset="0"/>
-                <a:ea typeface="+mn-ea"/>
-                <a:cs typeface="+mn-cs"/>
-              </a:rPr>
-              <a:t>Brak</a:t>
-            </a:r>
-            <a:r>
-              <a:rPr lang="en-US" sz="1100" kern="1200">
-                <a:solidFill>
-                  <a:schemeClr val="tx1">
-                    <a:lumMod val="85000"/>
-                    <a:lumOff val="15000"/>
-                  </a:schemeClr>
-                </a:solidFill>
-                <a:latin typeface="Segoe" panose="020B0502040504020203" pitchFamily="34" charset="0"/>
-                <a:ea typeface="+mn-ea"/>
-                <a:cs typeface="+mn-cs"/>
-              </a:rPr>
-              <a:t> 51202, Israel | www.selagroup.com</a:t>
-            </a:r>
-            <a:endParaRPr lang="en-US" sz="800" dirty="0">
-              <a:solidFill>
-                <a:schemeClr val="tx1">
-                  <a:lumMod val="85000"/>
-                  <a:lumOff val="15000"/>
-                </a:schemeClr>
-              </a:solidFill>
-              <a:latin typeface="Segoe" panose="020B0502040504020203" pitchFamily="34" charset="0"/>
-            </a:endParaRPr>
-          </a:p>
-        </p:txBody>
-      </p:sp>
-      <p:pic>
-        <p:nvPicPr>
-          <p:cNvPr id="13" name="Picture 12"/>
-          <p:cNvPicPr>
-            <a:picLocks noChangeAspect="1"/>
-          </p:cNvPicPr>
-          <p:nvPr userDrawn="1"/>
-        </p:nvPicPr>
-        <p:blipFill>
-          <a:blip r:embed="rId2">
-            <a:extLst>
-              <a:ext uri="{28A0092B-C50C-407E-A947-70E740481C1C}">
-                <a14:useLocalDpi xmlns:a14="http://schemas.microsoft.com/office/drawing/2010/main" val="0"/>
-              </a:ext>
-            </a:extLst>
-          </a:blip>
-          <a:stretch>
-            <a:fillRect/>
-          </a:stretch>
-        </p:blipFill>
-        <p:spPr>
-          <a:xfrm>
-            <a:off x="774050" y="534798"/>
-            <a:ext cx="3509932" cy="483907"/>
-          </a:xfrm>
-          <a:prstGeom prst="rect">
-            <a:avLst/>
-          </a:prstGeom>
-        </p:spPr>
-      </p:pic>
-      <p:sp>
-        <p:nvSpPr>
-          <p:cNvPr id="7" name="Text Placeholder 6"/>
-          <p:cNvSpPr>
-            <a:spLocks noGrp="1"/>
-          </p:cNvSpPr>
-          <p:nvPr>
-            <p:ph type="body" sz="quarter" idx="10"/>
-          </p:nvPr>
-        </p:nvSpPr>
-        <p:spPr>
-          <a:xfrm>
-            <a:off x="774701" y="2427289"/>
-            <a:ext cx="9850967" cy="1362075"/>
-          </a:xfrm>
-          <a:prstGeom prst="rect">
-            <a:avLst/>
-          </a:prstGeom>
-        </p:spPr>
-        <p:txBody>
-          <a:bodyPr/>
-          <a:lstStyle>
-            <a:lvl1pPr marL="0" marR="0" indent="0" algn="l" defTabSz="914400" rtl="0" eaLnBrk="1" fontAlgn="auto" latinLnBrk="0" hangingPunct="1">
-              <a:lnSpc>
-                <a:spcPct val="100000"/>
-              </a:lnSpc>
-              <a:spcBef>
-                <a:spcPct val="20000"/>
-              </a:spcBef>
-              <a:spcAft>
-                <a:spcPts val="0"/>
-              </a:spcAft>
-              <a:buClrTx/>
-              <a:buSzTx/>
-              <a:buFontTx/>
-              <a:buNone/>
-              <a:tabLst/>
-              <a:defRPr>
-                <a:solidFill>
-                  <a:srgbClr val="E89636"/>
-                </a:solidFill>
-              </a:defRPr>
-            </a:lvl1pPr>
-            <a:lvl2pPr marL="457200" indent="0" algn="l" rtl="0">
-              <a:buFontTx/>
-              <a:buNone/>
-              <a:defRPr/>
-            </a:lvl2pPr>
-            <a:lvl3pPr marL="914400" indent="0" algn="l" rtl="0">
-              <a:buFontTx/>
-              <a:buNone/>
-              <a:defRPr/>
-            </a:lvl3pPr>
-            <a:lvl4pPr marL="1371600" indent="0" algn="l" rtl="0">
-              <a:buFontTx/>
-              <a:buNone/>
-              <a:defRPr/>
-            </a:lvl4pPr>
-            <a:lvl5pPr marL="1828800" indent="0" algn="l" rtl="0">
-              <a:buFontTx/>
-              <a:buNone/>
-              <a:defRPr/>
-            </a:lvl5pPr>
-          </a:lstStyle>
-          <a:p>
-            <a:pPr lvl="0"/>
-            <a:r>
-              <a:rPr lang="en-US"/>
-              <a:t>Click to edit Master text styles</a:t>
-            </a:r>
-          </a:p>
-        </p:txBody>
-      </p:sp>
-    </p:spTree>
-    <p:extLst>
-      <p:ext uri="{BB962C8B-B14F-4D97-AF65-F5344CB8AC3E}">
-        <p14:creationId xmlns:p14="http://schemas.microsoft.com/office/powerpoint/2010/main" val="2096165497"/>
-      </p:ext>
-    </p:extLst>
-  </p:cSld>
-  <p:clrMapOvr>
-    <a:masterClrMapping/>
-  </p:clrMapOvr>
-  <p:extLst>
-    <p:ext uri="{DCECCB84-F9BA-43D5-87BE-67443E8EF086}">
-      <p15:sldGuideLst xmlns:p15="http://schemas.microsoft.com/office/powerpoint/2012/main">
-        <p15:guide id="1" orient="horz" pos="789">
-          <p15:clr>
-            <a:srgbClr val="FBAE40"/>
-          </p15:clr>
-        </p15:guide>
-        <p15:guide id="2" pos="612">
-          <p15:clr>
-            <a:srgbClr val="FBAE40"/>
-          </p15:clr>
-        </p15:guide>
-      </p15:sldGuideLst>
-    </p:ext>
-  </p:extLst>
-</p:sldLayout>
-</file>
-
-<file path=ppt/slideLayouts/slideLayout13.xml><?xml version="1.0" encoding="utf-8"?>
 <p:sldLayout xmlns:a="http://schemas.openxmlformats.org/drawingml/2006/main" xmlns:r="http://schemas.openxmlformats.org/officeDocument/2006/relationships" xmlns:p="http://schemas.openxmlformats.org/presentationml/2006/main" userDrawn="1">
   <p:cSld name="ModuleAgenda">
     <p:spTree>
@@ -2766,7 +2577,7 @@
 </p:sldLayout>
 </file>
 
-<file path=ppt/slideLayouts/slideLayout14.xml><?xml version="1.0" encoding="utf-8"?>
+<file path=ppt/slideLayouts/slideLayout13.xml><?xml version="1.0" encoding="utf-8"?>
 <p:sldLayout xmlns:a="http://schemas.openxmlformats.org/drawingml/2006/main" xmlns:r="http://schemas.openxmlformats.org/officeDocument/2006/relationships" xmlns:p="http://schemas.openxmlformats.org/presentationml/2006/main" userDrawn="1">
   <p:cSld name="CodeSnippets">
     <p:spTree>
@@ -3016,7 +2827,7 @@
 </p:sldLayout>
 </file>
 
-<file path=ppt/slideLayouts/slideLayout15.xml><?xml version="1.0" encoding="utf-8"?>
+<file path=ppt/slideLayouts/slideLayout14.xml><?xml version="1.0" encoding="utf-8"?>
 <p:sldLayout xmlns:a="http://schemas.openxmlformats.org/drawingml/2006/main" xmlns:r="http://schemas.openxmlformats.org/officeDocument/2006/relationships" xmlns:p="http://schemas.openxmlformats.org/presentationml/2006/main" userDrawn="1">
   <p:cSld name="Demo Page">
     <p:spTree>
@@ -3534,7 +3345,7 @@
 </p:sldLayout>
 </file>
 
-<file path=ppt/slideLayouts/slideLayout16.xml><?xml version="1.0" encoding="utf-8"?>
+<file path=ppt/slideLayouts/slideLayout15.xml><?xml version="1.0" encoding="utf-8"?>
 <p:sldLayout xmlns:a="http://schemas.openxmlformats.org/drawingml/2006/main" xmlns:r="http://schemas.openxmlformats.org/officeDocument/2006/relationships" xmlns:p="http://schemas.openxmlformats.org/presentationml/2006/main" userDrawn="1">
   <p:cSld name="Lab">
     <p:spTree>
@@ -4052,7 +3863,7 @@
 </p:sldLayout>
 </file>
 
-<file path=ppt/slideLayouts/slideLayout17.xml><?xml version="1.0" encoding="utf-8"?>
+<file path=ppt/slideLayouts/slideLayout16.xml><?xml version="1.0" encoding="utf-8"?>
 <p:sldLayout xmlns:a="http://schemas.openxmlformats.org/drawingml/2006/main" xmlns:r="http://schemas.openxmlformats.org/officeDocument/2006/relationships" xmlns:p="http://schemas.openxmlformats.org/presentationml/2006/main" userDrawn="1">
   <p:cSld name="Questions">
     <p:spTree>
@@ -4533,6 +4344,63 @@
 </p:sldLayout>
 </file>
 
+<file path=ppt/slideLayouts/slideLayout17.xml><?xml version="1.0" encoding="utf-8"?>
+<p:sldLayout xmlns:a="http://schemas.openxmlformats.org/drawingml/2006/main" xmlns:r="http://schemas.openxmlformats.org/officeDocument/2006/relationships" xmlns:p="http://schemas.openxmlformats.org/presentationml/2006/main" matchingName="6_Title Slide">
+  <p:cSld name="6_Title Slide">
+    <p:spTree>
+      <p:nvGrpSpPr>
+        <p:cNvPr id="1" name="Shape 16"/>
+        <p:cNvGrpSpPr/>
+        <p:nvPr/>
+      </p:nvGrpSpPr>
+      <p:grpSpPr>
+        <a:xfrm>
+          <a:off x="0" y="0"/>
+          <a:ext cx="0" cy="0"/>
+          <a:chOff x="0" y="0"/>
+          <a:chExt cx="0" cy="0"/>
+        </a:xfrm>
+      </p:grpSpPr>
+      <p:pic>
+        <p:nvPicPr>
+          <p:cNvPr id="17" name="Google Shape;17;p10"/>
+          <p:cNvPicPr preferRelativeResize="0"/>
+          <p:nvPr/>
+        </p:nvPicPr>
+        <p:blipFill rotWithShape="1">
+          <a:blip r:embed="rId2">
+            <a:alphaModFix/>
+          </a:blip>
+          <a:srcRect/>
+          <a:stretch/>
+        </p:blipFill>
+        <p:spPr>
+          <a:xfrm>
+            <a:off x="10668000" y="5981612"/>
+            <a:ext cx="1246029" cy="511263"/>
+          </a:xfrm>
+          <a:prstGeom prst="rect">
+            <a:avLst/>
+          </a:prstGeom>
+          <a:noFill/>
+          <a:ln>
+            <a:noFill/>
+          </a:ln>
+        </p:spPr>
+      </p:pic>
+    </p:spTree>
+    <p:extLst>
+      <p:ext uri="{BB962C8B-B14F-4D97-AF65-F5344CB8AC3E}">
+        <p14:creationId xmlns:p14="http://schemas.microsoft.com/office/powerpoint/2010/main" val="2296271513"/>
+      </p:ext>
+    </p:extLst>
+  </p:cSld>
+  <p:clrMapOvr>
+    <a:masterClrMapping/>
+  </p:clrMapOvr>
+</p:sldLayout>
+</file>
+
 <file path=ppt/slideLayouts/slideLayout2.xml><?xml version="1.0" encoding="utf-8"?>
 <p:sldLayout xmlns:a="http://schemas.openxmlformats.org/drawingml/2006/main" xmlns:r="http://schemas.openxmlformats.org/officeDocument/2006/relationships" xmlns:p="http://schemas.openxmlformats.org/presentationml/2006/main" type="obj" preserve="1">
   <p:cSld name="Title and Content">
@@ -4660,7 +4528,7 @@
           <a:p>
             <a:fld id="{04A69043-466E-4952-90CD-1922DEC3164F}" type="datetimeFigureOut">
               <a:rPr lang="he-IL" smtClean="0"/>
-              <a:t>ט"ז/תמוז/תשפ"ג</a:t>
+              <a:t>כ'/תמוז/תשפ"ג</a:t>
             </a:fld>
             <a:endParaRPr lang="he-IL"/>
           </a:p>
@@ -4936,7 +4804,7 @@
           <a:p>
             <a:fld id="{04A69043-466E-4952-90CD-1922DEC3164F}" type="datetimeFigureOut">
               <a:rPr lang="he-IL" smtClean="0"/>
-              <a:t>ט"ז/תמוז/תשפ"ג</a:t>
+              <a:t>כ'/תמוז/תשפ"ג</a:t>
             </a:fld>
             <a:endParaRPr lang="he-IL"/>
           </a:p>
@@ -5204,7 +5072,7 @@
           <a:p>
             <a:fld id="{04A69043-466E-4952-90CD-1922DEC3164F}" type="datetimeFigureOut">
               <a:rPr lang="he-IL" smtClean="0"/>
-              <a:t>ט"ז/תמוז/תשפ"ג</a:t>
+              <a:t>כ'/תמוז/תשפ"ג</a:t>
             </a:fld>
             <a:endParaRPr lang="he-IL"/>
           </a:p>
@@ -5619,7 +5487,7 @@
           <a:p>
             <a:fld id="{04A69043-466E-4952-90CD-1922DEC3164F}" type="datetimeFigureOut">
               <a:rPr lang="he-IL" smtClean="0"/>
-              <a:t>ט"ז/תמוז/תשפ"ג</a:t>
+              <a:t>כ'/תמוז/תשפ"ג</a:t>
             </a:fld>
             <a:endParaRPr lang="he-IL"/>
           </a:p>
@@ -5761,7 +5629,7 @@
           <a:p>
             <a:fld id="{04A69043-466E-4952-90CD-1922DEC3164F}" type="datetimeFigureOut">
               <a:rPr lang="he-IL" smtClean="0"/>
-              <a:t>ט"ז/תמוז/תשפ"ג</a:t>
+              <a:t>כ'/תמוז/תשפ"ג</a:t>
             </a:fld>
             <a:endParaRPr lang="he-IL"/>
           </a:p>
@@ -5874,7 +5742,7 @@
           <a:p>
             <a:fld id="{04A69043-466E-4952-90CD-1922DEC3164F}" type="datetimeFigureOut">
               <a:rPr lang="he-IL" smtClean="0"/>
-              <a:t>ט"ז/תמוז/תשפ"ג</a:t>
+              <a:t>כ'/תמוז/תשפ"ג</a:t>
             </a:fld>
             <a:endParaRPr lang="he-IL"/>
           </a:p>
@@ -6187,7 +6055,7 @@
           <a:p>
             <a:fld id="{04A69043-466E-4952-90CD-1922DEC3164F}" type="datetimeFigureOut">
               <a:rPr lang="he-IL" smtClean="0"/>
-              <a:t>ט"ז/תמוז/תשפ"ג</a:t>
+              <a:t>כ'/תמוז/תשפ"ג</a:t>
             </a:fld>
             <a:endParaRPr lang="he-IL"/>
           </a:p>
@@ -6476,7 +6344,7 @@
           <a:p>
             <a:fld id="{04A69043-466E-4952-90CD-1922DEC3164F}" type="datetimeFigureOut">
               <a:rPr lang="he-IL" smtClean="0"/>
-              <a:t>ט"ז/תמוז/תשפ"ג</a:t>
+              <a:t>כ'/תמוז/תשפ"ג</a:t>
             </a:fld>
             <a:endParaRPr lang="he-IL"/>
           </a:p>
@@ -6553,9 +6421,18 @@
 <p:sldMaster xmlns:a="http://schemas.openxmlformats.org/drawingml/2006/main" xmlns:r="http://schemas.openxmlformats.org/officeDocument/2006/relationships" xmlns:p="http://schemas.openxmlformats.org/presentationml/2006/main">
   <p:cSld>
     <p:bg>
-      <p:bgRef idx="1001">
-        <a:schemeClr val="bg1"/>
-      </p:bgRef>
+      <p:bgPr>
+        <a:blipFill dpi="0" rotWithShape="1">
+          <a:blip r:embed="rId19">
+            <a:lum/>
+          </a:blip>
+          <a:srcRect/>
+          <a:stretch>
+            <a:fillRect/>
+          </a:stretch>
+        </a:blipFill>
+        <a:effectLst/>
+      </p:bgPr>
     </p:bg>
     <p:spTree>
       <p:nvGrpSpPr>
@@ -6719,7 +6596,7 @@
           <a:p>
             <a:fld id="{04A69043-466E-4952-90CD-1922DEC3164F}" type="datetimeFigureOut">
               <a:rPr lang="he-IL" smtClean="0"/>
-              <a:t>ט"ז/תמוז/תשפ"ג</a:t>
+              <a:t>כ'/תמוז/תשפ"ג</a:t>
             </a:fld>
             <a:endParaRPr lang="he-IL"/>
           </a:p>
@@ -6835,12 +6712,12 @@
     <p:sldLayoutId id="2147483657" r:id="rId9"/>
     <p:sldLayoutId id="2147483658" r:id="rId10"/>
     <p:sldLayoutId id="2147483659" r:id="rId11"/>
-    <p:sldLayoutId id="2147483660" r:id="rId12"/>
-    <p:sldLayoutId id="2147483661" r:id="rId13"/>
-    <p:sldLayoutId id="2147483662" r:id="rId14"/>
-    <p:sldLayoutId id="2147483663" r:id="rId15"/>
-    <p:sldLayoutId id="2147483665" r:id="rId16"/>
-    <p:sldLayoutId id="2147483667" r:id="rId17"/>
+    <p:sldLayoutId id="2147483661" r:id="rId12"/>
+    <p:sldLayoutId id="2147483662" r:id="rId13"/>
+    <p:sldLayoutId id="2147483663" r:id="rId14"/>
+    <p:sldLayoutId id="2147483665" r:id="rId15"/>
+    <p:sldLayoutId id="2147483667" r:id="rId16"/>
+    <p:sldLayoutId id="2147483668" r:id="rId17"/>
   </p:sldLayoutIdLst>
   <p:txStyles>
     <p:titleStyle>
@@ -7130,7 +7007,7 @@
   <p:cSld>
     <p:spTree>
       <p:nvGrpSpPr>
-        <p:cNvPr id="1" name=""/>
+        <p:cNvPr id="1" name="Shape 161"/>
         <p:cNvGrpSpPr/>
         <p:nvPr/>
       </p:nvGrpSpPr>
@@ -7144,42 +7021,481 @@
       </p:grpSpPr>
       <p:sp>
         <p:nvSpPr>
-          <p:cNvPr id="2" name="Title 1"/>
-          <p:cNvSpPr>
-            <a:spLocks noGrp="1"/>
-          </p:cNvSpPr>
-          <p:nvPr>
-            <p:ph type="ctrTitle"/>
-          </p:nvPr>
+          <p:cNvPr id="162" name="Google Shape;162;p3"/>
+          <p:cNvSpPr/>
+          <p:nvPr/>
         </p:nvSpPr>
         <p:spPr>
           <a:xfrm>
-            <a:off x="1170618" y="2343150"/>
-            <a:ext cx="9850763" cy="1085850"/>
+            <a:off x="753215" y="731221"/>
+            <a:ext cx="1852408" cy="1804715"/>
           </a:xfrm>
+          <a:prstGeom prst="rect">
+            <a:avLst/>
+          </a:prstGeom>
+          <a:noFill/>
+          <a:ln w="114300" cap="flat" cmpd="sng">
+            <a:solidFill>
+              <a:srgbClr val="0071F6"/>
+            </a:solidFill>
+            <a:prstDash val="solid"/>
+            <a:miter lim="800000"/>
+            <a:headEnd type="none" w="sm" len="sm"/>
+            <a:tailEnd type="none" w="sm" len="sm"/>
+          </a:ln>
         </p:spPr>
         <p:txBody>
-          <a:bodyPr/>
+          <a:bodyPr spcFirstLastPara="1" wrap="square" lIns="91425" tIns="45700" rIns="91425" bIns="45700" anchor="ctr" anchorCtr="0">
+            <a:noAutofit/>
+          </a:bodyPr>
           <a:lstStyle/>
           <a:p>
-            <a:r>
-              <a:rPr lang="en-US" dirty="0"/>
-              <a:t>Module 07: Working with Files</a:t>
-            </a:r>
-            <a:endParaRPr lang="he-IL" dirty="0"/>
+            <a:pPr marL="0" marR="0" lvl="0" indent="0" algn="ctr" rtl="0">
+              <a:spcBef>
+                <a:spcPts val="0"/>
+              </a:spcBef>
+              <a:spcAft>
+                <a:spcPts val="0"/>
+              </a:spcAft>
+              <a:buNone/>
+            </a:pPr>
+            <a:endParaRPr sz="10000" b="0" i="0" u="none" strike="noStrike" cap="none">
+              <a:solidFill>
+                <a:schemeClr val="lt1"/>
+              </a:solidFill>
+              <a:latin typeface="Calibri"/>
+              <a:ea typeface="Calibri"/>
+              <a:cs typeface="Calibri"/>
+              <a:sym typeface="Calibri"/>
+            </a:endParaRPr>
           </a:p>
         </p:txBody>
       </p:sp>
+      <p:sp>
+        <p:nvSpPr>
+          <p:cNvPr id="163" name="Google Shape;163;p3"/>
+          <p:cNvSpPr/>
+          <p:nvPr/>
+        </p:nvSpPr>
+        <p:spPr>
+          <a:xfrm>
+            <a:off x="1024128" y="974550"/>
+            <a:ext cx="1938528" cy="1220010"/>
+          </a:xfrm>
+          <a:prstGeom prst="rect">
+            <a:avLst/>
+          </a:prstGeom>
+          <a:solidFill>
+            <a:schemeClr val="lt1"/>
+          </a:solidFill>
+          <a:ln>
+            <a:noFill/>
+          </a:ln>
+        </p:spPr>
+        <p:txBody>
+          <a:bodyPr spcFirstLastPara="1" wrap="square" lIns="91425" tIns="45700" rIns="91425" bIns="45700" anchor="ctr" anchorCtr="0">
+            <a:noAutofit/>
+          </a:bodyPr>
+          <a:lstStyle/>
+          <a:p>
+            <a:pPr marL="0" marR="0" lvl="0" indent="0" algn="ctr" rtl="0">
+              <a:spcBef>
+                <a:spcPts val="0"/>
+              </a:spcBef>
+              <a:spcAft>
+                <a:spcPts val="0"/>
+              </a:spcAft>
+              <a:buNone/>
+            </a:pPr>
+            <a:endParaRPr sz="1800" b="0" i="0" u="none" strike="noStrike" cap="none">
+              <a:solidFill>
+                <a:schemeClr val="lt1"/>
+              </a:solidFill>
+              <a:latin typeface="Calibri"/>
+              <a:ea typeface="Calibri"/>
+              <a:cs typeface="Calibri"/>
+              <a:sym typeface="Calibri"/>
+            </a:endParaRPr>
+          </a:p>
+        </p:txBody>
+      </p:sp>
+      <p:sp>
+        <p:nvSpPr>
+          <p:cNvPr id="164" name="Google Shape;164;p3"/>
+          <p:cNvSpPr txBox="1"/>
+          <p:nvPr/>
+        </p:nvSpPr>
+        <p:spPr>
+          <a:xfrm>
+            <a:off x="1197504" y="1264978"/>
+            <a:ext cx="10334589" cy="696987"/>
+          </a:xfrm>
+          <a:prstGeom prst="rect">
+            <a:avLst/>
+          </a:prstGeom>
+          <a:noFill/>
+          <a:ln>
+            <a:noFill/>
+          </a:ln>
+        </p:spPr>
+        <p:txBody>
+          <a:bodyPr spcFirstLastPara="1" wrap="square" lIns="0" tIns="0" rIns="0" bIns="0" anchor="t" anchorCtr="0">
+            <a:noAutofit/>
+          </a:bodyPr>
+          <a:lstStyle/>
+          <a:p>
+            <a:pPr marL="0" marR="0" lvl="0" indent="0" algn="l" rtl="0">
+              <a:lnSpc>
+                <a:spcPct val="90000"/>
+              </a:lnSpc>
+              <a:spcBef>
+                <a:spcPts val="0"/>
+              </a:spcBef>
+              <a:spcAft>
+                <a:spcPts val="0"/>
+              </a:spcAft>
+              <a:buClr>
+                <a:schemeClr val="dk1"/>
+              </a:buClr>
+              <a:buSzPts val="5000"/>
+              <a:buFont typeface="Lexend"/>
+              <a:buNone/>
+            </a:pPr>
+            <a:r>
+              <a:rPr lang="en-US" sz="6000" b="1" dirty="0">
+                <a:latin typeface="Lexend" panose="020B0604020202020204"/>
+              </a:rPr>
+              <a:t>Module 07- Working with Files</a:t>
+            </a:r>
+            <a:endParaRPr lang="en-US" sz="2400" b="1" i="0" u="none" strike="noStrike" cap="none" dirty="0">
+              <a:solidFill>
+                <a:schemeClr val="tx2">
+                  <a:lumMod val="25000"/>
+                </a:schemeClr>
+              </a:solidFill>
+              <a:latin typeface="Lexend" panose="020B0604020202020204"/>
+              <a:ea typeface="Lexend" panose="020B0604020202020204"/>
+              <a:cs typeface="Lexend" panose="020B0604020202020204"/>
+              <a:sym typeface="Lexend"/>
+            </a:endParaRPr>
+          </a:p>
+        </p:txBody>
+      </p:sp>
+      <p:grpSp>
+        <p:nvGrpSpPr>
+          <p:cNvPr id="26" name="Group 25">
+            <a:extLst>
+              <a:ext uri="{FF2B5EF4-FFF2-40B4-BE49-F238E27FC236}">
+                <a16:creationId xmlns:a16="http://schemas.microsoft.com/office/drawing/2014/main" id="{3707614E-B472-D72F-3362-F3D5800A79AE}"/>
+              </a:ext>
+            </a:extLst>
+          </p:cNvPr>
+          <p:cNvGrpSpPr/>
+          <p:nvPr/>
+        </p:nvGrpSpPr>
+        <p:grpSpPr>
+          <a:xfrm>
+            <a:off x="4768981" y="6314787"/>
+            <a:ext cx="2898939" cy="435065"/>
+            <a:chOff x="4346126" y="6301065"/>
+            <a:chExt cx="2898939" cy="435065"/>
+          </a:xfrm>
+        </p:grpSpPr>
+        <p:sp>
+          <p:nvSpPr>
+            <p:cNvPr id="27" name="Google Shape;157;p2">
+              <a:extLst>
+                <a:ext uri="{FF2B5EF4-FFF2-40B4-BE49-F238E27FC236}">
+                  <a16:creationId xmlns:a16="http://schemas.microsoft.com/office/drawing/2014/main" id="{4EA5EBB7-68D9-5C27-8971-C58931043AB0}"/>
+                </a:ext>
+              </a:extLst>
+            </p:cNvPr>
+            <p:cNvSpPr txBox="1"/>
+            <p:nvPr/>
+          </p:nvSpPr>
+          <p:spPr>
+            <a:xfrm>
+              <a:off x="4346126" y="6301065"/>
+              <a:ext cx="2898939" cy="260080"/>
+            </a:xfrm>
+            <a:prstGeom prst="rect">
+              <a:avLst/>
+            </a:prstGeom>
+            <a:noFill/>
+            <a:ln>
+              <a:noFill/>
+            </a:ln>
+          </p:spPr>
+          <p:txBody>
+            <a:bodyPr spcFirstLastPara="1" wrap="square" lIns="91425" tIns="45700" rIns="91425" bIns="45700" anchor="t" anchorCtr="0">
+              <a:noAutofit/>
+            </a:bodyPr>
+            <a:lstStyle/>
+            <a:p>
+              <a:pPr marL="0" marR="0" lvl="0" indent="0" algn="ctr" rtl="0">
+                <a:lnSpc>
+                  <a:spcPct val="90000"/>
+                </a:lnSpc>
+                <a:spcBef>
+                  <a:spcPts val="0"/>
+                </a:spcBef>
+                <a:spcAft>
+                  <a:spcPts val="0"/>
+                </a:spcAft>
+                <a:buClr>
+                  <a:schemeClr val="lt1"/>
+                </a:buClr>
+                <a:buSzPts val="4000"/>
+                <a:buFont typeface="Lexend"/>
+                <a:buNone/>
+              </a:pPr>
+              <a:r>
+                <a:rPr lang="en-US" sz="1100" b="1" i="0" u="none" strike="noStrike" cap="none" dirty="0">
+                  <a:solidFill>
+                    <a:srgbClr val="00DBE9"/>
+                  </a:solidFill>
+                  <a:latin typeface="+mn-lt"/>
+                  <a:ea typeface="Lexend"/>
+                  <a:cs typeface="+mn-cs"/>
+                  <a:sym typeface="Lexend"/>
+                  <a:hlinkClick r:id="rId3">
+                    <a:extLst>
+                      <a:ext uri="{A12FA001-AC4F-418D-AE19-62706E023703}">
+                        <ahyp:hlinkClr xmlns:ahyp="http://schemas.microsoft.com/office/drawing/2018/hyperlinkcolor" val="tx"/>
+                      </a:ext>
+                    </a:extLst>
+                  </a:hlinkClick>
+                </a:rPr>
+                <a:t>WWW.SELACLOUD.COM</a:t>
+              </a:r>
+              <a:endParaRPr sz="1100" dirty="0">
+                <a:solidFill>
+                  <a:srgbClr val="00DBE9"/>
+                </a:solidFill>
+                <a:latin typeface="+mn-lt"/>
+                <a:cs typeface="+mn-cs"/>
+              </a:endParaRPr>
+            </a:p>
+            <a:p>
+              <a:pPr marL="0" marR="0" lvl="0" indent="0" algn="ctr" rtl="0">
+                <a:lnSpc>
+                  <a:spcPct val="90000"/>
+                </a:lnSpc>
+                <a:spcBef>
+                  <a:spcPts val="0"/>
+                </a:spcBef>
+                <a:spcAft>
+                  <a:spcPts val="0"/>
+                </a:spcAft>
+                <a:buClr>
+                  <a:schemeClr val="lt1"/>
+                </a:buClr>
+                <a:buSzPts val="4000"/>
+                <a:buFont typeface="Noto Sans Hebrew"/>
+                <a:buNone/>
+              </a:pPr>
+              <a:endParaRPr sz="1100" b="1" i="0" u="none" strike="noStrike" cap="none" dirty="0">
+                <a:solidFill>
+                  <a:srgbClr val="00DBE9"/>
+                </a:solidFill>
+                <a:latin typeface="Lexend Light" pitchFamily="2" charset="0"/>
+                <a:ea typeface="Lexend"/>
+                <a:cs typeface="Lexend"/>
+                <a:sym typeface="Lexend"/>
+              </a:endParaRPr>
+            </a:p>
+          </p:txBody>
+        </p:sp>
+        <p:grpSp>
+          <p:nvGrpSpPr>
+            <p:cNvPr id="28" name="Group 27">
+              <a:extLst>
+                <a:ext uri="{FF2B5EF4-FFF2-40B4-BE49-F238E27FC236}">
+                  <a16:creationId xmlns:a16="http://schemas.microsoft.com/office/drawing/2014/main" id="{60FDA890-33F8-40FC-59E2-9BD7B4CF4B60}"/>
+                </a:ext>
+              </a:extLst>
+            </p:cNvPr>
+            <p:cNvGrpSpPr/>
+            <p:nvPr/>
+          </p:nvGrpSpPr>
+          <p:grpSpPr>
+            <a:xfrm>
+              <a:off x="5196988" y="6503312"/>
+              <a:ext cx="1188416" cy="232818"/>
+              <a:chOff x="5196988" y="6503312"/>
+              <a:chExt cx="1188416" cy="232818"/>
+            </a:xfrm>
+          </p:grpSpPr>
+          <p:pic>
+            <p:nvPicPr>
+              <p:cNvPr id="29" name="Picture 28" descr="Icon&#10;&#10;Description automatically generated">
+                <a:hlinkClick r:id="rId4"/>
+                <a:extLst>
+                  <a:ext uri="{FF2B5EF4-FFF2-40B4-BE49-F238E27FC236}">
+                    <a16:creationId xmlns:a16="http://schemas.microsoft.com/office/drawing/2014/main" id="{64501E28-0CD7-BEAB-240F-3FE7691367B8}"/>
+                  </a:ext>
+                </a:extLst>
+              </p:cNvPr>
+              <p:cNvPicPr>
+                <a:picLocks noChangeAspect="1"/>
+              </p:cNvPicPr>
+              <p:nvPr/>
+            </p:nvPicPr>
+            <p:blipFill>
+              <a:blip r:embed="rId5"/>
+              <a:stretch>
+                <a:fillRect/>
+              </a:stretch>
+            </p:blipFill>
+            <p:spPr>
+              <a:xfrm>
+                <a:off x="5407162" y="6503312"/>
+                <a:ext cx="338919" cy="232817"/>
+              </a:xfrm>
+              <a:prstGeom prst="rect">
+                <a:avLst/>
+              </a:prstGeom>
+            </p:spPr>
+          </p:pic>
+          <p:pic>
+            <p:nvPicPr>
+              <p:cNvPr id="30" name="Picture 29" descr="Logo, icon&#10;&#10;Description automatically generated">
+                <a:hlinkClick r:id="rId6"/>
+                <a:extLst>
+                  <a:ext uri="{FF2B5EF4-FFF2-40B4-BE49-F238E27FC236}">
+                    <a16:creationId xmlns:a16="http://schemas.microsoft.com/office/drawing/2014/main" id="{4D899894-16A2-81DC-1AC3-0E3C481677CD}"/>
+                  </a:ext>
+                </a:extLst>
+              </p:cNvPr>
+              <p:cNvPicPr>
+                <a:picLocks noChangeAspect="1"/>
+              </p:cNvPicPr>
+              <p:nvPr/>
+            </p:nvPicPr>
+            <p:blipFill>
+              <a:blip r:embed="rId7"/>
+              <a:stretch>
+                <a:fillRect/>
+              </a:stretch>
+            </p:blipFill>
+            <p:spPr>
+              <a:xfrm>
+                <a:off x="5837917" y="6503313"/>
+                <a:ext cx="338919" cy="232817"/>
+              </a:xfrm>
+              <a:prstGeom prst="rect">
+                <a:avLst/>
+              </a:prstGeom>
+            </p:spPr>
+          </p:pic>
+          <p:pic>
+            <p:nvPicPr>
+              <p:cNvPr id="31" name="Picture 30" descr="Logo&#10;&#10;Description automatically generated">
+                <a:hlinkClick r:id="rId8"/>
+                <a:extLst>
+                  <a:ext uri="{FF2B5EF4-FFF2-40B4-BE49-F238E27FC236}">
+                    <a16:creationId xmlns:a16="http://schemas.microsoft.com/office/drawing/2014/main" id="{6DECAAD2-14ED-D62E-83E5-01D62FD73E58}"/>
+                  </a:ext>
+                </a:extLst>
+              </p:cNvPr>
+              <p:cNvPicPr>
+                <a:picLocks noChangeAspect="1"/>
+              </p:cNvPicPr>
+              <p:nvPr/>
+            </p:nvPicPr>
+            <p:blipFill>
+              <a:blip r:embed="rId9"/>
+              <a:stretch>
+                <a:fillRect/>
+              </a:stretch>
+            </p:blipFill>
+            <p:spPr>
+              <a:xfrm>
+                <a:off x="6046485" y="6503313"/>
+                <a:ext cx="338919" cy="232817"/>
+              </a:xfrm>
+              <a:prstGeom prst="rect">
+                <a:avLst/>
+              </a:prstGeom>
+            </p:spPr>
+          </p:pic>
+          <p:pic>
+            <p:nvPicPr>
+              <p:cNvPr id="32" name="Picture 31" descr="Icon&#10;&#10;Description automatically generated">
+                <a:hlinkClick r:id="rId10"/>
+                <a:extLst>
+                  <a:ext uri="{FF2B5EF4-FFF2-40B4-BE49-F238E27FC236}">
+                    <a16:creationId xmlns:a16="http://schemas.microsoft.com/office/drawing/2014/main" id="{DC102836-817A-8573-C7AB-C2724E6E5F1C}"/>
+                  </a:ext>
+                </a:extLst>
+              </p:cNvPr>
+              <p:cNvPicPr>
+                <a:picLocks noChangeAspect="1"/>
+              </p:cNvPicPr>
+              <p:nvPr/>
+            </p:nvPicPr>
+            <p:blipFill>
+              <a:blip r:embed="rId11"/>
+              <a:stretch>
+                <a:fillRect/>
+              </a:stretch>
+            </p:blipFill>
+            <p:spPr>
+              <a:xfrm>
+                <a:off x="5196988" y="6503312"/>
+                <a:ext cx="338919" cy="232817"/>
+              </a:xfrm>
+              <a:prstGeom prst="rect">
+                <a:avLst/>
+              </a:prstGeom>
+            </p:spPr>
+          </p:pic>
+          <p:pic>
+            <p:nvPicPr>
+              <p:cNvPr id="33" name="Picture 32" descr="Icon&#10;&#10;Description automatically generated">
+                <a:hlinkClick r:id="rId12"/>
+                <a:extLst>
+                  <a:ext uri="{FF2B5EF4-FFF2-40B4-BE49-F238E27FC236}">
+                    <a16:creationId xmlns:a16="http://schemas.microsoft.com/office/drawing/2014/main" id="{F46B6109-4740-9E76-5C84-B96F79785CAF}"/>
+                  </a:ext>
+                </a:extLst>
+              </p:cNvPr>
+              <p:cNvPicPr>
+                <a:picLocks noChangeAspect="1"/>
+              </p:cNvPicPr>
+              <p:nvPr/>
+            </p:nvPicPr>
+            <p:blipFill>
+              <a:blip r:embed="rId13"/>
+              <a:stretch>
+                <a:fillRect/>
+              </a:stretch>
+            </p:blipFill>
+            <p:spPr>
+              <a:xfrm>
+                <a:off x="5626137" y="6503312"/>
+                <a:ext cx="338919" cy="232817"/>
+              </a:xfrm>
+              <a:prstGeom prst="rect">
+                <a:avLst/>
+              </a:prstGeom>
+            </p:spPr>
+          </p:pic>
+        </p:grpSp>
+      </p:grpSp>
     </p:spTree>
-    <p:extLst>
-      <p:ext uri="{BB962C8B-B14F-4D97-AF65-F5344CB8AC3E}">
-        <p14:creationId xmlns:p14="http://schemas.microsoft.com/office/powerpoint/2010/main" val="888946477"/>
-      </p:ext>
-    </p:extLst>
   </p:cSld>
   <p:clrMapOvr>
     <a:masterClrMapping/>
   </p:clrMapOvr>
+  <mc:AlternateContent xmlns:mc="http://schemas.openxmlformats.org/markup-compatibility/2006" xmlns:p14="http://schemas.microsoft.com/office/powerpoint/2010/main">
+    <mc:Choice Requires="p14">
+      <p:transition spd="slow" p14:dur="2000" advTm="2283"/>
+    </mc:Choice>
+    <mc:Fallback xmlns="">
+      <p:transition spd="slow" advTm="2283"/>
+    </mc:Fallback>
+  </mc:AlternateContent>
 </p:sld>
 </file>
 
@@ -7222,10 +7538,20 @@
           <a:lstStyle/>
           <a:p>
             <a:r>
-              <a:rPr lang="en-US" dirty="0"/>
+              <a:rPr lang="en-US" b="1" dirty="0">
+                <a:solidFill>
+                  <a:srgbClr val="0071F6"/>
+                </a:solidFill>
+                <a:latin typeface="Lexend" panose="020B0604020202020204"/>
+              </a:rPr>
               <a:t>File object attributes</a:t>
             </a:r>
-            <a:endParaRPr lang="he-IL" dirty="0"/>
+            <a:endParaRPr lang="he-IL" b="1" dirty="0">
+              <a:solidFill>
+                <a:srgbClr val="0071F6"/>
+              </a:solidFill>
+              <a:latin typeface="Lexend" panose="020B0604020202020204"/>
+            </a:endParaRPr>
           </a:p>
         </p:txBody>
       </p:sp>
@@ -7259,83 +7585,113 @@
           <a:p>
             <a:pPr fontAlgn="t"/>
             <a:r>
-              <a:rPr lang="en-US" sz="2600" b="1" dirty="0" err="1"/>
+              <a:rPr lang="en-US" sz="2600" b="1" dirty="0" err="1">
+                <a:latin typeface="Lexend Light"/>
+              </a:rPr>
               <a:t>file.closed</a:t>
             </a:r>
             <a:r>
-              <a:rPr lang="en-US" sz="2600" b="1" dirty="0"/>
+              <a:rPr lang="en-US" sz="2600" b="1" dirty="0">
+                <a:latin typeface="Lexend Light"/>
+              </a:rPr>
               <a:t> </a:t>
             </a:r>
             <a:r>
-              <a:rPr lang="en-US" sz="2600" dirty="0"/>
+              <a:rPr lang="en-US" sz="2600" dirty="0">
+                <a:latin typeface="Lexend Light"/>
+              </a:rPr>
               <a:t>- Returns true if file is closed, false otherwise.</a:t>
             </a:r>
           </a:p>
           <a:p>
             <a:pPr fontAlgn="t"/>
             <a:r>
-              <a:rPr lang="en-US" sz="2600" b="1" dirty="0" err="1"/>
+              <a:rPr lang="en-US" sz="2600" b="1" dirty="0" err="1">
+                <a:latin typeface="Lexend Light"/>
+              </a:rPr>
               <a:t>file.mode</a:t>
             </a:r>
             <a:r>
-              <a:rPr lang="en-US" sz="2600" b="1" dirty="0"/>
+              <a:rPr lang="en-US" sz="2600" b="1" dirty="0">
+                <a:latin typeface="Lexend Light"/>
+              </a:rPr>
               <a:t> </a:t>
             </a:r>
             <a:r>
-              <a:rPr lang="en-US" sz="2600" dirty="0"/>
+              <a:rPr lang="en-US" sz="2600" dirty="0">
+                <a:latin typeface="Lexend Light"/>
+              </a:rPr>
               <a:t>- Returns access mode with which file was opened.</a:t>
             </a:r>
           </a:p>
           <a:p>
             <a:pPr fontAlgn="t"/>
             <a:r>
-              <a:rPr lang="en-US" sz="2600" b="1" dirty="0"/>
+              <a:rPr lang="en-US" sz="2600" b="1" dirty="0">
+                <a:latin typeface="Lexend Light"/>
+              </a:rPr>
               <a:t>file.name </a:t>
             </a:r>
             <a:r>
-              <a:rPr lang="en-US" sz="2600" dirty="0"/>
+              <a:rPr lang="en-US" sz="2600" dirty="0">
+                <a:latin typeface="Lexend Light"/>
+              </a:rPr>
               <a:t>- Returns name of the file.</a:t>
             </a:r>
           </a:p>
           <a:p>
-            <a:endParaRPr lang="en-US" sz="2600" dirty="0"/>
+            <a:endParaRPr lang="en-US" sz="2600" dirty="0">
+              <a:latin typeface="Lexend Light"/>
+            </a:endParaRPr>
           </a:p>
           <a:p>
             <a:pPr marL="0" indent="0">
               <a:buNone/>
             </a:pPr>
-            <a:endParaRPr lang="en-US" sz="2600" dirty="0"/>
+            <a:endParaRPr lang="en-US" sz="2600" dirty="0">
+              <a:latin typeface="Lexend Light"/>
+            </a:endParaRPr>
           </a:p>
           <a:p>
             <a:pPr marL="0" indent="0">
               <a:buNone/>
             </a:pPr>
-            <a:endParaRPr lang="en-US" sz="2400" dirty="0"/>
+            <a:endParaRPr lang="en-US" sz="2400" dirty="0">
+              <a:latin typeface="Lexend Light"/>
+            </a:endParaRPr>
           </a:p>
           <a:p>
             <a:pPr marL="0" indent="0">
               <a:buNone/>
             </a:pPr>
-            <a:endParaRPr lang="en-US" sz="2400" dirty="0"/>
+            <a:endParaRPr lang="en-US" sz="2400" dirty="0">
+              <a:latin typeface="Lexend Light"/>
+            </a:endParaRPr>
           </a:p>
           <a:p>
             <a:pPr marL="0" indent="0">
               <a:buNone/>
             </a:pPr>
-            <a:endParaRPr lang="en-US" sz="2400" dirty="0"/>
+            <a:endParaRPr lang="en-US" sz="2400" dirty="0">
+              <a:latin typeface="Lexend Light"/>
+            </a:endParaRPr>
           </a:p>
           <a:p>
             <a:pPr marL="0" indent="0">
               <a:buNone/>
             </a:pPr>
-            <a:endParaRPr lang="en-US" sz="2400" dirty="0"/>
+            <a:endParaRPr lang="en-US" sz="2400" dirty="0">
+              <a:latin typeface="Lexend Light"/>
+            </a:endParaRPr>
           </a:p>
           <a:p>
             <a:pPr marL="0" indent="0">
               <a:buNone/>
             </a:pPr>
             <a:r>
-              <a:rPr lang="en-US" sz="2400" b="1" dirty="0"/>
+              <a:rPr lang="en-US" sz="2400" b="1" dirty="0">
+                <a:latin typeface="Lexend Light"/>
+              </a:rPr>
               <a:t>The Output:</a:t>
             </a:r>
           </a:p>
@@ -7344,7 +7700,9 @@
               <a:buNone/>
             </a:pPr>
             <a:r>
-              <a:rPr lang="en-US" dirty="0"/>
+              <a:rPr lang="en-US" dirty="0">
+                <a:latin typeface="Lexend Light"/>
+              </a:rPr>
               <a:t>"foo.txt“</a:t>
             </a:r>
           </a:p>
@@ -7353,7 +7711,9 @@
               <a:buNone/>
             </a:pPr>
             <a:r>
-              <a:rPr lang="en-US" dirty="0"/>
+              <a:rPr lang="en-US" dirty="0">
+                <a:latin typeface="Lexend Light"/>
+              </a:rPr>
               <a:t>False</a:t>
             </a:r>
           </a:p>
@@ -7362,16 +7722,22 @@
               <a:buNone/>
             </a:pPr>
             <a:r>
-              <a:rPr lang="en-US" dirty="0"/>
+              <a:rPr lang="en-US" dirty="0">
+                <a:latin typeface="Lexend Light"/>
+              </a:rPr>
               <a:t>w</a:t>
             </a:r>
-            <a:endParaRPr lang="he-IL" dirty="0"/>
+            <a:endParaRPr lang="he-IL" dirty="0">
+              <a:latin typeface="Lexend Light"/>
+            </a:endParaRPr>
           </a:p>
           <a:p>
             <a:pPr marL="0" indent="0">
               <a:buNone/>
             </a:pPr>
-            <a:endParaRPr lang="he-IL" dirty="0"/>
+            <a:endParaRPr lang="he-IL" dirty="0">
+              <a:latin typeface="Lexend Light"/>
+            </a:endParaRPr>
           </a:p>
         </p:txBody>
       </p:sp>
@@ -7871,10 +8237,14 @@
           <a:lstStyle/>
           <a:p>
             <a:r>
-              <a:rPr lang="en-US"/>
+              <a:rPr lang="en-US" b="1" dirty="0">
+                <a:latin typeface="Lexend Light"/>
+              </a:rPr>
               <a:t>Labs 01-03</a:t>
             </a:r>
-            <a:endParaRPr lang="he-IL" dirty="0"/>
+            <a:endParaRPr lang="he-IL" b="1" dirty="0">
+              <a:latin typeface="Lexend Light"/>
+            </a:endParaRPr>
           </a:p>
         </p:txBody>
       </p:sp>
@@ -7930,10 +8300,20 @@
           <a:lstStyle/>
           <a:p>
             <a:r>
-              <a:rPr lang="en-US" dirty="0"/>
+              <a:rPr lang="en-US" b="1" dirty="0">
+                <a:solidFill>
+                  <a:srgbClr val="0071F6"/>
+                </a:solidFill>
+                <a:latin typeface="Lexend" panose="020B0604020202020204"/>
+              </a:rPr>
               <a:t>JSON</a:t>
             </a:r>
-            <a:endParaRPr lang="he-IL" dirty="0"/>
+            <a:endParaRPr lang="he-IL" b="1" dirty="0">
+              <a:solidFill>
+                <a:srgbClr val="0071F6"/>
+              </a:solidFill>
+              <a:latin typeface="Lexend" panose="020B0604020202020204"/>
+            </a:endParaRPr>
           </a:p>
         </p:txBody>
       </p:sp>
@@ -7967,32 +8347,44 @@
           <a:p>
             <a:pPr fontAlgn="t"/>
             <a:r>
-              <a:rPr lang="en-US" sz="2600" dirty="0"/>
+              <a:rPr lang="en-US" sz="2600" dirty="0">
+                <a:latin typeface="Lexend Light"/>
+              </a:rPr>
               <a:t>JSON (JavaScript Object Notation) is a lightweight data-interchange format that is widely used for transmitting and storing data. It is easy for humans to read and write, and it's also easy for machines to parse and generate. JSON is supported by many programming languages, including Python.</a:t>
             </a:r>
           </a:p>
           <a:p>
             <a:pPr fontAlgn="t"/>
-            <a:endParaRPr lang="en-US" sz="2600" dirty="0"/>
+            <a:endParaRPr lang="en-US" sz="2600" dirty="0">
+              <a:latin typeface="Lexend Light"/>
+            </a:endParaRPr>
           </a:p>
           <a:p>
             <a:pPr fontAlgn="t"/>
             <a:r>
-              <a:rPr lang="en-US" sz="2600" dirty="0"/>
+              <a:rPr lang="en-US" sz="2600" dirty="0">
+                <a:latin typeface="Lexend Light"/>
+              </a:rPr>
               <a:t>In Python, you can work with JSON using the built-in json module. This module provides functions for encoding (converting Python objects to JSON strings) and decoding (converting JSON strings to Python objects) data.</a:t>
             </a:r>
           </a:p>
           <a:p>
             <a:pPr fontAlgn="t"/>
-            <a:endParaRPr lang="en-US" sz="2600" dirty="0"/>
+            <a:endParaRPr lang="en-US" sz="2600" dirty="0">
+              <a:latin typeface="Lexend Light"/>
+            </a:endParaRPr>
           </a:p>
           <a:p>
             <a:pPr fontAlgn="t"/>
             <a:r>
-              <a:rPr lang="en-US" sz="2600" dirty="0"/>
+              <a:rPr lang="en-US" sz="2600" dirty="0">
+                <a:latin typeface="Lexend Light"/>
+              </a:rPr>
               <a:t>Let's start with an example of encoding a Python object to JSON. Consider a dictionary representing a person's information:</a:t>
             </a:r>
-            <a:endParaRPr lang="he-IL" dirty="0"/>
+            <a:endParaRPr lang="he-IL" dirty="0">
+              <a:latin typeface="Lexend Light"/>
+            </a:endParaRPr>
           </a:p>
         </p:txBody>
       </p:sp>
@@ -8025,7 +8417,7 @@
         </p:blipFill>
         <p:spPr bwMode="auto">
           <a:xfrm>
-            <a:off x="2352582" y="336588"/>
+            <a:off x="10227075" y="365125"/>
             <a:ext cx="1252383" cy="1252383"/>
           </a:xfrm>
           <a:prstGeom prst="rect">
@@ -8089,10 +8481,14 @@
           <a:lstStyle/>
           <a:p>
             <a:r>
-              <a:rPr lang="en-US" dirty="0"/>
+              <a:rPr lang="en-US" dirty="0">
+                <a:latin typeface="Lexend Light"/>
+              </a:rPr>
               <a:t>JSON Examples</a:t>
             </a:r>
-            <a:endParaRPr lang="he-IL" dirty="0"/>
+            <a:endParaRPr lang="he-IL" dirty="0">
+              <a:latin typeface="Lexend Light"/>
+            </a:endParaRPr>
           </a:p>
         </p:txBody>
       </p:sp>
@@ -8148,10 +8544,20 @@
           <a:lstStyle/>
           <a:p>
             <a:r>
-              <a:rPr lang="en-US" dirty="0"/>
+              <a:rPr lang="en-US" b="1" dirty="0">
+                <a:solidFill>
+                  <a:srgbClr val="0071F6"/>
+                </a:solidFill>
+                <a:latin typeface="Lexend" panose="020B0604020202020204"/>
+              </a:rPr>
               <a:t>JSON Examples</a:t>
             </a:r>
-            <a:endParaRPr lang="he-IL" dirty="0"/>
+            <a:endParaRPr lang="he-IL" b="1" dirty="0">
+              <a:solidFill>
+                <a:srgbClr val="0071F6"/>
+              </a:solidFill>
+              <a:latin typeface="Lexend" panose="020B0604020202020204"/>
+            </a:endParaRPr>
           </a:p>
         </p:txBody>
       </p:sp>
@@ -8743,15 +9149,21 @@
           <a:lstStyle/>
           <a:p>
             <a:r>
-              <a:rPr lang="en-US" dirty="0"/>
+              <a:rPr lang="en-US" dirty="0">
+                <a:latin typeface="Lexend Light"/>
+              </a:rPr>
               <a:t>In the example above, we use the dumps() function from the json module to convert the person dictionary into a JSON string. The </a:t>
             </a:r>
             <a:r>
-              <a:rPr lang="en-US" dirty="0" err="1"/>
+              <a:rPr lang="en-US" dirty="0" err="1">
+                <a:latin typeface="Lexend Light"/>
+              </a:rPr>
               <a:t>json_data</a:t>
             </a:r>
             <a:r>
-              <a:rPr lang="en-US" dirty="0"/>
+              <a:rPr lang="en-US" dirty="0">
+                <a:latin typeface="Lexend Light"/>
+              </a:rPr>
               <a:t> variable stores the resulting JSON string. Notice that the keys and string values are enclosed in double quotes, as per the JSON syntax.</a:t>
             </a:r>
           </a:p>
@@ -8809,10 +9221,20 @@
           <a:lstStyle/>
           <a:p>
             <a:r>
-              <a:rPr lang="en-US" dirty="0"/>
+              <a:rPr lang="en-US" b="1" dirty="0">
+                <a:solidFill>
+                  <a:srgbClr val="0071F6"/>
+                </a:solidFill>
+                <a:latin typeface="Lexend" panose="020B0604020202020204"/>
+              </a:rPr>
               <a:t>JSON Examples</a:t>
             </a:r>
-            <a:endParaRPr lang="he-IL" dirty="0"/>
+            <a:endParaRPr lang="he-IL" b="1" dirty="0">
+              <a:solidFill>
+                <a:srgbClr val="0071F6"/>
+              </a:solidFill>
+              <a:latin typeface="Lexend" panose="020B0604020202020204"/>
+            </a:endParaRPr>
           </a:p>
         </p:txBody>
       </p:sp>
@@ -8845,15 +9267,21 @@
           <a:lstStyle/>
           <a:p>
             <a:r>
-              <a:rPr lang="en-US" dirty="0"/>
+              <a:rPr lang="en-US" dirty="0">
+                <a:latin typeface="Lexend Light"/>
+              </a:rPr>
               <a:t>In this example, we use the loads() function from the json module to convert the JSON string </a:t>
             </a:r>
             <a:r>
-              <a:rPr lang="en-US" dirty="0" err="1"/>
+              <a:rPr lang="en-US" dirty="0" err="1">
+                <a:latin typeface="Lexend Light"/>
+              </a:rPr>
               <a:t>json_data</a:t>
             </a:r>
             <a:r>
-              <a:rPr lang="en-US" dirty="0"/>
+              <a:rPr lang="en-US" dirty="0">
+                <a:latin typeface="Lexend Light"/>
+              </a:rPr>
               <a:t> into a Python dictionary. We can then access the values in the dictionary using the corresponding keys.</a:t>
             </a:r>
           </a:p>
@@ -9345,7 +9773,9 @@
           <a:lstStyle/>
           <a:p>
             <a:r>
-              <a:rPr lang="en-US" dirty="0"/>
+              <a:rPr lang="en-US" dirty="0">
+                <a:latin typeface="Lexend Light"/>
+              </a:rPr>
               <a:t>JSON is commonly used for exchanging data between a client and a server or for storing configuration settings. It is a versatile and widely supported format for data serialization.</a:t>
             </a:r>
           </a:p>
@@ -9403,10 +9833,20 @@
           <a:lstStyle/>
           <a:p>
             <a:r>
-              <a:rPr lang="en-US" dirty="0"/>
+              <a:rPr lang="en-US" b="1" dirty="0">
+                <a:solidFill>
+                  <a:srgbClr val="0071F6"/>
+                </a:solidFill>
+                <a:latin typeface="Lexend" panose="020B0604020202020204"/>
+              </a:rPr>
               <a:t>JSON string to Python object</a:t>
             </a:r>
-            <a:endParaRPr lang="he-IL" dirty="0"/>
+            <a:endParaRPr lang="he-IL" b="1" dirty="0">
+              <a:solidFill>
+                <a:srgbClr val="0071F6"/>
+              </a:solidFill>
+              <a:latin typeface="Lexend" panose="020B0604020202020204"/>
+            </a:endParaRPr>
           </a:p>
         </p:txBody>
       </p:sp>
@@ -9440,18 +9880,26 @@
           <a:p>
             <a:pPr fontAlgn="t"/>
             <a:r>
-              <a:rPr lang="en-US" sz="2000" dirty="0"/>
+              <a:rPr lang="en-US" sz="2000" dirty="0">
+                <a:latin typeface="Lexend Light"/>
+              </a:rPr>
               <a:t>You can use the </a:t>
             </a:r>
             <a:r>
-              <a:rPr lang="en-US" sz="2000" dirty="0" err="1"/>
+              <a:rPr lang="en-US" sz="2000" dirty="0" err="1">
+                <a:latin typeface="Lexend Light"/>
+              </a:rPr>
               <a:t>json.loads</a:t>
             </a:r>
             <a:r>
-              <a:rPr lang="en-US" sz="2000" dirty="0"/>
+              <a:rPr lang="en-US" sz="2000" dirty="0">
+                <a:latin typeface="Lexend Light"/>
+              </a:rPr>
               <a:t> method to easily convert this JSON string to a Python object:</a:t>
             </a:r>
-            <a:endParaRPr lang="he-IL" sz="2000" dirty="0"/>
+            <a:endParaRPr lang="he-IL" sz="2000" dirty="0">
+              <a:latin typeface="Lexend Light"/>
+            </a:endParaRPr>
           </a:p>
         </p:txBody>
       </p:sp>
@@ -10167,7 +10615,9 @@
           <a:lstStyle/>
           <a:p>
             <a:r>
-              <a:rPr lang="en-US" dirty="0"/>
+              <a:rPr lang="en-US" dirty="0">
+                <a:latin typeface="Lexend Light"/>
+              </a:rPr>
               <a:t>Now you can access any key/value the same way as you would in a Python dictionary. This is the conversion table used by Python while decoding JSON to a Python object:</a:t>
             </a:r>
           </a:p>
@@ -10272,10 +10722,20 @@
           <a:lstStyle/>
           <a:p>
             <a:r>
-              <a:rPr lang="en-US" dirty="0"/>
+              <a:rPr lang="en-US" b="1" dirty="0">
+                <a:solidFill>
+                  <a:srgbClr val="0071F6"/>
+                </a:solidFill>
+                <a:latin typeface="Lexend" panose="020B0604020202020204"/>
+              </a:rPr>
               <a:t>Python object to JSON string</a:t>
             </a:r>
-            <a:endParaRPr lang="he-IL" dirty="0"/>
+            <a:endParaRPr lang="he-IL" b="1" dirty="0">
+              <a:solidFill>
+                <a:srgbClr val="0071F6"/>
+              </a:solidFill>
+              <a:latin typeface="Lexend" panose="020B0604020202020204"/>
+            </a:endParaRPr>
           </a:p>
         </p:txBody>
       </p:sp>
@@ -10311,27 +10771,39 @@
               <a:buNone/>
             </a:pPr>
             <a:r>
-              <a:rPr lang="en-US" sz="1800" dirty="0"/>
+              <a:rPr lang="en-US" sz="1800" dirty="0">
+                <a:latin typeface="Lexend Light"/>
+              </a:rPr>
               <a:t>Just like how the json package provides </a:t>
             </a:r>
             <a:r>
-              <a:rPr lang="en-US" sz="1800" b="1" dirty="0" err="1"/>
+              <a:rPr lang="en-US" sz="1800" b="1" dirty="0" err="1">
+                <a:latin typeface="Lexend Light"/>
+              </a:rPr>
               <a:t>json.load</a:t>
             </a:r>
             <a:r>
-              <a:rPr lang="en-US" sz="1800" b="1" dirty="0"/>
+              <a:rPr lang="en-US" sz="1800" b="1" dirty="0">
+                <a:latin typeface="Lexend Light"/>
+              </a:rPr>
               <a:t> </a:t>
             </a:r>
             <a:r>
-              <a:rPr lang="en-US" sz="1800" dirty="0"/>
+              <a:rPr lang="en-US" sz="1800" dirty="0">
+                <a:latin typeface="Lexend Light"/>
+              </a:rPr>
               <a:t>and </a:t>
             </a:r>
             <a:r>
-              <a:rPr lang="en-US" sz="1800" b="1" dirty="0" err="1"/>
+              <a:rPr lang="en-US" sz="1800" b="1" dirty="0" err="1">
+                <a:latin typeface="Lexend Light"/>
+              </a:rPr>
               <a:t>json.loads</a:t>
             </a:r>
             <a:r>
-              <a:rPr lang="en-US" sz="1800" dirty="0"/>
+              <a:rPr lang="en-US" sz="1800" dirty="0">
+                <a:latin typeface="Lexend Light"/>
+              </a:rPr>
               <a:t>, it provides similar methods to "dump" a Python object to a string or a file. In this section, you will learn what these methods are and how to use them.</a:t>
             </a:r>
           </a:p>
@@ -10340,18 +10812,26 @@
               <a:buNone/>
             </a:pPr>
             <a:r>
-              <a:rPr lang="en-US" sz="1800" dirty="0"/>
+              <a:rPr lang="en-US" sz="1800" dirty="0">
+                <a:latin typeface="Lexend Light"/>
+              </a:rPr>
               <a:t>The json package contains the </a:t>
             </a:r>
             <a:r>
-              <a:rPr lang="en-US" sz="1800" b="1" dirty="0" err="1"/>
+              <a:rPr lang="en-US" sz="1800" b="1" dirty="0" err="1">
+                <a:latin typeface="Lexend Light"/>
+              </a:rPr>
               <a:t>json.dumps</a:t>
             </a:r>
             <a:r>
-              <a:rPr lang="en-US" sz="1800" dirty="0"/>
+              <a:rPr lang="en-US" sz="1800" dirty="0">
+                <a:latin typeface="Lexend Light"/>
+              </a:rPr>
               <a:t> method to convert a Python object to a JSON string. This is how it works:</a:t>
             </a:r>
-            <a:endParaRPr lang="he-IL" sz="1800" dirty="0"/>
+            <a:endParaRPr lang="he-IL" sz="1800" dirty="0">
+              <a:latin typeface="Lexend Light"/>
+            </a:endParaRPr>
           </a:p>
         </p:txBody>
       </p:sp>
@@ -11390,7 +11870,7 @@
         </p:blipFill>
         <p:spPr bwMode="auto">
           <a:xfrm>
-            <a:off x="6674483" y="3313887"/>
+            <a:off x="5880156" y="3429000"/>
             <a:ext cx="4679317" cy="3033988"/>
           </a:xfrm>
           <a:prstGeom prst="rect">
@@ -11454,10 +11934,14 @@
           <a:lstStyle/>
           <a:p>
             <a:r>
-              <a:rPr lang="en-US" dirty="0"/>
+              <a:rPr lang="en-US" b="1" dirty="0">
+                <a:latin typeface="Lexend Light"/>
+              </a:rPr>
               <a:t>Labs 04</a:t>
             </a:r>
-            <a:endParaRPr lang="he-IL" dirty="0"/>
+            <a:endParaRPr lang="he-IL" b="1" dirty="0">
+              <a:latin typeface="Lexend Light"/>
+            </a:endParaRPr>
           </a:p>
         </p:txBody>
       </p:sp>
@@ -11544,7 +12028,9 @@
               </a:lnSpc>
             </a:pPr>
             <a:r>
-              <a:rPr lang="en-US" dirty="0"/>
+              <a:rPr lang="en-US" dirty="0">
+                <a:latin typeface="Lexend Light"/>
+              </a:rPr>
               <a:t>Open File</a:t>
             </a:r>
           </a:p>
@@ -11555,7 +12041,9 @@
               </a:lnSpc>
             </a:pPr>
             <a:r>
-              <a:rPr lang="en-US" dirty="0"/>
+              <a:rPr lang="en-US" dirty="0">
+                <a:latin typeface="Lexend Light"/>
+              </a:rPr>
               <a:t>Reading file data</a:t>
             </a:r>
           </a:p>
@@ -11566,7 +12054,9 @@
               </a:lnSpc>
             </a:pPr>
             <a:r>
-              <a:rPr lang="en-US" dirty="0"/>
+              <a:rPr lang="en-US" dirty="0">
+                <a:latin typeface="Lexend Light"/>
+              </a:rPr>
               <a:t>Writing to file</a:t>
             </a:r>
           </a:p>
@@ -11577,7 +12067,9 @@
               </a:lnSpc>
             </a:pPr>
             <a:r>
-              <a:rPr lang="en-US" dirty="0"/>
+              <a:rPr lang="en-US" dirty="0">
+                <a:latin typeface="Lexend Light"/>
+              </a:rPr>
               <a:t>File Position</a:t>
             </a:r>
           </a:p>
@@ -11588,7 +12080,9 @@
               </a:lnSpc>
             </a:pPr>
             <a:r>
-              <a:rPr lang="en-US" dirty="0"/>
+              <a:rPr lang="en-US" dirty="0">
+                <a:latin typeface="Lexend Light"/>
+              </a:rPr>
               <a:t>File Attributes</a:t>
             </a:r>
           </a:p>
@@ -11599,7 +12093,9 @@
               </a:lnSpc>
             </a:pPr>
             <a:r>
-              <a:rPr lang="en-US" dirty="0"/>
+              <a:rPr lang="en-US" dirty="0">
+                <a:latin typeface="Lexend Light"/>
+              </a:rPr>
               <a:t>JSON</a:t>
             </a:r>
           </a:p>
@@ -11621,10 +12117,20 @@
           <a:lstStyle/>
           <a:p>
             <a:r>
-              <a:rPr lang="en-US" dirty="0"/>
+              <a:rPr lang="en-US" b="1" dirty="0">
+                <a:solidFill>
+                  <a:srgbClr val="0071F6"/>
+                </a:solidFill>
+                <a:latin typeface="Lexend" panose="020B0604020202020204"/>
+              </a:rPr>
               <a:t>Agenda</a:t>
             </a:r>
-            <a:endParaRPr lang="he-IL" dirty="0"/>
+            <a:endParaRPr lang="he-IL" b="1" dirty="0">
+              <a:solidFill>
+                <a:srgbClr val="0071F6"/>
+              </a:solidFill>
+              <a:latin typeface="Lexend" panose="020B0604020202020204"/>
+            </a:endParaRPr>
           </a:p>
         </p:txBody>
       </p:sp>
@@ -11674,10 +12180,20 @@
           <a:lstStyle/>
           <a:p>
             <a:r>
-              <a:rPr lang="en-US" dirty="0"/>
+              <a:rPr lang="en-US" b="1" dirty="0">
+                <a:solidFill>
+                  <a:srgbClr val="0071F6"/>
+                </a:solidFill>
+                <a:latin typeface="Lexend" panose="020B0604020202020204"/>
+              </a:rPr>
               <a:t>Open Files</a:t>
             </a:r>
-            <a:endParaRPr lang="he-IL" dirty="0"/>
+            <a:endParaRPr lang="he-IL" b="1" dirty="0">
+              <a:solidFill>
+                <a:srgbClr val="0071F6"/>
+              </a:solidFill>
+              <a:latin typeface="Lexend" panose="020B0604020202020204"/>
+            </a:endParaRPr>
           </a:p>
         </p:txBody>
       </p:sp>
@@ -11702,19 +12218,27 @@
               </a:lnSpc>
             </a:pPr>
             <a:r>
-              <a:rPr lang="en-US" sz="2200" b="1" dirty="0" err="1"/>
+              <a:rPr lang="en-US" sz="2200" b="1" dirty="0" err="1">
+                <a:latin typeface="Lexend Light"/>
+              </a:rPr>
               <a:t>file_object</a:t>
             </a:r>
             <a:r>
-              <a:rPr lang="en-US" sz="2200" b="1" dirty="0"/>
+              <a:rPr lang="en-US" sz="2200" b="1" dirty="0">
+                <a:latin typeface="Lexend Light"/>
+              </a:rPr>
               <a:t> = </a:t>
             </a:r>
             <a:r>
-              <a:rPr lang="en-US" sz="2200" b="1" u="sng" dirty="0"/>
+              <a:rPr lang="en-US" sz="2200" b="1" u="sng" dirty="0">
+                <a:latin typeface="Lexend Light"/>
+              </a:rPr>
               <a:t>open</a:t>
             </a:r>
             <a:r>
-              <a:rPr lang="en-US" sz="2200" b="1" dirty="0"/>
+              <a:rPr lang="en-US" sz="2200" b="1" dirty="0">
+                <a:latin typeface="Lexend Light"/>
+              </a:rPr>
               <a:t>(filename, mode = 'r')</a:t>
             </a:r>
           </a:p>
@@ -11728,66 +12252,90 @@
               </a:spcBef>
             </a:pPr>
             <a:r>
-              <a:rPr lang="en-US" sz="2200" i="1" dirty="0"/>
+              <a:rPr lang="en-US" sz="2200" i="1" dirty="0">
+                <a:latin typeface="Lexend Light"/>
+              </a:rPr>
               <a:t>modes</a:t>
             </a:r>
             <a:r>
-              <a:rPr lang="en-US" sz="2400" dirty="0"/>
+              <a:rPr lang="en-US" sz="2400" dirty="0">
+                <a:latin typeface="Lexend Light"/>
+              </a:rPr>
               <a:t>:</a:t>
             </a:r>
           </a:p>
           <a:p>
             <a:pPr lvl="1"/>
             <a:r>
-              <a:rPr lang="en-US" sz="2000" b="1" dirty="0"/>
+              <a:rPr lang="en-US" sz="2000" b="1" dirty="0">
+                <a:latin typeface="Lexend Light"/>
+              </a:rPr>
               <a:t>'r'</a:t>
             </a:r>
             <a:r>
-              <a:rPr lang="en-US" sz="2000" dirty="0"/>
+              <a:rPr lang="en-US" sz="2000" dirty="0">
+                <a:latin typeface="Lexend Light"/>
+              </a:rPr>
               <a:t> - Opens a file for reading only. The file pointer is placed at the beginning of the file. This is the default mode.</a:t>
             </a:r>
           </a:p>
           <a:p>
             <a:pPr lvl="1"/>
             <a:r>
-              <a:rPr lang="en-US" sz="2000" b="1" dirty="0"/>
+              <a:rPr lang="en-US" sz="2000" b="1" dirty="0">
+                <a:latin typeface="Lexend Light"/>
+              </a:rPr>
               <a:t>'w'</a:t>
             </a:r>
             <a:r>
-              <a:rPr lang="en-US" sz="2000" dirty="0"/>
+              <a:rPr lang="en-US" sz="2000" dirty="0">
+                <a:latin typeface="Lexend Light"/>
+              </a:rPr>
               <a:t> - Opens a file for writing. If file already exists it will be truncated, if not it will be created.</a:t>
             </a:r>
           </a:p>
           <a:p>
             <a:pPr lvl="1"/>
             <a:r>
-              <a:rPr lang="en-US" sz="2000" b="1" dirty="0"/>
+              <a:rPr lang="en-US" sz="2000" b="1" dirty="0">
+                <a:latin typeface="Lexend Light"/>
+              </a:rPr>
               <a:t>'a'</a:t>
             </a:r>
             <a:r>
-              <a:rPr lang="en-US" sz="2000" dirty="0"/>
+              <a:rPr lang="en-US" sz="2000" dirty="0">
+                <a:latin typeface="Lexend Light"/>
+              </a:rPr>
               <a:t> - Opens a file for appending. The file pointer is at the end of the file if the file exists. If the file does not exist, it creates a new file for writing.</a:t>
             </a:r>
           </a:p>
           <a:p>
             <a:pPr lvl="1"/>
             <a:r>
-              <a:rPr lang="en-US" sz="2000" b="1" dirty="0"/>
+              <a:rPr lang="en-US" sz="2000" b="1" dirty="0">
+                <a:latin typeface="Lexend Light"/>
+              </a:rPr>
               <a:t>'r+' </a:t>
             </a:r>
             <a:r>
-              <a:rPr lang="en-US" sz="2000" dirty="0"/>
+              <a:rPr lang="en-US" sz="2000" dirty="0">
+                <a:latin typeface="Lexend Light"/>
+              </a:rPr>
               <a:t>- Opens a file for both reading and writing. The file pointer will be at the beginning of the file</a:t>
             </a:r>
           </a:p>
           <a:p>
             <a:pPr lvl="1"/>
             <a:r>
-              <a:rPr lang="en-US" sz="2000" b="1" dirty="0"/>
+              <a:rPr lang="en-US" sz="2000" b="1" dirty="0">
+                <a:latin typeface="Lexend Light"/>
+              </a:rPr>
               <a:t>'w+'</a:t>
             </a:r>
             <a:r>
-              <a:rPr lang="en-US" sz="2000" dirty="0"/>
+              <a:rPr lang="en-US" sz="2000" dirty="0">
+                <a:latin typeface="Lexend Light"/>
+              </a:rPr>
               <a:t> - Opens a file for both writing and reading. If file already exists it will be truncated, if not it will be created.</a:t>
             </a:r>
           </a:p>
@@ -11839,10 +12387,20 @@
           <a:lstStyle/>
           <a:p>
             <a:r>
-              <a:rPr lang="en-US" dirty="0"/>
+              <a:rPr lang="en-US" b="1" dirty="0">
+                <a:solidFill>
+                  <a:srgbClr val="0071F6"/>
+                </a:solidFill>
+                <a:latin typeface="Lexend" panose="020B0604020202020204"/>
+              </a:rPr>
               <a:t>Close Files</a:t>
             </a:r>
-            <a:endParaRPr lang="he-IL" dirty="0"/>
+            <a:endParaRPr lang="he-IL" b="1" dirty="0">
+              <a:solidFill>
+                <a:srgbClr val="0071F6"/>
+              </a:solidFill>
+              <a:latin typeface="Lexend" panose="020B0604020202020204"/>
+            </a:endParaRPr>
           </a:p>
         </p:txBody>
       </p:sp>
@@ -11879,22 +12437,32 @@
               <a:buChar char="•"/>
             </a:pPr>
             <a:r>
-              <a:rPr lang="en-US" b="1" i="1" dirty="0" err="1"/>
+              <a:rPr lang="en-US" b="1" i="1" dirty="0" err="1">
+                <a:latin typeface="Lexend Light"/>
+              </a:rPr>
               <a:t>file_object</a:t>
             </a:r>
             <a:r>
-              <a:rPr lang="en-US" b="1" u="sng" dirty="0" err="1"/>
+              <a:rPr lang="en-US" b="1" u="sng" dirty="0" err="1">
+                <a:latin typeface="Lexend Light"/>
+              </a:rPr>
               <a:t>.close</a:t>
             </a:r>
             <a:r>
-              <a:rPr lang="en-US" b="1" dirty="0"/>
+              <a:rPr lang="en-US" b="1" dirty="0">
+                <a:latin typeface="Lexend Light"/>
+              </a:rPr>
               <a:t>()</a:t>
             </a:r>
             <a:r>
-              <a:rPr lang="en-US" dirty="0"/>
+              <a:rPr lang="en-US" dirty="0">
+                <a:latin typeface="Lexend Light"/>
+              </a:rPr>
               <a:t>  - to close it and free up any system resources taken up by the file</a:t>
             </a:r>
-            <a:endParaRPr lang="en-US" b="1" dirty="0"/>
+            <a:endParaRPr lang="en-US" b="1" dirty="0">
+              <a:latin typeface="Lexend Light"/>
+            </a:endParaRPr>
           </a:p>
           <a:p>
             <a:pPr marL="285750" indent="-285750">
@@ -11902,19 +12470,27 @@
               <a:buChar char="•"/>
             </a:pPr>
             <a:r>
-              <a:rPr lang="en-US" b="1" i="1" dirty="0" err="1"/>
+              <a:rPr lang="en-US" b="1" i="1" dirty="0" err="1">
+                <a:latin typeface="Lexend Light"/>
+              </a:rPr>
               <a:t>file_object</a:t>
             </a:r>
             <a:r>
-              <a:rPr lang="en-US" b="1" u="sng" dirty="0" err="1"/>
+              <a:rPr lang="en-US" b="1" u="sng" dirty="0" err="1">
+                <a:latin typeface="Lexend Light"/>
+              </a:rPr>
               <a:t>.closed</a:t>
             </a:r>
             <a:r>
-              <a:rPr lang="en-US" b="1" dirty="0"/>
+              <a:rPr lang="en-US" b="1" dirty="0">
+                <a:latin typeface="Lexend Light"/>
+              </a:rPr>
               <a:t> </a:t>
             </a:r>
             <a:r>
-              <a:rPr lang="en-US" dirty="0"/>
+              <a:rPr lang="en-US" dirty="0">
+                <a:latin typeface="Lexend Light"/>
+              </a:rPr>
               <a:t>– returns whether the file is already closed (True/False)</a:t>
             </a:r>
           </a:p>
@@ -11923,7 +12499,9 @@
               <a:buFont typeface="Arial" panose="020B0604020202020204" pitchFamily="34" charset="0"/>
               <a:buChar char="•"/>
             </a:pPr>
-            <a:endParaRPr lang="en-US" dirty="0"/>
+            <a:endParaRPr lang="en-US" dirty="0">
+              <a:latin typeface="Lexend Light"/>
+            </a:endParaRPr>
           </a:p>
           <a:p>
             <a:pPr marL="285750" indent="-285750">
@@ -11931,15 +12509,21 @@
               <a:buChar char="•"/>
             </a:pPr>
             <a:r>
-              <a:rPr lang="en-US" dirty="0"/>
+              <a:rPr lang="en-US" dirty="0">
+                <a:latin typeface="Lexend Light"/>
+              </a:rPr>
               <a:t>It is good practice to use the </a:t>
             </a:r>
             <a:r>
-              <a:rPr lang="en-US" b="1" dirty="0"/>
+              <a:rPr lang="en-US" b="1" dirty="0">
+                <a:latin typeface="Lexend Light"/>
+              </a:rPr>
               <a:t>with</a:t>
             </a:r>
             <a:r>
-              <a:rPr lang="en-US" dirty="0"/>
+              <a:rPr lang="en-US" dirty="0">
+                <a:latin typeface="Lexend Light"/>
+              </a:rPr>
               <a:t> keyword when dealing with file objects (context manger)</a:t>
             </a:r>
           </a:p>
@@ -11949,7 +12533,9 @@
               <a:buChar char="•"/>
             </a:pPr>
             <a:r>
-              <a:rPr lang="en-US" dirty="0"/>
+              <a:rPr lang="en-US" dirty="0">
+                <a:latin typeface="Lexend Light"/>
+              </a:rPr>
               <a:t>This has the advantage that the file is properly closed after its suite finishes, even if an exception is raised on the way. </a:t>
             </a:r>
           </a:p>
@@ -11959,7 +12545,9 @@
               <a:buChar char="•"/>
             </a:pPr>
             <a:r>
-              <a:rPr lang="en-US" dirty="0"/>
+              <a:rPr lang="en-US" dirty="0">
+                <a:latin typeface="Lexend Light"/>
+              </a:rPr>
               <a:t>It is also much shorter than writing equivalent try-finally blocks</a:t>
             </a:r>
           </a:p>
@@ -11968,7 +12556,9 @@
               <a:buFont typeface="Arial" panose="020B0604020202020204" pitchFamily="34" charset="0"/>
               <a:buChar char="•"/>
             </a:pPr>
-            <a:endParaRPr lang="en-US" dirty="0"/>
+            <a:endParaRPr lang="en-US" dirty="0">
+              <a:latin typeface="Lexend Light"/>
+            </a:endParaRPr>
           </a:p>
           <a:p>
             <a:pPr marL="285750" indent="-285750">
@@ -11976,41 +12566,59 @@
               <a:buChar char="•"/>
             </a:pPr>
             <a:r>
-              <a:rPr lang="en-US" b="1" dirty="0"/>
+              <a:rPr lang="en-US" b="1" dirty="0">
+                <a:latin typeface="Lexend Light"/>
+              </a:rPr>
               <a:t>with</a:t>
             </a:r>
             <a:r>
-              <a:rPr lang="en-US" dirty="0"/>
+              <a:rPr lang="en-US" dirty="0">
+                <a:latin typeface="Lexend Light"/>
+              </a:rPr>
               <a:t> </a:t>
             </a:r>
             <a:r>
-              <a:rPr lang="en-US" b="1" dirty="0"/>
+              <a:rPr lang="en-US" b="1" dirty="0">
+                <a:latin typeface="Lexend Light"/>
+              </a:rPr>
               <a:t>open</a:t>
             </a:r>
             <a:r>
-              <a:rPr lang="en-US" dirty="0"/>
+              <a:rPr lang="en-US" dirty="0">
+                <a:latin typeface="Lexend Light"/>
+              </a:rPr>
               <a:t>('output.txt', 'w') </a:t>
             </a:r>
             <a:r>
-              <a:rPr lang="en-US" b="1" dirty="0"/>
+              <a:rPr lang="en-US" b="1" dirty="0">
+                <a:latin typeface="Lexend Light"/>
+              </a:rPr>
               <a:t>as</a:t>
             </a:r>
             <a:r>
-              <a:rPr lang="en-US" dirty="0"/>
+              <a:rPr lang="en-US" dirty="0">
+                <a:latin typeface="Lexend Light"/>
+              </a:rPr>
               <a:t> f: </a:t>
             </a:r>
           </a:p>
           <a:p>
             <a:r>
-              <a:rPr lang="en-US" dirty="0"/>
+              <a:rPr lang="en-US" dirty="0">
+                <a:latin typeface="Lexend Light"/>
+              </a:rPr>
               <a:t>	</a:t>
             </a:r>
             <a:r>
-              <a:rPr lang="en-US" dirty="0" err="1"/>
+              <a:rPr lang="en-US" dirty="0" err="1">
+                <a:latin typeface="Lexend Light"/>
+              </a:rPr>
               <a:t>f.write</a:t>
             </a:r>
             <a:r>
-              <a:rPr lang="en-US" dirty="0"/>
+              <a:rPr lang="en-US" dirty="0">
+                <a:latin typeface="Lexend Light"/>
+              </a:rPr>
               <a:t>('Hi there!')</a:t>
             </a:r>
           </a:p>
@@ -12073,15 +12681,21 @@
               <a:buChar char="•"/>
             </a:pPr>
             <a:r>
-              <a:rPr lang="en-US" sz="2400" i="1" dirty="0" err="1"/>
+              <a:rPr lang="en-US" sz="2400" i="1" dirty="0" err="1">
+                <a:latin typeface="Lexend Light"/>
+              </a:rPr>
               <a:t>file_object</a:t>
             </a:r>
             <a:r>
-              <a:rPr lang="en-US" sz="2400" b="1" dirty="0" err="1"/>
+              <a:rPr lang="en-US" sz="2400" b="1" dirty="0" err="1">
+                <a:latin typeface="Lexend Light"/>
+              </a:rPr>
               <a:t>.readline</a:t>
             </a:r>
             <a:r>
-              <a:rPr lang="en-US" sz="2400" b="1" dirty="0"/>
+              <a:rPr lang="en-US" sz="2400" b="1" dirty="0">
+                <a:latin typeface="Lexend Light"/>
+              </a:rPr>
               <a:t>()</a:t>
             </a:r>
           </a:p>
@@ -12091,7 +12705,9 @@
               <a:buChar char="•"/>
             </a:pPr>
             <a:r>
-              <a:rPr lang="en-US" dirty="0"/>
+              <a:rPr lang="en-US" dirty="0">
+                <a:latin typeface="Lexend Light"/>
+              </a:rPr>
               <a:t> reads a single line from the file a newline character (\n) is left at the end of the string</a:t>
             </a:r>
           </a:p>
@@ -12101,15 +12717,21 @@
               <a:buChar char="•"/>
             </a:pPr>
             <a:r>
-              <a:rPr lang="en-US" dirty="0"/>
+              <a:rPr lang="en-US" dirty="0">
+                <a:latin typeface="Lexend Light"/>
+              </a:rPr>
               <a:t>if </a:t>
             </a:r>
             <a:r>
-              <a:rPr lang="en-US" dirty="0" err="1"/>
+              <a:rPr lang="en-US" dirty="0" err="1">
+                <a:latin typeface="Lexend Light"/>
+              </a:rPr>
               <a:t>f.readline</a:t>
             </a:r>
             <a:r>
-              <a:rPr lang="en-US" dirty="0"/>
+              <a:rPr lang="en-US" dirty="0">
+                <a:latin typeface="Lexend Light"/>
+              </a:rPr>
               <a:t>() returns an empty string, the end of the file has been reached</a:t>
             </a:r>
           </a:p>
@@ -12118,7 +12740,9 @@
               <a:buFont typeface="Arial" panose="020B0604020202020204" pitchFamily="34" charset="0"/>
               <a:buChar char="•"/>
             </a:pPr>
-            <a:endParaRPr lang="en-US" dirty="0"/>
+            <a:endParaRPr lang="en-US" dirty="0">
+              <a:latin typeface="Lexend Light"/>
+            </a:endParaRPr>
           </a:p>
           <a:p>
             <a:pPr>
@@ -12126,19 +12750,27 @@
               <a:buChar char="•"/>
             </a:pPr>
             <a:r>
-              <a:rPr lang="en-US" sz="2400" i="1" dirty="0" err="1"/>
+              <a:rPr lang="en-US" sz="2400" i="1" dirty="0" err="1">
+                <a:latin typeface="Lexend Light"/>
+              </a:rPr>
               <a:t>file_object</a:t>
             </a:r>
             <a:r>
-              <a:rPr lang="en-US" sz="2400" b="1" dirty="0" err="1"/>
+              <a:rPr lang="en-US" sz="2400" b="1" dirty="0" err="1">
+                <a:latin typeface="Lexend Light"/>
+              </a:rPr>
               <a:t>.readlines</a:t>
             </a:r>
             <a:r>
-              <a:rPr lang="en-US" sz="2400" b="1" dirty="0"/>
+              <a:rPr lang="en-US" sz="2400" b="1" dirty="0">
+                <a:latin typeface="Lexend Light"/>
+              </a:rPr>
               <a:t>( ) </a:t>
             </a:r>
             <a:r>
-              <a:rPr lang="en-US" sz="2400" dirty="0"/>
+              <a:rPr lang="en-US" sz="2400" dirty="0">
+                <a:latin typeface="Lexend Light"/>
+              </a:rPr>
               <a:t>– return a list containing the file content lines </a:t>
             </a:r>
           </a:p>
@@ -12147,7 +12779,9 @@
               <a:buNone/>
             </a:pPr>
             <a:r>
-              <a:rPr lang="en-US" sz="2400" dirty="0"/>
+              <a:rPr lang="en-US" sz="2400" dirty="0">
+                <a:latin typeface="Lexend Light"/>
+              </a:rPr>
               <a:t>	file = open('somefile.txt', 'r’) </a:t>
             </a:r>
           </a:p>
@@ -12156,15 +12790,21 @@
               <a:buNone/>
             </a:pPr>
             <a:r>
-              <a:rPr lang="en-US" sz="2400" dirty="0"/>
+              <a:rPr lang="en-US" sz="2400" dirty="0">
+                <a:latin typeface="Lexend Light"/>
+              </a:rPr>
               <a:t>	print (</a:t>
             </a:r>
             <a:r>
-              <a:rPr lang="en-US" sz="2400" dirty="0" err="1"/>
+              <a:rPr lang="en-US" sz="2400" dirty="0" err="1">
+                <a:latin typeface="Lexend Light"/>
+              </a:rPr>
               <a:t>file.readlines</a:t>
             </a:r>
             <a:r>
-              <a:rPr lang="en-US" sz="2400" dirty="0"/>
+              <a:rPr lang="en-US" sz="2400" dirty="0">
+                <a:latin typeface="Lexend Light"/>
+              </a:rPr>
               <a:t>()) 	#['first line\n', 'second line\n']</a:t>
             </a:r>
           </a:p>
@@ -12186,10 +12826,20 @@
           <a:lstStyle/>
           <a:p>
             <a:r>
-              <a:rPr lang="en-US" dirty="0"/>
+              <a:rPr lang="en-US" b="1" dirty="0">
+                <a:solidFill>
+                  <a:srgbClr val="0071F6"/>
+                </a:solidFill>
+                <a:latin typeface="Lexend" panose="020B0604020202020204"/>
+              </a:rPr>
               <a:t>Reading data</a:t>
             </a:r>
-            <a:endParaRPr lang="he-IL" dirty="0"/>
+            <a:endParaRPr lang="he-IL" b="1" dirty="0">
+              <a:solidFill>
+                <a:srgbClr val="0071F6"/>
+              </a:solidFill>
+              <a:latin typeface="Lexend" panose="020B0604020202020204"/>
+            </a:endParaRPr>
           </a:p>
         </p:txBody>
       </p:sp>
@@ -12248,15 +12898,21 @@
               <a:buChar char="•"/>
             </a:pPr>
             <a:r>
-              <a:rPr lang="en-US" dirty="0"/>
+              <a:rPr lang="en-US" dirty="0">
+                <a:latin typeface="Lexend Light"/>
+              </a:rPr>
               <a:t>It is possible to read file data with </a:t>
             </a:r>
             <a:r>
-              <a:rPr lang="en-US" b="1" dirty="0"/>
+              <a:rPr lang="en-US" b="1" dirty="0">
+                <a:latin typeface="Lexend Light"/>
+              </a:rPr>
               <a:t>read</a:t>
             </a:r>
             <a:r>
-              <a:rPr lang="en-US" dirty="0"/>
+              <a:rPr lang="en-US" dirty="0">
+                <a:latin typeface="Lexend Light"/>
+              </a:rPr>
               <a:t> function</a:t>
             </a:r>
           </a:p>
@@ -12266,15 +12922,21 @@
               <a:buChar char="•"/>
             </a:pPr>
             <a:r>
-              <a:rPr lang="en-US" i="1" dirty="0" err="1"/>
+              <a:rPr lang="en-US" i="1" dirty="0" err="1">
+                <a:latin typeface="Lexend Light"/>
+              </a:rPr>
               <a:t>file_object</a:t>
             </a:r>
             <a:r>
-              <a:rPr lang="en-US" dirty="0" err="1"/>
+              <a:rPr lang="en-US" dirty="0" err="1">
+                <a:latin typeface="Lexend Light"/>
+              </a:rPr>
               <a:t>.read</a:t>
             </a:r>
             <a:r>
-              <a:rPr lang="en-US" dirty="0"/>
+              <a:rPr lang="en-US" dirty="0">
+                <a:latin typeface="Lexend Light"/>
+              </a:rPr>
               <a:t>(size) - reads some quantity of data and returns it as a string:</a:t>
             </a:r>
           </a:p>
@@ -12284,15 +12946,21 @@
               <a:buChar char="•"/>
             </a:pPr>
             <a:r>
-              <a:rPr lang="en-US" sz="2600" dirty="0"/>
+              <a:rPr lang="en-US" sz="2600" dirty="0">
+                <a:latin typeface="Lexend Light"/>
+              </a:rPr>
               <a:t>s = </a:t>
             </a:r>
             <a:r>
-              <a:rPr lang="en-US" sz="2600" dirty="0" err="1"/>
+              <a:rPr lang="en-US" sz="2600" dirty="0" err="1">
+                <a:latin typeface="Lexend Light"/>
+              </a:rPr>
               <a:t>f.read</a:t>
             </a:r>
             <a:r>
-              <a:rPr lang="en-US" sz="2600" dirty="0"/>
+              <a:rPr lang="en-US" sz="2600" dirty="0">
+                <a:latin typeface="Lexend Light"/>
+              </a:rPr>
               <a:t>(size)</a:t>
             </a:r>
           </a:p>
@@ -12302,19 +12970,27 @@
               <a:buChar char="•"/>
             </a:pPr>
             <a:r>
-              <a:rPr lang="en-US" i="1" dirty="0"/>
+              <a:rPr lang="en-US" i="1" dirty="0">
+                <a:latin typeface="Lexend Light"/>
+              </a:rPr>
               <a:t>size</a:t>
             </a:r>
             <a:r>
-              <a:rPr lang="en-US" dirty="0"/>
+              <a:rPr lang="en-US" dirty="0">
+                <a:latin typeface="Lexend Light"/>
+              </a:rPr>
               <a:t> is an optional numeric argument. When </a:t>
             </a:r>
             <a:r>
-              <a:rPr lang="en-US" i="1" dirty="0"/>
+              <a:rPr lang="en-US" i="1" dirty="0">
+                <a:latin typeface="Lexend Light"/>
+              </a:rPr>
               <a:t>size</a:t>
             </a:r>
             <a:r>
-              <a:rPr lang="en-US" dirty="0"/>
+              <a:rPr lang="en-US" dirty="0">
+                <a:latin typeface="Lexend Light"/>
+              </a:rPr>
               <a:t> is omitted or negative, the entire contents of the file will be read and returned:</a:t>
             </a:r>
           </a:p>
@@ -12324,23 +13000,33 @@
               <a:buChar char="•"/>
             </a:pPr>
             <a:r>
-              <a:rPr lang="en-US" sz="2600" dirty="0" err="1"/>
+              <a:rPr lang="en-US" sz="2600" dirty="0" err="1">
+                <a:latin typeface="Lexend Light"/>
+              </a:rPr>
               <a:t>whole_data</a:t>
             </a:r>
             <a:r>
-              <a:rPr lang="en-US" sz="2600" dirty="0"/>
+              <a:rPr lang="en-US" sz="2600" dirty="0">
+                <a:latin typeface="Lexend Light"/>
+              </a:rPr>
               <a:t> = </a:t>
             </a:r>
             <a:r>
-              <a:rPr lang="en-US" sz="2600" i="1" dirty="0" err="1"/>
+              <a:rPr lang="en-US" sz="2600" i="1" dirty="0" err="1">
+                <a:latin typeface="Lexend Light"/>
+              </a:rPr>
               <a:t>file_object</a:t>
             </a:r>
             <a:r>
-              <a:rPr lang="en-US" sz="2600" dirty="0" err="1"/>
+              <a:rPr lang="en-US" sz="2600" dirty="0" err="1">
+                <a:latin typeface="Lexend Light"/>
+              </a:rPr>
               <a:t>.read</a:t>
             </a:r>
             <a:r>
-              <a:rPr lang="en-US" sz="2600" dirty="0"/>
+              <a:rPr lang="en-US" sz="2600" dirty="0">
+                <a:latin typeface="Lexend Light"/>
+              </a:rPr>
               <a:t>()  - reads the entire contents of the file</a:t>
             </a:r>
           </a:p>
@@ -12362,10 +13048,20 @@
           <a:lstStyle/>
           <a:p>
             <a:r>
-              <a:rPr lang="en-US" dirty="0"/>
+              <a:rPr lang="en-US" b="1" dirty="0">
+                <a:solidFill>
+                  <a:srgbClr val="0071F6"/>
+                </a:solidFill>
+                <a:latin typeface="Lexend" panose="020B0604020202020204"/>
+              </a:rPr>
               <a:t>Reading data – cont’d</a:t>
             </a:r>
-            <a:endParaRPr lang="he-IL" dirty="0"/>
+            <a:endParaRPr lang="he-IL" b="1" dirty="0">
+              <a:solidFill>
+                <a:srgbClr val="0071F6"/>
+              </a:solidFill>
+              <a:latin typeface="Lexend" panose="020B0604020202020204"/>
+            </a:endParaRPr>
           </a:p>
         </p:txBody>
       </p:sp>
@@ -12426,7 +13122,9 @@
               <a:buChar char="•"/>
             </a:pPr>
             <a:r>
-              <a:rPr lang="en-US" dirty="0"/>
+              <a:rPr lang="en-US" dirty="0">
+                <a:latin typeface="Lexend Light"/>
+              </a:rPr>
               <a:t>For reading lines from a file, you can loop over the file object. This is memory efficient, fast, and leads to simple code:</a:t>
             </a:r>
           </a:p>
@@ -12435,34 +13133,48 @@
               <a:buFont typeface="Arial" panose="020B0604020202020204" pitchFamily="34" charset="0"/>
               <a:buChar char="•"/>
             </a:pPr>
-            <a:endParaRPr lang="en-US" dirty="0"/>
+            <a:endParaRPr lang="en-US" dirty="0">
+              <a:latin typeface="Lexend Light"/>
+            </a:endParaRPr>
           </a:p>
           <a:p>
             <a:pPr marL="400050" lvl="1" indent="0">
               <a:buNone/>
             </a:pPr>
             <a:r>
-              <a:rPr lang="en-US" b="1" dirty="0"/>
+              <a:rPr lang="en-US" b="1" dirty="0">
+                <a:latin typeface="Lexend Light"/>
+              </a:rPr>
               <a:t>for</a:t>
             </a:r>
             <a:r>
-              <a:rPr lang="en-US" dirty="0"/>
+              <a:rPr lang="en-US" dirty="0">
+                <a:latin typeface="Lexend Light"/>
+              </a:rPr>
               <a:t> line </a:t>
             </a:r>
             <a:r>
-              <a:rPr lang="en-US" b="1" dirty="0"/>
+              <a:rPr lang="en-US" b="1" dirty="0">
+                <a:latin typeface="Lexend Light"/>
+              </a:rPr>
               <a:t>in</a:t>
             </a:r>
             <a:r>
-              <a:rPr lang="en-US" dirty="0"/>
+              <a:rPr lang="en-US" dirty="0">
+                <a:latin typeface="Lexend Light"/>
+              </a:rPr>
               <a:t> </a:t>
             </a:r>
             <a:r>
-              <a:rPr lang="en-US" i="1" dirty="0" err="1"/>
+              <a:rPr lang="en-US" i="1" dirty="0" err="1">
+                <a:latin typeface="Lexend Light"/>
+              </a:rPr>
               <a:t>file_object</a:t>
             </a:r>
             <a:r>
-              <a:rPr lang="en-US" dirty="0"/>
+              <a:rPr lang="en-US" dirty="0">
+                <a:latin typeface="Lexend Light"/>
+              </a:rPr>
               <a:t>: </a:t>
             </a:r>
           </a:p>
@@ -12471,11 +13183,15 @@
               <a:buNone/>
             </a:pPr>
             <a:r>
-              <a:rPr lang="he-IL" dirty="0"/>
+              <a:rPr lang="he-IL" dirty="0">
+                <a:latin typeface="Lexend Light"/>
+              </a:rPr>
               <a:t>	</a:t>
             </a:r>
             <a:r>
-              <a:rPr lang="en-US" dirty="0"/>
+              <a:rPr lang="en-US" dirty="0">
+                <a:latin typeface="Lexend Light"/>
+              </a:rPr>
               <a:t>print (line)</a:t>
             </a:r>
           </a:p>
@@ -12497,10 +13213,20 @@
           <a:lstStyle/>
           <a:p>
             <a:r>
-              <a:rPr lang="en-US" dirty="0"/>
+              <a:rPr lang="en-US" b="1" dirty="0">
+                <a:solidFill>
+                  <a:srgbClr val="0071F6"/>
+                </a:solidFill>
+                <a:latin typeface="Lexend" panose="020B0604020202020204"/>
+              </a:rPr>
               <a:t>File iterator</a:t>
             </a:r>
-            <a:endParaRPr lang="he-IL" dirty="0"/>
+            <a:endParaRPr lang="he-IL" b="1" dirty="0">
+              <a:solidFill>
+                <a:srgbClr val="0071F6"/>
+              </a:solidFill>
+              <a:latin typeface="Lexend" panose="020B0604020202020204"/>
+            </a:endParaRPr>
           </a:p>
         </p:txBody>
       </p:sp>
@@ -12561,27 +13287,39 @@
               <a:buChar char="•"/>
             </a:pPr>
             <a:r>
-              <a:rPr lang="en-US" i="1" dirty="0" err="1"/>
+              <a:rPr lang="en-US" i="1" dirty="0" err="1">
+                <a:latin typeface="Lexend Light"/>
+              </a:rPr>
               <a:t>f</a:t>
             </a:r>
             <a:r>
-              <a:rPr lang="en-US" sz="2800" i="1" dirty="0" err="1"/>
+              <a:rPr lang="en-US" sz="2800" i="1" dirty="0" err="1">
+                <a:latin typeface="Lexend Light"/>
+              </a:rPr>
               <a:t>ile_object</a:t>
             </a:r>
             <a:r>
-              <a:rPr lang="en-US" sz="2800" dirty="0" err="1"/>
+              <a:rPr lang="en-US" sz="2800" dirty="0" err="1">
+                <a:latin typeface="Lexend Light"/>
+              </a:rPr>
               <a:t>.write</a:t>
             </a:r>
             <a:r>
-              <a:rPr lang="en-US" sz="2800" dirty="0"/>
+              <a:rPr lang="en-US" sz="2800" dirty="0">
+                <a:latin typeface="Lexend Light"/>
+              </a:rPr>
               <a:t>(string) -  writes the contents of </a:t>
             </a:r>
             <a:r>
-              <a:rPr lang="en-US" sz="2800" i="1" dirty="0"/>
+              <a:rPr lang="en-US" sz="2800" i="1" dirty="0">
+                <a:latin typeface="Lexend Light"/>
+              </a:rPr>
               <a:t>string</a:t>
             </a:r>
             <a:r>
-              <a:rPr lang="en-US" sz="2800" dirty="0"/>
+              <a:rPr lang="en-US" sz="2800" dirty="0">
+                <a:latin typeface="Lexend Light"/>
+              </a:rPr>
               <a:t> to the file</a:t>
             </a:r>
           </a:p>
@@ -12590,18 +13328,24 @@
               <a:buFont typeface="Arial" panose="020B0604020202020204" pitchFamily="34" charset="0"/>
               <a:buChar char="•"/>
             </a:pPr>
-            <a:endParaRPr lang="en-US" sz="2800" dirty="0"/>
+            <a:endParaRPr lang="en-US" sz="2800" dirty="0">
+              <a:latin typeface="Lexend Light"/>
+            </a:endParaRPr>
           </a:p>
           <a:p>
             <a:pPr marL="0" indent="0">
               <a:buNone/>
             </a:pPr>
             <a:r>
-              <a:rPr lang="he-IL" dirty="0"/>
+              <a:rPr lang="he-IL" dirty="0">
+                <a:latin typeface="Lexend Light"/>
+              </a:rPr>
               <a:t>  </a:t>
             </a:r>
             <a:r>
-              <a:rPr lang="en-US" sz="2800" dirty="0"/>
+              <a:rPr lang="en-US" sz="2800" dirty="0">
+                <a:latin typeface="Lexend Light"/>
+              </a:rPr>
               <a:t>with open('out', 'w') as f: </a:t>
             </a:r>
           </a:p>
@@ -12610,15 +13354,21 @@
               <a:buNone/>
             </a:pPr>
             <a:r>
-              <a:rPr lang="he-IL" dirty="0"/>
+              <a:rPr lang="he-IL" dirty="0">
+                <a:latin typeface="Lexend Light"/>
+              </a:rPr>
               <a:t>	</a:t>
             </a:r>
             <a:r>
-              <a:rPr lang="en-US" sz="2800" dirty="0" err="1"/>
+              <a:rPr lang="en-US" sz="2800" dirty="0" err="1">
+                <a:latin typeface="Lexend Light"/>
+              </a:rPr>
               <a:t>f.write</a:t>
             </a:r>
             <a:r>
-              <a:rPr lang="en-US" sz="2800" dirty="0"/>
+              <a:rPr lang="en-US" sz="2800" dirty="0">
+                <a:latin typeface="Lexend Light"/>
+              </a:rPr>
               <a:t>('This is a test\n')</a:t>
             </a:r>
           </a:p>
@@ -12640,10 +13390,20 @@
           <a:lstStyle/>
           <a:p>
             <a:r>
-              <a:rPr lang="en-US" dirty="0"/>
+              <a:rPr lang="en-US" b="1" dirty="0">
+                <a:solidFill>
+                  <a:srgbClr val="0071F6"/>
+                </a:solidFill>
+                <a:latin typeface="Lexend" panose="020B0604020202020204"/>
+              </a:rPr>
               <a:t>Writing to file</a:t>
             </a:r>
-            <a:endParaRPr lang="he-IL" dirty="0"/>
+            <a:endParaRPr lang="he-IL" b="1" dirty="0">
+              <a:solidFill>
+                <a:srgbClr val="0071F6"/>
+              </a:solidFill>
+              <a:latin typeface="Lexend" panose="020B0604020202020204"/>
+            </a:endParaRPr>
           </a:p>
         </p:txBody>
       </p:sp>
@@ -12693,12 +13453,21 @@
           <a:lstStyle/>
           <a:p>
             <a:r>
-              <a:rPr lang="en-US" dirty="0">
-                <a:effectLst/>
+              <a:rPr lang="en-US" b="1" dirty="0">
+                <a:solidFill>
+                  <a:srgbClr val="0071F6"/>
+                </a:solidFill>
+                <a:effectLst/>
+                <a:latin typeface="Lexend" panose="020B0604020202020204"/>
               </a:rPr>
               <a:t>File Position</a:t>
             </a:r>
-            <a:endParaRPr lang="he-IL" dirty="0"/>
+            <a:endParaRPr lang="he-IL" b="1" dirty="0">
+              <a:solidFill>
+                <a:srgbClr val="0071F6"/>
+              </a:solidFill>
+              <a:latin typeface="Lexend" panose="020B0604020202020204"/>
+            </a:endParaRPr>
           </a:p>
         </p:txBody>
       </p:sp>
@@ -12720,115 +13489,163 @@
           <a:lstStyle/>
           <a:p>
             <a:r>
-              <a:rPr lang="en-US" b="1" dirty="0"/>
+              <a:rPr lang="en-US" b="1" dirty="0">
+                <a:latin typeface="Lexend Light"/>
+              </a:rPr>
               <a:t>tell()</a:t>
             </a:r>
             <a:r>
-              <a:rPr lang="en-US" dirty="0"/>
+              <a:rPr lang="en-US" dirty="0">
+                <a:latin typeface="Lexend Light"/>
+              </a:rPr>
               <a:t>  - returns current position in the file, in bytes from the beginning of the file.</a:t>
             </a:r>
           </a:p>
           <a:p>
             <a:r>
-              <a:rPr lang="en-US" dirty="0"/>
+              <a:rPr lang="en-US" dirty="0">
+                <a:latin typeface="Lexend Light"/>
+              </a:rPr>
               <a:t>The </a:t>
             </a:r>
             <a:r>
-              <a:rPr lang="en-US" b="1" i="1" dirty="0"/>
+              <a:rPr lang="en-US" b="1" i="1" dirty="0">
+                <a:latin typeface="Lexend Light"/>
+              </a:rPr>
               <a:t>seek(offset, from=0)</a:t>
             </a:r>
             <a:r>
-              <a:rPr lang="en-US" b="1" dirty="0"/>
+              <a:rPr lang="en-US" b="1" dirty="0">
+                <a:latin typeface="Lexend Light"/>
+              </a:rPr>
               <a:t> </a:t>
             </a:r>
             <a:r>
-              <a:rPr lang="en-US" dirty="0"/>
+              <a:rPr lang="en-US" dirty="0">
+                <a:latin typeface="Lexend Light"/>
+              </a:rPr>
               <a:t>method changes the current file position. </a:t>
             </a:r>
           </a:p>
           <a:p>
             <a:pPr lvl="1"/>
             <a:r>
-              <a:rPr lang="en-US" dirty="0"/>
+              <a:rPr lang="en-US" dirty="0">
+                <a:latin typeface="Lexend Light"/>
+              </a:rPr>
               <a:t>The </a:t>
             </a:r>
             <a:r>
-              <a:rPr lang="en-US" i="1" dirty="0"/>
+              <a:rPr lang="en-US" i="1" dirty="0">
+                <a:latin typeface="Lexend Light"/>
+              </a:rPr>
               <a:t>offset</a:t>
             </a:r>
             <a:r>
-              <a:rPr lang="en-US" dirty="0"/>
+              <a:rPr lang="en-US" dirty="0">
+                <a:latin typeface="Lexend Light"/>
+              </a:rPr>
               <a:t> argument indicates the number of bytes to be moved. </a:t>
             </a:r>
           </a:p>
           <a:p>
             <a:pPr lvl="1"/>
             <a:r>
-              <a:rPr lang="en-US" dirty="0"/>
+              <a:rPr lang="en-US" dirty="0">
+                <a:latin typeface="Lexend Light"/>
+              </a:rPr>
               <a:t>The </a:t>
             </a:r>
             <a:r>
-              <a:rPr lang="en-US" i="1" dirty="0"/>
+              <a:rPr lang="en-US" i="1" dirty="0">
+                <a:latin typeface="Lexend Light"/>
+              </a:rPr>
               <a:t>from</a:t>
             </a:r>
             <a:r>
-              <a:rPr lang="en-US" dirty="0"/>
+              <a:rPr lang="en-US" dirty="0">
+                <a:latin typeface="Lexend Light"/>
+              </a:rPr>
               <a:t> argument specifies the reference position from where the bytes are to be moved:</a:t>
             </a:r>
-            <a:endParaRPr lang="en-US" b="1" dirty="0"/>
+            <a:endParaRPr lang="en-US" b="1" dirty="0">
+              <a:latin typeface="Lexend Light"/>
+            </a:endParaRPr>
           </a:p>
           <a:p>
             <a:pPr lvl="2"/>
             <a:r>
-              <a:rPr lang="en-US" b="1" dirty="0" err="1"/>
+              <a:rPr lang="en-US" b="1" dirty="0" err="1">
+                <a:latin typeface="Lexend Light"/>
+              </a:rPr>
               <a:t>io.SEEK_SET</a:t>
             </a:r>
             <a:r>
-              <a:rPr lang="en-US" b="1" dirty="0"/>
+              <a:rPr lang="en-US" b="1" dirty="0">
+                <a:latin typeface="Lexend Light"/>
+              </a:rPr>
               <a:t> (0) </a:t>
             </a:r>
             <a:r>
-              <a:rPr lang="en-US" dirty="0"/>
+              <a:rPr lang="en-US" dirty="0">
+                <a:latin typeface="Lexend Light"/>
+              </a:rPr>
               <a:t>– from the beginning of the file</a:t>
             </a:r>
           </a:p>
           <a:p>
             <a:pPr lvl="2"/>
             <a:r>
-              <a:rPr lang="en-US" b="1" dirty="0" err="1"/>
+              <a:rPr lang="en-US" b="1" dirty="0" err="1">
+                <a:latin typeface="Lexend Light"/>
+              </a:rPr>
               <a:t>io.SEEK_CUR</a:t>
             </a:r>
             <a:r>
-              <a:rPr lang="en-US" b="1" dirty="0"/>
+              <a:rPr lang="en-US" b="1" dirty="0">
+                <a:latin typeface="Lexend Light"/>
+              </a:rPr>
               <a:t> (1) </a:t>
             </a:r>
             <a:r>
-              <a:rPr lang="en-US" dirty="0"/>
+              <a:rPr lang="en-US" dirty="0">
+                <a:latin typeface="Lexend Light"/>
+              </a:rPr>
               <a:t>– from current file position</a:t>
             </a:r>
           </a:p>
           <a:p>
             <a:pPr lvl="2"/>
             <a:r>
-              <a:rPr lang="en-US" b="1" dirty="0" err="1"/>
+              <a:rPr lang="en-US" b="1" dirty="0" err="1">
+                <a:latin typeface="Lexend Light"/>
+              </a:rPr>
               <a:t>io.SEEK_END</a:t>
             </a:r>
             <a:r>
-              <a:rPr lang="en-US" b="1" dirty="0"/>
+              <a:rPr lang="en-US" b="1" dirty="0">
+                <a:latin typeface="Lexend Light"/>
+              </a:rPr>
               <a:t> (2) </a:t>
             </a:r>
             <a:r>
-              <a:rPr lang="en-US" dirty="0"/>
+              <a:rPr lang="en-US" dirty="0">
+                <a:latin typeface="Lexend Light"/>
+              </a:rPr>
               <a:t>– from the end of the file</a:t>
             </a:r>
           </a:p>
           <a:p>
             <a:pPr lvl="1"/>
             <a:r>
-              <a:rPr lang="en-US" dirty="0"/>
+              <a:rPr lang="en-US" dirty="0">
+                <a:latin typeface="Lexend Light"/>
+              </a:rPr>
               <a:t>offset must be zero for SEEK_CUR and SEEK_END in python 3.x</a:t>
             </a:r>
-            <a:endParaRPr lang="he-IL" dirty="0"/>
+            <a:endParaRPr lang="he-IL" dirty="0">
+              <a:latin typeface="Lexend Light"/>
+            </a:endParaRPr>
           </a:p>
         </p:txBody>
       </p:sp>
